--- a/104 자율비행 스터디/910606 Bebop 드론 PX4 비행 프로그램 업로드.pptx
+++ b/104 자율비행 스터디/910606 Bebop 드론 PX4 비행 프로그램 업로드.pptx
@@ -5,29 +5,30 @@
     <p:sldMasterId id="2147483660" r:id="rId1"/>
   </p:sldMasterIdLst>
   <p:notesMasterIdLst>
-    <p:notesMasterId r:id="rId22"/>
+    <p:notesMasterId r:id="rId23"/>
   </p:notesMasterIdLst>
   <p:sldIdLst>
     <p:sldId id="256" r:id="rId2"/>
     <p:sldId id="272" r:id="rId3"/>
     <p:sldId id="273" r:id="rId4"/>
     <p:sldId id="261" r:id="rId5"/>
-    <p:sldId id="276" r:id="rId6"/>
-    <p:sldId id="262" r:id="rId7"/>
-    <p:sldId id="260" r:id="rId8"/>
-    <p:sldId id="264" r:id="rId9"/>
-    <p:sldId id="263" r:id="rId10"/>
-    <p:sldId id="277" r:id="rId11"/>
-    <p:sldId id="266" r:id="rId12"/>
-    <p:sldId id="267" r:id="rId13"/>
-    <p:sldId id="268" r:id="rId14"/>
-    <p:sldId id="269" r:id="rId15"/>
-    <p:sldId id="271" r:id="rId16"/>
-    <p:sldId id="270" r:id="rId17"/>
-    <p:sldId id="278" r:id="rId18"/>
-    <p:sldId id="275" r:id="rId19"/>
-    <p:sldId id="274" r:id="rId20"/>
-    <p:sldId id="259" r:id="rId21"/>
+    <p:sldId id="279" r:id="rId6"/>
+    <p:sldId id="276" r:id="rId7"/>
+    <p:sldId id="262" r:id="rId8"/>
+    <p:sldId id="260" r:id="rId9"/>
+    <p:sldId id="264" r:id="rId10"/>
+    <p:sldId id="263" r:id="rId11"/>
+    <p:sldId id="277" r:id="rId12"/>
+    <p:sldId id="266" r:id="rId13"/>
+    <p:sldId id="267" r:id="rId14"/>
+    <p:sldId id="268" r:id="rId15"/>
+    <p:sldId id="269" r:id="rId16"/>
+    <p:sldId id="271" r:id="rId17"/>
+    <p:sldId id="270" r:id="rId18"/>
+    <p:sldId id="278" r:id="rId19"/>
+    <p:sldId id="275" r:id="rId20"/>
+    <p:sldId id="274" r:id="rId21"/>
+    <p:sldId id="259" r:id="rId22"/>
   </p:sldIdLst>
   <p:sldSz cx="9906000" cy="6858000" type="A4"/>
   <p:notesSz cx="6858000" cy="9144000"/>
@@ -447,7 +448,7 @@
           <a:p>
             <a:fld id="{60456C2F-1F67-44A5-80B0-9C3A6CA33C82}" type="datetimeFigureOut">
               <a:rPr lang="en-US" smtClean="0"/>
-              <a:t>6/16/2019</a:t>
+              <a:t>9/26/2019</a:t>
             </a:fld>
             <a:endParaRPr lang="en-US"/>
           </a:p>
@@ -846,7 +847,7 @@
           <a:p>
             <a:fld id="{B06DE1AE-4639-4348-B0F3-0167B6694DC9}" type="datetime1">
               <a:rPr lang="ko-KR" altLang="en-US" smtClean="0"/>
-              <a:t>2019-06-16</a:t>
+              <a:t>2019-09-26</a:t>
             </a:fld>
             <a:endParaRPr lang="en-US"/>
           </a:p>
@@ -1020,7 +1021,7 @@
           <a:p>
             <a:fld id="{0A6664A7-F427-4CE6-B4E0-68F20D477FC0}" type="datetime1">
               <a:rPr lang="ko-KR" altLang="en-US" smtClean="0"/>
-              <a:t>2019-06-16</a:t>
+              <a:t>2019-09-26</a:t>
             </a:fld>
             <a:endParaRPr lang="en-US"/>
           </a:p>
@@ -1356,7 +1357,7 @@
           <a:p>
             <a:fld id="{FA9B1944-E9AA-4CB3-A3C3-A27AE56A9BB7}" type="datetime1">
               <a:rPr lang="ko-KR" altLang="en-US" smtClean="0"/>
-              <a:t>2019-06-16</a:t>
+              <a:t>2019-09-26</a:t>
             </a:fld>
             <a:endParaRPr lang="en-US"/>
           </a:p>
@@ -1635,7 +1636,7 @@
           <a:p>
             <a:fld id="{99BD86E3-99A1-4169-B1C8-1A55721196C8}" type="datetime1">
               <a:rPr lang="ko-KR" altLang="en-US" smtClean="0"/>
-              <a:t>2019-06-16</a:t>
+              <a:t>2019-09-26</a:t>
             </a:fld>
             <a:endParaRPr lang="en-US"/>
           </a:p>
@@ -1951,7 +1952,7 @@
           <a:p>
             <a:fld id="{CE304F0F-8039-4A08-ADA5-D10D3A9B33DF}" type="datetime1">
               <a:rPr lang="ko-KR" altLang="en-US" smtClean="0"/>
-              <a:t>2019-06-16</a:t>
+              <a:t>2019-09-26</a:t>
             </a:fld>
             <a:endParaRPr lang="en-US"/>
           </a:p>
@@ -2365,7 +2366,7 @@
           <a:p>
             <a:fld id="{28866B29-90F0-4A08-89FB-620AA2F0F8D3}" type="datetime1">
               <a:rPr lang="ko-KR" altLang="en-US" smtClean="0"/>
-              <a:t>2019-06-16</a:t>
+              <a:t>2019-09-26</a:t>
             </a:fld>
             <a:endParaRPr lang="en-US"/>
           </a:p>
@@ -2487,7 +2488,7 @@
           <a:p>
             <a:fld id="{B9615DA9-78D4-48B3-9962-E7DA71CD6641}" type="datetime1">
               <a:rPr lang="ko-KR" altLang="en-US" smtClean="0"/>
-              <a:t>2019-06-16</a:t>
+              <a:t>2019-09-26</a:t>
             </a:fld>
             <a:endParaRPr lang="en-US"/>
           </a:p>
@@ -2634,7 +2635,7 @@
           <a:p>
             <a:fld id="{9DE34919-3FD6-4B5C-A4D1-EEDC57DC61BF}" type="datetime1">
               <a:rPr lang="ko-KR" altLang="en-US" smtClean="0"/>
-              <a:t>2019-06-16</a:t>
+              <a:t>2019-09-26</a:t>
             </a:fld>
             <a:endParaRPr lang="en-US"/>
           </a:p>
@@ -2853,7 +2854,7 @@
           <a:p>
             <a:fld id="{1A5DDEA1-2698-4E9D-9D16-4796BB1B4EE7}" type="datetime1">
               <a:rPr lang="ko-KR" altLang="en-US" smtClean="0"/>
-              <a:t>2019-06-16</a:t>
+              <a:t>2019-09-26</a:t>
             </a:fld>
             <a:endParaRPr lang="en-US"/>
           </a:p>
@@ -3295,10 +3296,6 @@
               <a:rPr lang="ko-KR" altLang="en-US" sz="4800" dirty="0"/>
               <a:t>드론 </a:t>
             </a:r>
-            <a:r>
-              <a:rPr lang="en-US" altLang="ko-KR" sz="4800" dirty="0"/>
-              <a:t/>
-            </a:r>
             <a:br>
               <a:rPr lang="en-US" altLang="ko-KR" sz="4800" dirty="0"/>
             </a:br>
@@ -3467,7 +3464,7 @@
             </a:r>
             <a:r>
               <a:rPr lang="en-US" altLang="ko-KR" dirty="0"/>
-              <a:t>2</a:t>
+              <a:t>1</a:t>
             </a:r>
             <a:endParaRPr lang="en-US" dirty="0"/>
           </a:p>
@@ -3486,49 +3483,116 @@
         <p:spPr/>
         <p:txBody>
           <a:bodyPr>
-            <a:normAutofit/>
+            <a:normAutofit fontScale="92500" lnSpcReduction="10000"/>
           </a:bodyPr>
           <a:lstStyle/>
           <a:p>
             <a:r>
               <a:rPr lang="ko-KR" altLang="en-US" sz="2000" dirty="0"/>
-              <a:t>크로스 컴파일러 설치</a:t>
+              <a:t>사용자 그룹 수정</a:t>
             </a:r>
             <a:endParaRPr lang="en-US" altLang="ko-KR" sz="2000" dirty="0"/>
           </a:p>
           <a:p>
             <a:pPr lvl="1"/>
             <a:r>
+              <a:rPr lang="pt-BR" altLang="ko-KR" sz="2000" dirty="0"/>
+              <a:t>sudo usermod -a -G dialout $USER</a:t>
+            </a:r>
+            <a:endParaRPr lang="en-US" altLang="ko-KR" sz="2000" dirty="0"/>
+          </a:p>
+          <a:p>
+            <a:r>
+              <a:rPr lang="ko-KR" altLang="en-US" sz="2000" dirty="0"/>
+              <a:t>우분트 업데이트</a:t>
+            </a:r>
+            <a:endParaRPr lang="en-US" altLang="ko-KR" sz="2000" dirty="0"/>
+          </a:p>
+          <a:p>
+            <a:pPr lvl="1"/>
+            <a:r>
               <a:rPr lang="en-US" sz="2000" dirty="0"/>
-              <a:t>sudo apt install gcc-arm-</a:t>
+              <a:t>sudo apt update -y</a:t>
+            </a:r>
+          </a:p>
+          <a:p>
+            <a:r>
+              <a:rPr lang="ko-KR" altLang="en-US" sz="2000" dirty="0"/>
+              <a:t>우분투 업그레이트</a:t>
+            </a:r>
+            <a:endParaRPr lang="en-US" altLang="ko-KR" sz="2000" dirty="0"/>
+          </a:p>
+          <a:p>
+            <a:pPr lvl="1"/>
+            <a:r>
+              <a:rPr lang="en-US" sz="2000" dirty="0"/>
+              <a:t>sudo apt upgrade -y</a:t>
+            </a:r>
+          </a:p>
+          <a:p>
+            <a:r>
+              <a:rPr lang="ko-KR" altLang="en-US" sz="2000" dirty="0"/>
+              <a:t>리부팅</a:t>
+            </a:r>
+            <a:endParaRPr lang="en-US" altLang="ko-KR" sz="2000" dirty="0"/>
+          </a:p>
+          <a:p>
+            <a:pPr lvl="1"/>
+            <a:r>
+              <a:rPr lang="en-US" sz="2000" dirty="0"/>
+              <a:t>sudo</a:t>
+            </a:r>
+            <a:r>
+              <a:rPr lang="ko-KR" altLang="en-US" sz="2000" dirty="0"/>
+              <a:t> </a:t>
+            </a:r>
+            <a:r>
+              <a:rPr lang="en-US" altLang="ko-KR" sz="2000" dirty="0"/>
+              <a:t>reboot</a:t>
+            </a:r>
+          </a:p>
+          <a:p>
+            <a:r>
+              <a:rPr lang="ko-KR" altLang="en-US" sz="2000" dirty="0"/>
+              <a:t>빌드 프로그램 설치</a:t>
+            </a:r>
+            <a:endParaRPr lang="en-US" altLang="ko-KR" sz="2000" dirty="0"/>
+          </a:p>
+          <a:p>
+            <a:pPr lvl="1"/>
+            <a:r>
+              <a:rPr lang="en-US" sz="2000" dirty="0"/>
+              <a:t>sudo apt install adb</a:t>
+            </a:r>
+          </a:p>
+          <a:p>
+            <a:pPr lvl="1"/>
+            <a:r>
+              <a:rPr lang="en-US" sz="2000" dirty="0"/>
+              <a:t>sudo apt install git -y</a:t>
+            </a:r>
+          </a:p>
+          <a:p>
+            <a:pPr lvl="1"/>
+            <a:r>
+              <a:rPr lang="en-US" sz="2000" dirty="0"/>
+              <a:t>sudo apt </a:t>
+            </a:r>
+            <a:r>
+              <a:rPr lang="en-US" sz="2000"/>
+              <a:t>install cmake</a:t>
+            </a:r>
+            <a:endParaRPr lang="en-US" sz="2000" dirty="0"/>
+          </a:p>
+          <a:p>
+            <a:pPr lvl="1"/>
+            <a:r>
+              <a:rPr lang="en-US" sz="2000" dirty="0"/>
+              <a:t>sudo apt install python-jinja2 python-pip python-</a:t>
             </a:r>
             <a:r>
               <a:rPr lang="en-US" sz="2000" dirty="0" err="1"/>
-              <a:t>linux</a:t>
-            </a:r>
-            <a:r>
-              <a:rPr lang="en-US" sz="2000" dirty="0"/>
-              <a:t>-</a:t>
-            </a:r>
-            <a:r>
-              <a:rPr lang="en-US" sz="2000" dirty="0" err="1"/>
-              <a:t>gnueabihf</a:t>
-            </a:r>
-            <a:r>
-              <a:rPr lang="en-US" sz="2000" dirty="0"/>
-              <a:t> g++-arm-</a:t>
-            </a:r>
-            <a:r>
-              <a:rPr lang="en-US" sz="2000" dirty="0" err="1"/>
-              <a:t>linux</a:t>
-            </a:r>
-            <a:r>
-              <a:rPr lang="en-US" sz="2000" dirty="0"/>
-              <a:t>-</a:t>
-            </a:r>
-            <a:r>
-              <a:rPr lang="en-US" sz="2000" dirty="0" err="1"/>
-              <a:t>gnueabihf</a:t>
+              <a:t>empy</a:t>
             </a:r>
             <a:r>
               <a:rPr lang="en-US" sz="2000" dirty="0"/>
@@ -3536,25 +3600,38 @@
             </a:r>
           </a:p>
           <a:p>
+            <a:pPr lvl="1"/>
             <a:r>
               <a:rPr lang="en-US" sz="2000" dirty="0"/>
-              <a:t>adb tool </a:t>
-            </a:r>
-            <a:r>
-              <a:rPr lang="ko-KR" altLang="en-US" sz="2000" dirty="0"/>
-              <a:t>설치</a:t>
-            </a:r>
-            <a:endParaRPr lang="en-US" sz="2000" dirty="0"/>
-          </a:p>
-          <a:p>
-            <a:pPr lvl="1"/>
+              <a:t>sudo pip install future </a:t>
+            </a:r>
+            <a:r>
+              <a:rPr lang="en-US" sz="2000" dirty="0" err="1"/>
+              <a:t>numpy</a:t>
+            </a:r>
             <a:r>
               <a:rPr lang="en-US" sz="2000" dirty="0"/>
-              <a:t>sudo apt </a:t>
-            </a:r>
-            <a:r>
-              <a:rPr lang="en-US" sz="2000"/>
-              <a:t>install android-tools-adb</a:t>
+              <a:t> </a:t>
+            </a:r>
+            <a:r>
+              <a:rPr lang="en-US" sz="2000" dirty="0" err="1"/>
+              <a:t>toml</a:t>
+            </a:r>
+            <a:r>
+              <a:rPr lang="en-US" sz="2000" dirty="0"/>
+              <a:t> </a:t>
+            </a:r>
+            <a:r>
+              <a:rPr lang="en-US" sz="2000" dirty="0" err="1"/>
+              <a:t>catkin_pkg</a:t>
+            </a:r>
+            <a:r>
+              <a:rPr lang="en-US" sz="2000" dirty="0"/>
+              <a:t> </a:t>
+            </a:r>
+            <a:r>
+              <a:rPr lang="en-US" sz="2000" dirty="0" err="1"/>
+              <a:t>pyyaml</a:t>
             </a:r>
             <a:endParaRPr lang="en-US" sz="2000" dirty="0"/>
           </a:p>
@@ -3580,7 +3657,7 @@
           <a:p>
             <a:fld id="{0A6664A7-F427-4CE6-B4E0-68F20D477FC0}" type="datetime1">
               <a:rPr lang="ko-KR" altLang="en-US" smtClean="0"/>
-              <a:t>2019-06-16</a:t>
+              <a:t>2019-09-26</a:t>
             </a:fld>
             <a:endParaRPr lang="en-US"/>
           </a:p>
@@ -3635,7 +3712,7 @@
     </p:spTree>
     <p:extLst>
       <p:ext uri="{BB962C8B-B14F-4D97-AF65-F5344CB8AC3E}">
-        <p14:creationId xmlns:p14="http://schemas.microsoft.com/office/powerpoint/2010/main" val="2240053168"/>
+        <p14:creationId xmlns:p14="http://schemas.microsoft.com/office/powerpoint/2010/main" val="3180850"/>
       </p:ext>
     </p:extLst>
   </p:cSld>
@@ -3674,155 +3751,108 @@
         </p:nvSpPr>
         <p:spPr/>
         <p:txBody>
+          <a:bodyPr/>
+          <a:lstStyle/>
+          <a:p>
+            <a:r>
+              <a:rPr lang="ko-KR" altLang="en-US" dirty="0"/>
+              <a:t>빌드 프로그램 설치 </a:t>
+            </a:r>
+            <a:r>
+              <a:rPr lang="en-US" altLang="ko-KR" dirty="0"/>
+              <a:t>2</a:t>
+            </a:r>
+            <a:endParaRPr lang="en-US" dirty="0"/>
+          </a:p>
+        </p:txBody>
+      </p:sp>
+      <p:sp>
+        <p:nvSpPr>
+          <p:cNvPr id="3" name="내용 개체 틀 2"/>
+          <p:cNvSpPr>
+            <a:spLocks noGrp="1"/>
+          </p:cNvSpPr>
+          <p:nvPr>
+            <p:ph idx="1"/>
+          </p:nvPr>
+        </p:nvSpPr>
+        <p:spPr/>
+        <p:txBody>
           <a:bodyPr>
             <a:normAutofit/>
           </a:bodyPr>
           <a:lstStyle/>
           <a:p>
             <a:r>
-              <a:rPr lang="en-US" dirty="0"/>
-              <a:t>PX4 </a:t>
-            </a:r>
-            <a:r>
-              <a:rPr lang="ko-KR" altLang="en-US" dirty="0"/>
-              <a:t>소스 다운로드 및 빌드</a:t>
-            </a:r>
-            <a:endParaRPr lang="en-US" dirty="0"/>
-          </a:p>
-        </p:txBody>
-      </p:sp>
-      <p:sp>
-        <p:nvSpPr>
-          <p:cNvPr id="3" name="내용 개체 틀 2"/>
-          <p:cNvSpPr>
-            <a:spLocks noGrp="1"/>
-          </p:cNvSpPr>
-          <p:nvPr>
-            <p:ph idx="1"/>
-          </p:nvPr>
-        </p:nvSpPr>
-        <p:spPr>
-          <a:xfrm>
-            <a:off x="681038" y="1255271"/>
-            <a:ext cx="8948154" cy="4921692"/>
-          </a:xfrm>
-        </p:spPr>
-        <p:txBody>
-          <a:bodyPr>
-            <a:noAutofit/>
-          </a:bodyPr>
-          <a:lstStyle/>
-          <a:p>
-            <a:r>
-              <a:rPr lang="ko-KR" altLang="en-US" sz="1800"/>
-              <a:t>소스 다운로드 및 실행</a:t>
-            </a:r>
-            <a:endParaRPr lang="en-US" sz="1800" dirty="0"/>
+              <a:rPr lang="ko-KR" altLang="en-US" sz="2000" dirty="0"/>
+              <a:t>크로스 컴파일러 설치</a:t>
+            </a:r>
+            <a:endParaRPr lang="en-US" altLang="ko-KR" sz="2000" dirty="0"/>
           </a:p>
           <a:p>
             <a:pPr lvl="1"/>
             <a:r>
-              <a:rPr lang="en-US" sz="1800"/>
-              <a:t>cd  </a:t>
-            </a:r>
-            <a:r>
-              <a:rPr lang="en-US" altLang="ko-KR" sz="1800"/>
-              <a:t>~</a:t>
-            </a:r>
-            <a:endParaRPr lang="da-DK" sz="1800" dirty="0"/>
+              <a:rPr lang="en-US" sz="2000" dirty="0"/>
+              <a:t>sudo apt install gcc-arm-</a:t>
+            </a:r>
+            <a:r>
+              <a:rPr lang="en-US" sz="2000" dirty="0" err="1"/>
+              <a:t>linux</a:t>
+            </a:r>
+            <a:r>
+              <a:rPr lang="en-US" sz="2000" dirty="0"/>
+              <a:t>-</a:t>
+            </a:r>
+            <a:r>
+              <a:rPr lang="en-US" sz="2000" dirty="0" err="1"/>
+              <a:t>gnueabihf</a:t>
+            </a:r>
+            <a:r>
+              <a:rPr lang="en-US" sz="2000" dirty="0"/>
+              <a:t> g++-arm-</a:t>
+            </a:r>
+            <a:r>
+              <a:rPr lang="en-US" sz="2000" dirty="0" err="1"/>
+              <a:t>linux</a:t>
+            </a:r>
+            <a:r>
+              <a:rPr lang="en-US" sz="2000" dirty="0"/>
+              <a:t>-</a:t>
+            </a:r>
+            <a:r>
+              <a:rPr lang="en-US" sz="2000" dirty="0" err="1"/>
+              <a:t>gnueabihf</a:t>
+            </a:r>
+            <a:r>
+              <a:rPr lang="en-US" sz="2000" dirty="0"/>
+              <a:t> -y</a:t>
+            </a:r>
+          </a:p>
+          <a:p>
+            <a:r>
+              <a:rPr lang="en-US" sz="2000" dirty="0"/>
+              <a:t>adb tool </a:t>
+            </a:r>
+            <a:r>
+              <a:rPr lang="ko-KR" altLang="en-US" sz="2000" dirty="0"/>
+              <a:t>설치</a:t>
+            </a:r>
+            <a:endParaRPr lang="en-US" sz="2000" dirty="0"/>
           </a:p>
           <a:p>
             <a:pPr lvl="1"/>
             <a:r>
-              <a:rPr lang="da-DK" sz="1800"/>
-              <a:t>wget  </a:t>
-            </a:r>
-            <a:r>
-              <a:rPr lang="da-DK" sz="1800">
-                <a:hlinkClick r:id="rId2"/>
-              </a:rPr>
-              <a:t>https://raw.githubusercontent.com/PX4/Devguide/master/build_scripts/ubuntu_sim_nuttx.sh</a:t>
-            </a:r>
-            <a:endParaRPr lang="da-DK" sz="1800"/>
-          </a:p>
-          <a:p>
-            <a:pPr lvl="1"/>
-            <a:r>
-              <a:rPr lang="da-DK" sz="1800"/>
-              <a:t>source ubuntu_sim_nuttx.sh</a:t>
-            </a:r>
-            <a:endParaRPr lang="en-US" sz="1800" dirty="0"/>
-          </a:p>
-          <a:p>
-            <a:r>
-              <a:rPr lang="ko-KR" altLang="en-US" sz="1800" dirty="0"/>
-              <a:t>폴더 이동</a:t>
-            </a:r>
-            <a:endParaRPr lang="en-US" sz="1800" dirty="0"/>
-          </a:p>
-          <a:p>
-            <a:pPr lvl="1"/>
-            <a:r>
-              <a:rPr lang="en-US" sz="1800"/>
-              <a:t>cd  ~/src/Firmware</a:t>
-            </a:r>
-            <a:endParaRPr lang="en-US" sz="1800" dirty="0"/>
-          </a:p>
-          <a:p>
-            <a:r>
-              <a:rPr lang="ko-KR" altLang="en-US" sz="1800" dirty="0"/>
-              <a:t>소스 업데이트</a:t>
-            </a:r>
-            <a:endParaRPr lang="en-US" sz="1800" dirty="0"/>
-          </a:p>
-          <a:p>
-            <a:pPr lvl="1"/>
-            <a:r>
-              <a:rPr lang="en-US" sz="1800"/>
-              <a:t>git pull</a:t>
-            </a:r>
-          </a:p>
-          <a:p>
-            <a:pPr lvl="1"/>
-            <a:r>
-              <a:rPr lang="en-US" sz="1800"/>
-              <a:t>git submodule sync  --recursive</a:t>
-            </a:r>
-            <a:endParaRPr lang="en-US" sz="1800" dirty="0"/>
-          </a:p>
-          <a:p>
-            <a:pPr lvl="1"/>
-            <a:r>
-              <a:rPr lang="en-US" sz="1800" dirty="0"/>
-              <a:t>git submodule </a:t>
-            </a:r>
-            <a:r>
-              <a:rPr lang="en-US" sz="1800"/>
-              <a:t>update  --</a:t>
-            </a:r>
-            <a:r>
-              <a:rPr lang="en-US" sz="1800" dirty="0"/>
-              <a:t>init --recursive</a:t>
-            </a:r>
-          </a:p>
-          <a:p>
-            <a:r>
-              <a:rPr lang="ko-KR" altLang="en-US" sz="1800" dirty="0"/>
-              <a:t>빌드</a:t>
-            </a:r>
-            <a:endParaRPr lang="en-US" altLang="ko-KR" sz="1800" dirty="0"/>
-          </a:p>
-          <a:p>
-            <a:pPr lvl="1"/>
-            <a:r>
-              <a:rPr lang="en-US" sz="1800"/>
-              <a:t>make </a:t>
-            </a:r>
-            <a:r>
-              <a:rPr lang="en-US" sz="1800" smtClean="0"/>
-              <a:t>parrot_bebop</a:t>
-            </a:r>
-            <a:endParaRPr lang="en-US" sz="1800" dirty="0"/>
+              <a:rPr lang="en-US" sz="2000" dirty="0"/>
+              <a:t>sudo apt </a:t>
+            </a:r>
+            <a:r>
+              <a:rPr lang="en-US" sz="2000"/>
+              <a:t>install android-tools-adb</a:t>
+            </a:r>
+            <a:endParaRPr lang="en-US" sz="2000" dirty="0"/>
+          </a:p>
+          <a:p>
+            <a:endParaRPr lang="en-US" sz="2000" dirty="0"/>
           </a:p>
         </p:txBody>
       </p:sp>
@@ -3843,7 +3873,7 @@
           <a:p>
             <a:fld id="{0A6664A7-F427-4CE6-B4E0-68F20D477FC0}" type="datetime1">
               <a:rPr lang="ko-KR" altLang="en-US" smtClean="0"/>
-              <a:t>2019-06-16</a:t>
+              <a:t>2019-09-26</a:t>
             </a:fld>
             <a:endParaRPr lang="en-US"/>
           </a:p>
@@ -3898,7 +3928,7 @@
     </p:spTree>
     <p:extLst>
       <p:ext uri="{BB962C8B-B14F-4D97-AF65-F5344CB8AC3E}">
-        <p14:creationId xmlns:p14="http://schemas.microsoft.com/office/powerpoint/2010/main" val="250159192"/>
+        <p14:creationId xmlns:p14="http://schemas.microsoft.com/office/powerpoint/2010/main" val="2240053168"/>
       </p:ext>
     </p:extLst>
   </p:cSld>
@@ -3937,181 +3967,151 @@
         </p:nvSpPr>
         <p:spPr/>
         <p:txBody>
-          <a:bodyPr/>
-          <a:lstStyle/>
-          <a:p>
-            <a:r>
-              <a:rPr lang="en-US" dirty="0"/>
-              <a:t>PX4</a:t>
-            </a:r>
-            <a:r>
-              <a:rPr lang="ko-KR" altLang="en-US" dirty="0"/>
-              <a:t>업로드 </a:t>
-            </a:r>
-            <a:r>
-              <a:rPr lang="en-US" altLang="ko-KR" dirty="0"/>
-              <a:t>1</a:t>
-            </a:r>
-            <a:endParaRPr lang="en-US" dirty="0"/>
-          </a:p>
-        </p:txBody>
-      </p:sp>
-      <p:sp>
-        <p:nvSpPr>
-          <p:cNvPr id="3" name="내용 개체 틀 2"/>
-          <p:cNvSpPr>
-            <a:spLocks noGrp="1"/>
-          </p:cNvSpPr>
-          <p:nvPr>
-            <p:ph idx="1"/>
-          </p:nvPr>
-        </p:nvSpPr>
-        <p:spPr/>
-        <p:txBody>
           <a:bodyPr>
             <a:normAutofit/>
           </a:bodyPr>
           <a:lstStyle/>
           <a:p>
             <a:r>
+              <a:rPr lang="en-US" dirty="0"/>
+              <a:t>PX4 </a:t>
+            </a:r>
+            <a:r>
               <a:rPr lang="ko-KR" altLang="en-US" dirty="0"/>
-              <a:t>노트북에서 </a:t>
-            </a:r>
-            <a:r>
-              <a:rPr lang="en-US" dirty="0"/>
-              <a:t>Bebop </a:t>
-            </a:r>
-            <a:r>
-              <a:rPr lang="ko-KR" altLang="en-US" dirty="0"/>
-              <a:t>와이파이 연결</a:t>
-            </a:r>
-            <a:r>
-              <a:rPr lang="en-US" altLang="ko-KR" dirty="0"/>
-              <a:t/>
-            </a:r>
-            <a:br>
-              <a:rPr lang="en-US" altLang="ko-KR" dirty="0"/>
-            </a:br>
-            <a:r>
-              <a:rPr lang="en-US" altLang="ko-KR" dirty="0"/>
-              <a:t>Bebop </a:t>
-            </a:r>
-            <a:r>
-              <a:rPr lang="ko-KR" altLang="en-US" dirty="0"/>
-              <a:t>드론의 </a:t>
-            </a:r>
-            <a:r>
-              <a:rPr lang="en-US" altLang="ko-KR" dirty="0"/>
-              <a:t>Wi-Fi AP </a:t>
-            </a:r>
-            <a:r>
-              <a:rPr lang="ko-KR" altLang="en-US" dirty="0"/>
-              <a:t>이름은 </a:t>
-            </a:r>
-            <a:r>
-              <a:rPr lang="en-US" dirty="0"/>
-              <a:t>Bebop2_xxxxx </a:t>
-            </a:r>
-            <a:r>
-              <a:rPr lang="ko-KR" altLang="en-US" dirty="0"/>
-              <a:t>이다</a:t>
-            </a:r>
-            <a:r>
-              <a:rPr lang="en-US" altLang="ko-KR" dirty="0"/>
-              <a:t>.</a:t>
+              <a:t>소스 다운로드 및 빌드</a:t>
             </a:r>
             <a:endParaRPr lang="en-US" dirty="0"/>
           </a:p>
-          <a:p>
-            <a:r>
-              <a:rPr lang="en-US" altLang="ko-KR" dirty="0"/>
-              <a:t>Bebop </a:t>
-            </a:r>
-            <a:r>
-              <a:rPr lang="ko-KR" altLang="en-US" dirty="0"/>
-              <a:t>연결 확인</a:t>
-            </a:r>
-            <a:endParaRPr lang="en-US" altLang="ko-KR" dirty="0"/>
+        </p:txBody>
+      </p:sp>
+      <p:sp>
+        <p:nvSpPr>
+          <p:cNvPr id="3" name="내용 개체 틀 2"/>
+          <p:cNvSpPr>
+            <a:spLocks noGrp="1"/>
+          </p:cNvSpPr>
+          <p:nvPr>
+            <p:ph idx="1"/>
+          </p:nvPr>
+        </p:nvSpPr>
+        <p:spPr>
+          <a:xfrm>
+            <a:off x="681038" y="1255271"/>
+            <a:ext cx="8948154" cy="4921692"/>
+          </a:xfrm>
+        </p:spPr>
+        <p:txBody>
+          <a:bodyPr>
+            <a:noAutofit/>
+          </a:bodyPr>
+          <a:lstStyle/>
+          <a:p>
+            <a:r>
+              <a:rPr lang="ko-KR" altLang="en-US" sz="1800"/>
+              <a:t>소스 다운로드 및 실행</a:t>
+            </a:r>
+            <a:endParaRPr lang="en-US" sz="1800" dirty="0"/>
           </a:p>
           <a:p>
             <a:pPr lvl="1"/>
             <a:r>
-              <a:rPr lang="en-US" altLang="ko-KR" dirty="0"/>
-              <a:t>ping 192.168.42.1 -</a:t>
-            </a:r>
-            <a:r>
-              <a:rPr lang="en-US" altLang="ko-KR"/>
-              <a:t>c 4 </a:t>
-            </a:r>
-            <a:endParaRPr lang="en-US" altLang="ko-KR" dirty="0"/>
-          </a:p>
-          <a:p>
-            <a:r>
-              <a:rPr lang="ko-KR" altLang="en-US" dirty="0"/>
-              <a:t>비밥 드론의 파워 버튼을 연속 </a:t>
-            </a:r>
-            <a:r>
-              <a:rPr lang="en-US" altLang="ko-KR" dirty="0"/>
-              <a:t>4</a:t>
-            </a:r>
-            <a:r>
-              <a:rPr lang="ko-KR" altLang="en-US" dirty="0"/>
-              <a:t>번 눌러서 </a:t>
-            </a:r>
-            <a:r>
-              <a:rPr lang="en-US" altLang="ko-KR" dirty="0"/>
-              <a:t>adb </a:t>
-            </a:r>
-            <a:r>
-              <a:rPr lang="ko-KR" altLang="en-US" dirty="0"/>
-              <a:t>서버를 실행한다</a:t>
-            </a:r>
-            <a:r>
-              <a:rPr lang="en-US" altLang="ko-KR" dirty="0"/>
-              <a:t>. =&gt; </a:t>
-            </a:r>
-            <a:r>
-              <a:rPr lang="en-US" dirty="0"/>
-              <a:t>telnet </a:t>
-            </a:r>
-            <a:r>
-              <a:rPr lang="ko-KR" altLang="en-US" dirty="0"/>
-              <a:t>접속이 가능해진다</a:t>
-            </a:r>
-            <a:r>
-              <a:rPr lang="en-US" altLang="ko-KR" dirty="0"/>
-              <a:t>.</a:t>
-            </a:r>
-            <a:endParaRPr lang="en-US" dirty="0"/>
-          </a:p>
-          <a:p>
-            <a:r>
-              <a:rPr lang="ko-KR" altLang="en-US" dirty="0"/>
-              <a:t>텔넷 접속 확인</a:t>
-            </a:r>
-            <a:endParaRPr lang="en-US" dirty="0"/>
+              <a:rPr lang="en-US" sz="1800"/>
+              <a:t>cd  </a:t>
+            </a:r>
+            <a:r>
+              <a:rPr lang="en-US" altLang="ko-KR" sz="1800"/>
+              <a:t>~</a:t>
+            </a:r>
+            <a:endParaRPr lang="da-DK" sz="1800" dirty="0"/>
           </a:p>
           <a:p>
             <a:pPr lvl="1"/>
             <a:r>
-              <a:rPr lang="ko-KR" altLang="en-US" dirty="0"/>
-              <a:t> </a:t>
-            </a:r>
-            <a:r>
-              <a:rPr lang="en-US" altLang="ko-KR" dirty="0"/>
-              <a:t>telnet</a:t>
-            </a:r>
-            <a:r>
-              <a:rPr lang="en-US" dirty="0"/>
-              <a:t> 192.168.42.1</a:t>
-            </a:r>
-          </a:p>
-          <a:p>
-            <a:pPr lvl="2"/>
-            <a:r>
-              <a:rPr lang="en-US" dirty="0"/>
-              <a:t>exit</a:t>
-            </a:r>
+              <a:rPr lang="da-DK" sz="1800"/>
+              <a:t>wget  </a:t>
+            </a:r>
+            <a:r>
+              <a:rPr lang="da-DK" sz="1800">
+                <a:hlinkClick r:id="rId2"/>
+              </a:rPr>
+              <a:t>https://raw.githubusercontent.com/PX4/Devguide/master/build_scripts/ubuntu_sim_nuttx.sh</a:t>
+            </a:r>
+            <a:endParaRPr lang="da-DK" sz="1800"/>
+          </a:p>
+          <a:p>
+            <a:pPr lvl="1"/>
+            <a:r>
+              <a:rPr lang="da-DK" sz="1800"/>
+              <a:t>source ubuntu_sim_nuttx.sh</a:t>
+            </a:r>
+            <a:endParaRPr lang="en-US" sz="1800" dirty="0"/>
+          </a:p>
+          <a:p>
+            <a:r>
+              <a:rPr lang="ko-KR" altLang="en-US" sz="1800" dirty="0"/>
+              <a:t>폴더 이동</a:t>
+            </a:r>
+            <a:endParaRPr lang="en-US" sz="1800" dirty="0"/>
+          </a:p>
+          <a:p>
+            <a:pPr lvl="1"/>
+            <a:r>
+              <a:rPr lang="en-US" sz="1800"/>
+              <a:t>cd  ~/src/Firmware</a:t>
+            </a:r>
+            <a:endParaRPr lang="en-US" sz="1800" dirty="0"/>
+          </a:p>
+          <a:p>
+            <a:r>
+              <a:rPr lang="ko-KR" altLang="en-US" sz="1800" dirty="0"/>
+              <a:t>소스 업데이트</a:t>
+            </a:r>
+            <a:endParaRPr lang="en-US" sz="1800" dirty="0"/>
+          </a:p>
+          <a:p>
+            <a:pPr lvl="1"/>
+            <a:r>
+              <a:rPr lang="en-US" sz="1800"/>
+              <a:t>git pull</a:t>
+            </a:r>
+          </a:p>
+          <a:p>
+            <a:pPr lvl="1"/>
+            <a:r>
+              <a:rPr lang="en-US" sz="1800"/>
+              <a:t>git submodule sync  --recursive</a:t>
+            </a:r>
+            <a:endParaRPr lang="en-US" sz="1800" dirty="0"/>
+          </a:p>
+          <a:p>
+            <a:pPr lvl="1"/>
+            <a:r>
+              <a:rPr lang="en-US" sz="1800" dirty="0"/>
+              <a:t>git submodule </a:t>
+            </a:r>
+            <a:r>
+              <a:rPr lang="en-US" sz="1800"/>
+              <a:t>update  --</a:t>
+            </a:r>
+            <a:r>
+              <a:rPr lang="en-US" sz="1800" dirty="0"/>
+              <a:t>init --recursive</a:t>
+            </a:r>
+          </a:p>
+          <a:p>
+            <a:r>
+              <a:rPr lang="ko-KR" altLang="en-US" sz="1800" dirty="0"/>
+              <a:t>빌드</a:t>
+            </a:r>
+            <a:endParaRPr lang="en-US" altLang="ko-KR" sz="1800" dirty="0"/>
+          </a:p>
+          <a:p>
+            <a:pPr lvl="1"/>
+            <a:r>
+              <a:rPr lang="en-US" sz="1800"/>
+              <a:t>make parrot_bebop</a:t>
+            </a:r>
+            <a:endParaRPr lang="en-US" sz="1800" dirty="0"/>
           </a:p>
         </p:txBody>
       </p:sp>
@@ -4132,7 +4132,7 @@
           <a:p>
             <a:fld id="{0A6664A7-F427-4CE6-B4E0-68F20D477FC0}" type="datetime1">
               <a:rPr lang="ko-KR" altLang="en-US" smtClean="0"/>
-              <a:t>2019-06-16</a:t>
+              <a:t>2019-09-26</a:t>
             </a:fld>
             <a:endParaRPr lang="en-US"/>
           </a:p>
@@ -4187,7 +4187,7 @@
     </p:spTree>
     <p:extLst>
       <p:ext uri="{BB962C8B-B14F-4D97-AF65-F5344CB8AC3E}">
-        <p14:creationId xmlns:p14="http://schemas.microsoft.com/office/powerpoint/2010/main" val="3775895680"/>
+        <p14:creationId xmlns:p14="http://schemas.microsoft.com/office/powerpoint/2010/main" val="250159192"/>
       </p:ext>
     </p:extLst>
   </p:cSld>
@@ -4231,7 +4231,7 @@
           <a:p>
             <a:r>
               <a:rPr lang="en-US" dirty="0"/>
-              <a:t>PX4 </a:t>
+              <a:t>PX4</a:t>
             </a:r>
             <a:r>
               <a:rPr lang="ko-KR" altLang="en-US" dirty="0"/>
@@ -4239,9 +4239,164 @@
             </a:r>
             <a:r>
               <a:rPr lang="en-US" altLang="ko-KR" dirty="0"/>
-              <a:t>2</a:t>
+              <a:t>1</a:t>
             </a:r>
             <a:endParaRPr lang="en-US" dirty="0"/>
+          </a:p>
+        </p:txBody>
+      </p:sp>
+      <p:sp>
+        <p:nvSpPr>
+          <p:cNvPr id="3" name="내용 개체 틀 2"/>
+          <p:cNvSpPr>
+            <a:spLocks noGrp="1"/>
+          </p:cNvSpPr>
+          <p:nvPr>
+            <p:ph idx="1"/>
+          </p:nvPr>
+        </p:nvSpPr>
+        <p:spPr/>
+        <p:txBody>
+          <a:bodyPr>
+            <a:normAutofit/>
+          </a:bodyPr>
+          <a:lstStyle/>
+          <a:p>
+            <a:r>
+              <a:rPr lang="ko-KR" altLang="en-US" dirty="0"/>
+              <a:t>노트북에서 </a:t>
+            </a:r>
+            <a:r>
+              <a:rPr lang="en-US" dirty="0"/>
+              <a:t>Bebop </a:t>
+            </a:r>
+            <a:r>
+              <a:rPr lang="ko-KR" altLang="en-US" dirty="0"/>
+              <a:t>와이파이 연결</a:t>
+            </a:r>
+            <a:br>
+              <a:rPr lang="en-US" altLang="ko-KR" dirty="0"/>
+            </a:br>
+            <a:r>
+              <a:rPr lang="en-US" altLang="ko-KR" dirty="0"/>
+              <a:t>Bebop </a:t>
+            </a:r>
+            <a:r>
+              <a:rPr lang="ko-KR" altLang="en-US" dirty="0"/>
+              <a:t>드론의 </a:t>
+            </a:r>
+            <a:r>
+              <a:rPr lang="en-US" altLang="ko-KR" dirty="0"/>
+              <a:t>Wi-Fi AP </a:t>
+            </a:r>
+            <a:r>
+              <a:rPr lang="ko-KR" altLang="en-US" dirty="0"/>
+              <a:t>이름은 </a:t>
+            </a:r>
+            <a:r>
+              <a:rPr lang="en-US" dirty="0"/>
+              <a:t>Bebop2_xxxxx </a:t>
+            </a:r>
+            <a:r>
+              <a:rPr lang="ko-KR" altLang="en-US" dirty="0"/>
+              <a:t>이다</a:t>
+            </a:r>
+            <a:r>
+              <a:rPr lang="en-US" altLang="ko-KR" dirty="0"/>
+              <a:t>.</a:t>
+            </a:r>
+            <a:endParaRPr lang="en-US" dirty="0"/>
+          </a:p>
+          <a:p>
+            <a:r>
+              <a:rPr lang="en-US" altLang="ko-KR" dirty="0"/>
+              <a:t>Bebop </a:t>
+            </a:r>
+            <a:r>
+              <a:rPr lang="ko-KR" altLang="en-US" dirty="0"/>
+              <a:t>연결 확인</a:t>
+            </a:r>
+            <a:endParaRPr lang="en-US" altLang="ko-KR" dirty="0"/>
+          </a:p>
+          <a:p>
+            <a:pPr lvl="1"/>
+            <a:r>
+              <a:rPr lang="en-US" altLang="ko-KR" dirty="0"/>
+              <a:t>ping 192.168.42.1 -</a:t>
+            </a:r>
+            <a:r>
+              <a:rPr lang="en-US" altLang="ko-KR"/>
+              <a:t>c 4 </a:t>
+            </a:r>
+            <a:endParaRPr lang="en-US" altLang="ko-KR" dirty="0"/>
+          </a:p>
+          <a:p>
+            <a:r>
+              <a:rPr lang="ko-KR" altLang="en-US" dirty="0"/>
+              <a:t>비밥 드론의 파워 버튼을 연속 </a:t>
+            </a:r>
+            <a:r>
+              <a:rPr lang="en-US" altLang="ko-KR" dirty="0"/>
+              <a:t>4</a:t>
+            </a:r>
+            <a:r>
+              <a:rPr lang="ko-KR" altLang="en-US" dirty="0"/>
+              <a:t>번 눌러서 </a:t>
+            </a:r>
+            <a:r>
+              <a:rPr lang="en-US" altLang="ko-KR" dirty="0"/>
+              <a:t>adb </a:t>
+            </a:r>
+            <a:r>
+              <a:rPr lang="ko-KR" altLang="en-US" dirty="0"/>
+              <a:t>서버를 실행한다</a:t>
+            </a:r>
+            <a:r>
+              <a:rPr lang="en-US" altLang="ko-KR" dirty="0"/>
+              <a:t>. =&gt; </a:t>
+            </a:r>
+            <a:r>
+              <a:rPr lang="en-US" dirty="0"/>
+              <a:t>telnet </a:t>
+            </a:r>
+            <a:r>
+              <a:rPr lang="ko-KR" altLang="en-US" dirty="0"/>
+              <a:t>접속이 가능해진다</a:t>
+            </a:r>
+            <a:r>
+              <a:rPr lang="en-US" altLang="ko-KR" dirty="0"/>
+              <a:t>.</a:t>
+            </a:r>
+            <a:endParaRPr lang="en-US" dirty="0"/>
+          </a:p>
+          <a:p>
+            <a:r>
+              <a:rPr lang="ko-KR" altLang="en-US" dirty="0"/>
+              <a:t>텔넷 접속 확인</a:t>
+            </a:r>
+            <a:endParaRPr lang="en-US" dirty="0"/>
+          </a:p>
+          <a:p>
+            <a:pPr lvl="1"/>
+            <a:r>
+              <a:rPr lang="ko-KR" altLang="en-US" dirty="0"/>
+              <a:t> </a:t>
+            </a:r>
+            <a:r>
+              <a:rPr lang="en-US" altLang="ko-KR" dirty="0"/>
+              <a:t>telnet</a:t>
+            </a:r>
+            <a:r>
+              <a:rPr lang="en-US" dirty="0"/>
+              <a:t> 192.168.42.1</a:t>
+            </a:r>
+          </a:p>
+          <a:p>
+            <a:pPr lvl="2"/>
+            <a:r>
+              <a:rPr lang="en-US" dirty="0"/>
+              <a:t>exit</a:t>
+            </a:r>
           </a:p>
         </p:txBody>
       </p:sp>
@@ -4262,7 +4417,7 @@
           <a:p>
             <a:fld id="{0A6664A7-F427-4CE6-B4E0-68F20D477FC0}" type="datetime1">
               <a:rPr lang="ko-KR" altLang="en-US" smtClean="0"/>
-              <a:t>2019-06-16</a:t>
+              <a:t>2019-09-26</a:t>
             </a:fld>
             <a:endParaRPr lang="en-US"/>
           </a:p>
@@ -4314,67 +4469,10 @@
           </a:p>
         </p:txBody>
       </p:sp>
-      <p:sp>
-        <p:nvSpPr>
-          <p:cNvPr id="7" name="내용 개체 틀 6"/>
-          <p:cNvSpPr>
-            <a:spLocks noGrp="1"/>
-          </p:cNvSpPr>
-          <p:nvPr>
-            <p:ph idx="1"/>
-          </p:nvPr>
-        </p:nvSpPr>
-        <p:spPr>
-          <a:xfrm>
-            <a:off x="681038" y="1255271"/>
-            <a:ext cx="8912141" cy="4921692"/>
-          </a:xfrm>
-        </p:spPr>
-        <p:txBody>
-          <a:bodyPr>
-            <a:normAutofit/>
-          </a:bodyPr>
-          <a:lstStyle/>
-          <a:p>
-            <a:r>
-              <a:rPr lang="en-US" sz="2400"/>
-              <a:t>PX4 </a:t>
-            </a:r>
-            <a:r>
-              <a:rPr lang="ko-KR" altLang="en-US" sz="2400" dirty="0"/>
-              <a:t>비행 </a:t>
-            </a:r>
-            <a:r>
-              <a:rPr lang="en-US" altLang="ko-KR" sz="2400" dirty="0"/>
-              <a:t>S/W </a:t>
-            </a:r>
-            <a:r>
-              <a:rPr lang="ko-KR" altLang="en-US" sz="2400" dirty="0"/>
-              <a:t>업로드</a:t>
-            </a:r>
-            <a:endParaRPr lang="en-US" altLang="ko-KR" sz="2400" dirty="0"/>
-          </a:p>
-          <a:p>
-            <a:pPr lvl="1"/>
-            <a:r>
-              <a:rPr lang="en-US" sz="2400"/>
-              <a:t>cd   ~/src/Firmware</a:t>
-            </a:r>
-          </a:p>
-          <a:p>
-            <a:pPr lvl="1"/>
-            <a:r>
-              <a:rPr lang="en-US" sz="2400"/>
-              <a:t>make parrot_bebop upload</a:t>
-            </a:r>
-            <a:endParaRPr lang="en-US" sz="2400" dirty="0"/>
-          </a:p>
-        </p:txBody>
-      </p:sp>
     </p:spTree>
     <p:extLst>
       <p:ext uri="{BB962C8B-B14F-4D97-AF65-F5344CB8AC3E}">
-        <p14:creationId xmlns:p14="http://schemas.microsoft.com/office/powerpoint/2010/main" val="1224889669"/>
+        <p14:creationId xmlns:p14="http://schemas.microsoft.com/office/powerpoint/2010/main" val="3775895680"/>
       </p:ext>
     </p:extLst>
   </p:cSld>
@@ -4413,36 +4511,22 @@
         </p:nvSpPr>
         <p:spPr/>
         <p:txBody>
-          <a:bodyPr>
-            <a:normAutofit/>
-          </a:bodyPr>
-          <a:lstStyle/>
-          <a:p>
-            <a:r>
-              <a:rPr lang="ko-KR" altLang="en-US" sz="3600" dirty="0"/>
-              <a:t>비밥 드론 </a:t>
-            </a:r>
-            <a:r>
-              <a:rPr lang="en-US" sz="3600" dirty="0"/>
+          <a:bodyPr/>
+          <a:lstStyle/>
+          <a:p>
+            <a:r>
+              <a:rPr lang="en-US" dirty="0"/>
               <a:t>PX4 </a:t>
             </a:r>
             <a:r>
-              <a:rPr lang="ko-KR" altLang="en-US" sz="3600" dirty="0"/>
-              <a:t>자동</a:t>
-            </a:r>
-            <a:r>
-              <a:rPr lang="en-US" sz="3600" dirty="0"/>
-              <a:t> </a:t>
-            </a:r>
-            <a:r>
-              <a:rPr lang="ko-KR" altLang="en-US" sz="3600" dirty="0"/>
-              <a:t>실행 설정 </a:t>
-            </a:r>
-            <a:r>
-              <a:rPr lang="en-US" altLang="ko-KR" sz="3600" dirty="0"/>
-              <a:t>1</a:t>
-            </a:r>
-            <a:endParaRPr lang="en-US" sz="3600" dirty="0"/>
+              <a:rPr lang="ko-KR" altLang="en-US" dirty="0"/>
+              <a:t>업로드 </a:t>
+            </a:r>
+            <a:r>
+              <a:rPr lang="en-US" altLang="ko-KR" dirty="0"/>
+              <a:t>2</a:t>
+            </a:r>
+            <a:endParaRPr lang="en-US" dirty="0"/>
           </a:p>
         </p:txBody>
       </p:sp>
@@ -4463,7 +4547,7 @@
           <a:p>
             <a:fld id="{0A6664A7-F427-4CE6-B4E0-68F20D477FC0}" type="datetime1">
               <a:rPr lang="ko-KR" altLang="en-US" smtClean="0"/>
-              <a:t>2019-06-16</a:t>
+              <a:t>2019-09-26</a:t>
             </a:fld>
             <a:endParaRPr lang="en-US"/>
           </a:p>
@@ -4527,8 +4611,8 @@
         </p:nvSpPr>
         <p:spPr>
           <a:xfrm>
-            <a:off x="307813" y="1261101"/>
-            <a:ext cx="9153427" cy="4921692"/>
+            <a:off x="681038" y="1255271"/>
+            <a:ext cx="8912141" cy="4921692"/>
           </a:xfrm>
         </p:spPr>
         <p:txBody>
@@ -4538,123 +4622,44 @@
           <a:lstStyle/>
           <a:p>
             <a:r>
-              <a:rPr lang="ko-KR" altLang="en-US" dirty="0"/>
-              <a:t>비밥 드론을 텔넷으로 접속한다</a:t>
-            </a:r>
-            <a:r>
-              <a:rPr lang="en-US" altLang="ko-KR" dirty="0"/>
-              <a:t>.</a:t>
-            </a:r>
-            <a:endParaRPr lang="en-US" dirty="0"/>
+              <a:rPr lang="en-US" sz="2400"/>
+              <a:t>PX4 </a:t>
+            </a:r>
+            <a:r>
+              <a:rPr lang="ko-KR" altLang="en-US" sz="2400" dirty="0"/>
+              <a:t>비행 </a:t>
+            </a:r>
+            <a:r>
+              <a:rPr lang="en-US" altLang="ko-KR" sz="2400" dirty="0"/>
+              <a:t>S/W </a:t>
+            </a:r>
+            <a:r>
+              <a:rPr lang="ko-KR" altLang="en-US" sz="2400" dirty="0"/>
+              <a:t>업로드</a:t>
+            </a:r>
+            <a:endParaRPr lang="en-US" altLang="ko-KR" sz="2400" dirty="0"/>
           </a:p>
           <a:p>
             <a:pPr lvl="1"/>
             <a:r>
-              <a:rPr lang="en-US"/>
-              <a:t>telnet </a:t>
-            </a:r>
-            <a:r>
-              <a:rPr lang="en-US" dirty="0"/>
-              <a:t>192.168.42.1</a:t>
-            </a:r>
-          </a:p>
-          <a:p>
-            <a:r>
-              <a:rPr lang="ko-KR" altLang="en-US" dirty="0"/>
-              <a:t>현재 실행중인 </a:t>
-            </a:r>
-            <a:r>
-              <a:rPr lang="en-US" altLang="ko-KR" dirty="0"/>
-              <a:t>PX4 </a:t>
-            </a:r>
-            <a:r>
-              <a:rPr lang="ko-KR" altLang="en-US" dirty="0"/>
-              <a:t>프로그램 종료</a:t>
-            </a:r>
-            <a:endParaRPr lang="en-US" dirty="0"/>
+              <a:rPr lang="en-US" sz="2400"/>
+              <a:t>cd   ~/src/Firmware</a:t>
+            </a:r>
           </a:p>
           <a:p>
             <a:pPr lvl="1"/>
             <a:r>
-              <a:rPr lang="en-US"/>
-              <a:t>kk</a:t>
-            </a:r>
-            <a:endParaRPr lang="en-US" dirty="0"/>
-          </a:p>
-          <a:p>
-            <a:r>
-              <a:rPr lang="ko-KR" altLang="en-US"/>
-              <a:t>현재 실행중인 </a:t>
-            </a:r>
-            <a:r>
-              <a:rPr lang="en-US" altLang="ko-KR"/>
-              <a:t>arducopter </a:t>
-            </a:r>
-            <a:r>
-              <a:rPr lang="ko-KR" altLang="en-US"/>
-              <a:t>프로세스 </a:t>
-            </a:r>
-            <a:r>
-              <a:rPr lang="ko-KR" altLang="en-US" smtClean="0"/>
-              <a:t>종</a:t>
-            </a:r>
-            <a:r>
-              <a:rPr lang="ko-KR" altLang="en-US" smtClean="0"/>
-              <a:t>료</a:t>
-            </a:r>
-            <a:endParaRPr lang="en-US" altLang="ko-KR"/>
-          </a:p>
-          <a:p>
-            <a:pPr lvl="1"/>
-            <a:r>
-              <a:rPr lang="en-US" altLang="ko-KR"/>
-              <a:t>killall arducopter</a:t>
-            </a:r>
-          </a:p>
-          <a:p>
-            <a:r>
-              <a:rPr lang="en-US" altLang="ko-KR"/>
-              <a:t>PX4 </a:t>
-            </a:r>
-            <a:r>
-              <a:rPr lang="ko-KR" altLang="en-US" dirty="0"/>
-              <a:t>비행 </a:t>
-            </a:r>
-            <a:r>
-              <a:rPr lang="en-US" altLang="ko-KR" dirty="0"/>
-              <a:t>S/W </a:t>
-            </a:r>
-            <a:r>
-              <a:rPr lang="ko-KR" altLang="en-US" dirty="0"/>
-              <a:t>수동 실행</a:t>
-            </a:r>
-            <a:endParaRPr lang="en-US" dirty="0"/>
-          </a:p>
-          <a:p>
-            <a:pPr lvl="1"/>
-            <a:r>
-              <a:rPr lang="en-US"/>
-              <a:t>/</a:t>
-            </a:r>
-            <a:r>
-              <a:rPr lang="en-US" dirty="0"/>
-              <a:t>data/ftp/internal_000/px4/px4 -s </a:t>
-            </a:r>
-            <a:r>
-              <a:rPr lang="en-US"/>
-              <a:t>/home/root/px4.config </a:t>
-            </a:r>
-            <a:endParaRPr lang="en-US" dirty="0"/>
-          </a:p>
-          <a:p>
-            <a:endParaRPr lang="en-US" altLang="ko-KR" dirty="0"/>
+              <a:rPr lang="en-US" sz="2400"/>
+              <a:t>make parrot_bebop upload</a:t>
+            </a:r>
+            <a:endParaRPr lang="en-US" sz="2400" dirty="0"/>
           </a:p>
         </p:txBody>
       </p:sp>
     </p:spTree>
     <p:extLst>
       <p:ext uri="{BB962C8B-B14F-4D97-AF65-F5344CB8AC3E}">
-        <p14:creationId xmlns:p14="http://schemas.microsoft.com/office/powerpoint/2010/main" val="35356887"/>
+        <p14:creationId xmlns:p14="http://schemas.microsoft.com/office/powerpoint/2010/main" val="1224889669"/>
       </p:ext>
     </p:extLst>
   </p:cSld>
@@ -4703,8 +4708,12 @@
               <a:t>비밥 드론 </a:t>
             </a:r>
             <a:r>
-              <a:rPr lang="en-US" sz="3600" dirty="0" err="1"/>
-              <a:t>AruduPilot</a:t>
+              <a:rPr lang="en-US" sz="3600" dirty="0"/>
+              <a:t>PX4 </a:t>
+            </a:r>
+            <a:r>
+              <a:rPr lang="ko-KR" altLang="en-US" sz="3600" dirty="0"/>
+              <a:t>자동</a:t>
             </a:r>
             <a:r>
               <a:rPr lang="en-US" sz="3600" dirty="0"/>
@@ -4712,19 +4721,11 @@
             </a:r>
             <a:r>
               <a:rPr lang="ko-KR" altLang="en-US" sz="3600" dirty="0"/>
-              <a:t>자동</a:t>
-            </a:r>
-            <a:r>
-              <a:rPr lang="en-US" sz="3600" dirty="0"/>
-              <a:t> </a:t>
-            </a:r>
-            <a:r>
-              <a:rPr lang="ko-KR" altLang="en-US" sz="3600" dirty="0"/>
               <a:t>실행 설정 </a:t>
             </a:r>
             <a:r>
               <a:rPr lang="en-US" altLang="ko-KR" sz="3600" dirty="0"/>
-              <a:t>2</a:t>
+              <a:t>1</a:t>
             </a:r>
             <a:endParaRPr lang="en-US" sz="3600" dirty="0"/>
           </a:p>
@@ -4747,7 +4748,7 @@
           <a:p>
             <a:fld id="{0A6664A7-F427-4CE6-B4E0-68F20D477FC0}" type="datetime1">
               <a:rPr lang="ko-KR" altLang="en-US" smtClean="0"/>
-              <a:t>2019-06-16</a:t>
+              <a:t>2019-09-26</a:t>
             </a:fld>
             <a:endParaRPr lang="en-US"/>
           </a:p>
@@ -4811,42 +4812,19 @@
         </p:nvSpPr>
         <p:spPr>
           <a:xfrm>
-            <a:off x="681038" y="1255270"/>
-            <a:ext cx="8912141" cy="2915078"/>
+            <a:off x="307813" y="1261101"/>
+            <a:ext cx="9153427" cy="4921692"/>
           </a:xfrm>
         </p:spPr>
         <p:txBody>
           <a:bodyPr>
-            <a:normAutofit fontScale="85000" lnSpcReduction="20000"/>
+            <a:normAutofit/>
           </a:bodyPr>
           <a:lstStyle/>
           <a:p>
             <a:r>
-              <a:rPr lang="ko-KR" altLang="en-US"/>
+              <a:rPr lang="ko-KR" altLang="en-US" dirty="0"/>
               <a:t>비밥 드론을 텔넷으로 접속한다</a:t>
-            </a:r>
-            <a:r>
-              <a:rPr lang="en-US" altLang="ko-KR"/>
-              <a:t>.</a:t>
-            </a:r>
-            <a:endParaRPr lang="en-US"/>
-          </a:p>
-          <a:p>
-            <a:pPr lvl="1"/>
-            <a:r>
-              <a:rPr lang="en-US"/>
-              <a:t>telnet 192.168.42.1</a:t>
-            </a:r>
-            <a:endParaRPr lang="en-US" altLang="ko-KR"/>
-          </a:p>
-          <a:p>
-            <a:r>
-              <a:rPr lang="ko-KR" altLang="en-US"/>
-              <a:t>루트 </a:t>
-            </a:r>
-            <a:r>
-              <a:rPr lang="ko-KR" altLang="en-US" dirty="0"/>
-              <a:t>폴더를 수정 가능 모드로 재 마운트한다</a:t>
             </a:r>
             <a:r>
               <a:rPr lang="en-US" altLang="ko-KR" dirty="0"/>
@@ -4858,264 +4836,102 @@
             <a:pPr lvl="1"/>
             <a:r>
               <a:rPr lang="en-US"/>
-              <a:t>mount </a:t>
+              <a:t>telnet </a:t>
             </a:r>
             <a:r>
               <a:rPr lang="en-US" dirty="0"/>
-              <a:t>-o </a:t>
-            </a:r>
-            <a:r>
-              <a:rPr lang="en-US" dirty="0" err="1"/>
-              <a:t>remount,rw</a:t>
+              <a:t>192.168.42.1</a:t>
+            </a:r>
+          </a:p>
+          <a:p>
+            <a:r>
+              <a:rPr lang="ko-KR" altLang="en-US" dirty="0"/>
+              <a:t>현재 실행중인 </a:t>
+            </a:r>
+            <a:r>
+              <a:rPr lang="en-US" altLang="ko-KR" dirty="0"/>
+              <a:t>PX4 </a:t>
+            </a:r>
+            <a:r>
+              <a:rPr lang="ko-KR" altLang="en-US" dirty="0"/>
+              <a:t>프로그램 종료</a:t>
+            </a:r>
+            <a:endParaRPr lang="en-US" dirty="0"/>
+          </a:p>
+          <a:p>
+            <a:pPr lvl="1"/>
+            <a:r>
+              <a:rPr lang="en-US"/>
+              <a:t>kk</a:t>
+            </a:r>
+            <a:endParaRPr lang="en-US" dirty="0"/>
+          </a:p>
+          <a:p>
+            <a:r>
+              <a:rPr lang="ko-KR" altLang="en-US"/>
+              <a:t>현재 실행중인 </a:t>
+            </a:r>
+            <a:r>
+              <a:rPr lang="en-US" altLang="ko-KR"/>
+              <a:t>arducopter </a:t>
+            </a:r>
+            <a:r>
+              <a:rPr lang="ko-KR" altLang="en-US"/>
+              <a:t>프로세스 종료</a:t>
+            </a:r>
+            <a:endParaRPr lang="en-US" altLang="ko-KR"/>
+          </a:p>
+          <a:p>
+            <a:pPr lvl="1"/>
+            <a:r>
+              <a:rPr lang="en-US" altLang="ko-KR"/>
+              <a:t>killall arducopter</a:t>
+            </a:r>
+          </a:p>
+          <a:p>
+            <a:r>
+              <a:rPr lang="en-US" altLang="ko-KR"/>
+              <a:t>PX4 </a:t>
+            </a:r>
+            <a:r>
+              <a:rPr lang="ko-KR" altLang="en-US" dirty="0"/>
+              <a:t>비행 </a:t>
+            </a:r>
+            <a:r>
+              <a:rPr lang="en-US" altLang="ko-KR" dirty="0"/>
+              <a:t>S/W </a:t>
+            </a:r>
+            <a:r>
+              <a:rPr lang="ko-KR" altLang="en-US" dirty="0"/>
+              <a:t>수동 실행</a:t>
+            </a:r>
+            <a:endParaRPr lang="en-US" dirty="0"/>
+          </a:p>
+          <a:p>
+            <a:pPr lvl="1"/>
+            <a:r>
+              <a:rPr lang="en-US"/>
+              <a:t>/</a:t>
             </a:r>
             <a:r>
               <a:rPr lang="en-US" dirty="0"/>
-              <a:t> /</a:t>
-            </a:r>
-            <a:endParaRPr lang="en-US" altLang="ko-KR" sz="2400" dirty="0"/>
-          </a:p>
-          <a:p>
-            <a:r>
-              <a:rPr lang="ko-KR" altLang="en-US" sz="2400"/>
-              <a:t>리눅스 </a:t>
-            </a:r>
-            <a:r>
-              <a:rPr lang="ko-KR" altLang="en-US" sz="2400" dirty="0"/>
-              <a:t>자동 실행 프로그램 원본 복사</a:t>
-            </a:r>
-            <a:endParaRPr lang="en-US" sz="2400" dirty="0"/>
-          </a:p>
-          <a:p>
-            <a:pPr lvl="1"/>
-            <a:r>
-              <a:rPr lang="en-US" sz="2400"/>
-              <a:t>cp </a:t>
-            </a:r>
-            <a:r>
-              <a:rPr lang="en-US" sz="2400" dirty="0"/>
-              <a:t>/etc/</a:t>
-            </a:r>
-            <a:r>
-              <a:rPr lang="en-US" sz="2400" dirty="0" err="1"/>
-              <a:t>init.d</a:t>
-            </a:r>
-            <a:r>
-              <a:rPr lang="en-US" sz="2400" dirty="0"/>
-              <a:t>/</a:t>
-            </a:r>
-            <a:r>
-              <a:rPr lang="en-US" sz="2400" dirty="0" err="1"/>
-              <a:t>rcS_mode_default</a:t>
-            </a:r>
-            <a:r>
-              <a:rPr lang="en-US" sz="2400" dirty="0"/>
-              <a:t> /etc/</a:t>
-            </a:r>
-            <a:r>
-              <a:rPr lang="en-US" sz="2400" dirty="0" err="1"/>
-              <a:t>init.d</a:t>
-            </a:r>
-            <a:r>
-              <a:rPr lang="en-US" sz="2400" dirty="0"/>
-              <a:t>/</a:t>
-            </a:r>
-            <a:r>
-              <a:rPr lang="en-US" sz="2400" dirty="0" err="1"/>
-              <a:t>rcS_mode_default_backup</a:t>
-            </a:r>
-            <a:endParaRPr lang="en-US" altLang="ko-KR" sz="2400" dirty="0"/>
-          </a:p>
-          <a:p>
-            <a:r>
-              <a:rPr lang="ko-KR" altLang="en-US" sz="2400" dirty="0"/>
-              <a:t>리눅스 자동 실행 프로그램 수정</a:t>
-            </a:r>
-            <a:endParaRPr lang="en-US" sz="2400" dirty="0"/>
-          </a:p>
-          <a:p>
-            <a:pPr lvl="1"/>
-            <a:r>
-              <a:rPr lang="en-US" sz="2400"/>
-              <a:t>vi </a:t>
-            </a:r>
-            <a:r>
-              <a:rPr lang="en-US" sz="2400" dirty="0"/>
-              <a:t>/etc/</a:t>
-            </a:r>
-            <a:r>
-              <a:rPr lang="en-US" sz="2400" dirty="0" err="1"/>
-              <a:t>init.d</a:t>
-            </a:r>
-            <a:r>
-              <a:rPr lang="en-US" sz="2400" dirty="0"/>
-              <a:t>/</a:t>
-            </a:r>
-            <a:r>
-              <a:rPr lang="en-US" sz="2400" dirty="0" err="1"/>
-              <a:t>rcS_mode_default</a:t>
-            </a:r>
-            <a:r>
-              <a:rPr lang="en-US" sz="2400" dirty="0"/>
-              <a:t> </a:t>
-            </a:r>
-            <a:endParaRPr lang="ko-KR" altLang="en-US" sz="2400" dirty="0"/>
-          </a:p>
-          <a:p>
-            <a:endParaRPr lang="en-US" altLang="ko-KR" sz="2400" dirty="0"/>
-          </a:p>
-        </p:txBody>
-      </p:sp>
-      <p:sp>
-        <p:nvSpPr>
-          <p:cNvPr id="3" name="직사각형 2"/>
-          <p:cNvSpPr/>
-          <p:nvPr/>
-        </p:nvSpPr>
-        <p:spPr>
-          <a:xfrm>
-            <a:off x="1140349" y="4264351"/>
-            <a:ext cx="7625301" cy="2092000"/>
-          </a:xfrm>
-          <a:prstGeom prst="rect">
-            <a:avLst/>
-          </a:prstGeom>
-          <a:solidFill>
-            <a:schemeClr val="tx2">
-              <a:lumMod val="60000"/>
-              <a:lumOff val="40000"/>
-            </a:schemeClr>
-          </a:solidFill>
-        </p:spPr>
-        <p:txBody>
-          <a:bodyPr wrap="square">
-            <a:normAutofit fontScale="77500" lnSpcReduction="20000"/>
-          </a:bodyPr>
-          <a:lstStyle/>
-          <a:p>
-            <a:r>
-              <a:rPr lang="en-US" dirty="0"/>
-              <a:t>#!/bin/</a:t>
-            </a:r>
-            <a:r>
-              <a:rPr lang="en-US" dirty="0" err="1"/>
-              <a:t>sh</a:t>
+              <a:t>data/ftp/internal_000/px4/px4 -s </a:t>
+            </a:r>
+            <a:r>
+              <a:rPr lang="en-US"/>
+              <a:t>/home/root/px4.config </a:t>
             </a:r>
             <a:endParaRPr lang="en-US" dirty="0"/>
           </a:p>
           <a:p>
-            <a:r>
-              <a:rPr lang="en-US" dirty="0"/>
-              <a:t># default </a:t>
-            </a:r>
-            <a:r>
-              <a:rPr lang="en-US" dirty="0" err="1"/>
-              <a:t>rcS</a:t>
-            </a:r>
-            <a:r>
-              <a:rPr lang="en-US" dirty="0"/>
-              <a:t> running mode script</a:t>
-            </a:r>
-          </a:p>
-          <a:p>
-            <a:r>
-              <a:rPr lang="en-US" dirty="0"/>
-              <a:t>#</a:t>
-            </a:r>
-            <a:r>
-              <a:rPr lang="en-US" dirty="0" err="1"/>
-              <a:t>ulogger</a:t>
-            </a:r>
-            <a:r>
-              <a:rPr lang="en-US" dirty="0"/>
-              <a:t> -t "</a:t>
-            </a:r>
-            <a:r>
-              <a:rPr lang="en-US" dirty="0" err="1"/>
-              <a:t>rcS_mode_default</a:t>
-            </a:r>
-            <a:r>
-              <a:rPr lang="en-US" dirty="0"/>
-              <a:t>" -p I "Launching Dragon"</a:t>
-            </a:r>
-          </a:p>
-          <a:p>
-            <a:r>
-              <a:rPr lang="en-US" dirty="0" err="1"/>
-              <a:t>ulogger</a:t>
-            </a:r>
-            <a:r>
-              <a:rPr lang="en-US" dirty="0"/>
-              <a:t> -t "</a:t>
-            </a:r>
-            <a:r>
-              <a:rPr lang="en-US" dirty="0" err="1"/>
-              <a:t>rcS_mode_default</a:t>
-            </a:r>
-            <a:r>
-              <a:rPr lang="en-US" dirty="0"/>
-              <a:t>" -p I "Launching PX4"</a:t>
-            </a:r>
-          </a:p>
-          <a:p>
-            <a:r>
-              <a:rPr lang="en-US" dirty="0"/>
-              <a:t># increase the max socket size</a:t>
-            </a:r>
-          </a:p>
-          <a:p>
-            <a:r>
-              <a:rPr lang="en-US" dirty="0"/>
-              <a:t>echo $((1024*1024)) &gt; /proc/sys/net/core/</a:t>
-            </a:r>
-            <a:r>
-              <a:rPr lang="en-US" dirty="0" err="1"/>
-              <a:t>wmem_max</a:t>
-            </a:r>
-            <a:r>
-              <a:rPr lang="en-US" dirty="0"/>
-              <a:t>	</a:t>
-            </a:r>
-          </a:p>
-          <a:p>
-            <a:r>
-              <a:rPr lang="en-US" dirty="0"/>
-              <a:t>#DragonStarter.sh -out2null &amp; </a:t>
-            </a:r>
-          </a:p>
-          <a:p>
-            <a:r>
-              <a:rPr lang="en-US" dirty="0"/>
-              <a:t># enables the fan</a:t>
-            </a:r>
-          </a:p>
-          <a:p>
-            <a:r>
-              <a:rPr lang="en-US" dirty="0"/>
-              <a:t>echo 1 &gt; /sys/class/gpio/gpio85/value </a:t>
-            </a:r>
-          </a:p>
-          <a:p>
-            <a:r>
-              <a:rPr lang="en-US"/>
-              <a:t>/data/ftp/internal_000/px4/px4 -d -s /home/root/px4.config &gt; /home/root/px4.log</a:t>
-            </a:r>
-          </a:p>
-          <a:p>
-            <a:r>
-              <a:rPr lang="en-US" smtClean="0"/>
-              <a:t>sleep </a:t>
-            </a:r>
-            <a:r>
-              <a:rPr lang="en-US" dirty="0"/>
-              <a:t>1</a:t>
-            </a:r>
+            <a:endParaRPr lang="en-US" altLang="ko-KR" dirty="0"/>
           </a:p>
         </p:txBody>
       </p:sp>
     </p:spTree>
     <p:extLst>
       <p:ext uri="{BB962C8B-B14F-4D97-AF65-F5344CB8AC3E}">
-        <p14:creationId xmlns:p14="http://schemas.microsoft.com/office/powerpoint/2010/main" val="1184702749"/>
+        <p14:creationId xmlns:p14="http://schemas.microsoft.com/office/powerpoint/2010/main" val="35356887"/>
       </p:ext>
     </p:extLst>
   </p:cSld>
@@ -5154,29 +4970,6 @@
         </p:nvSpPr>
         <p:spPr/>
         <p:txBody>
-          <a:bodyPr/>
-          <a:lstStyle/>
-          <a:p>
-            <a:r>
-              <a:rPr lang="ko-KR" altLang="en-US"/>
-              <a:t>비밥 드론 리부팅</a:t>
-            </a:r>
-            <a:endParaRPr lang="en-US"/>
-          </a:p>
-        </p:txBody>
-      </p:sp>
-      <p:sp>
-        <p:nvSpPr>
-          <p:cNvPr id="3" name="내용 개체 틀 2"/>
-          <p:cNvSpPr>
-            <a:spLocks noGrp="1"/>
-          </p:cNvSpPr>
-          <p:nvPr>
-            <p:ph idx="1"/>
-          </p:nvPr>
-        </p:nvSpPr>
-        <p:spPr/>
-        <p:txBody>
           <a:bodyPr>
             <a:normAutofit/>
           </a:bodyPr>
@@ -5184,37 +4977,33 @@
           <a:p>
             <a:r>
               <a:rPr lang="ko-KR" altLang="en-US" sz="3600" dirty="0"/>
-              <a:t>파일 동기화</a:t>
+              <a:t>비밥 드론 </a:t>
+            </a:r>
+            <a:r>
+              <a:rPr lang="en-US" sz="3600" dirty="0" err="1"/>
+              <a:t>AruduPilot</a:t>
+            </a:r>
+            <a:r>
+              <a:rPr lang="en-US" sz="3600" dirty="0"/>
+              <a:t> </a:t>
+            </a:r>
+            <a:r>
+              <a:rPr lang="ko-KR" altLang="en-US" sz="3600" dirty="0"/>
+              <a:t>자동</a:t>
+            </a:r>
+            <a:r>
+              <a:rPr lang="en-US" sz="3600" dirty="0"/>
+              <a:t> </a:t>
+            </a:r>
+            <a:r>
+              <a:rPr lang="ko-KR" altLang="en-US" sz="3600" dirty="0"/>
+              <a:t>실행 설정 </a:t>
+            </a:r>
+            <a:r>
+              <a:rPr lang="en-US" altLang="ko-KR" sz="3600" dirty="0"/>
+              <a:t>2</a:t>
             </a:r>
             <a:endParaRPr lang="en-US" sz="3600" dirty="0"/>
-          </a:p>
-          <a:p>
-            <a:pPr lvl="1"/>
-            <a:r>
-              <a:rPr lang="en-US" sz="3600" dirty="0"/>
-              <a:t>sync</a:t>
-            </a:r>
-          </a:p>
-          <a:p>
-            <a:pPr lvl="1"/>
-            <a:r>
-              <a:rPr lang="en-US" sz="3600" dirty="0"/>
-              <a:t>sync</a:t>
-            </a:r>
-          </a:p>
-          <a:p>
-            <a:r>
-              <a:rPr lang="ko-KR" altLang="en-US" sz="3600" dirty="0"/>
-              <a:t>리부팅</a:t>
-            </a:r>
-            <a:endParaRPr lang="en-US" sz="3600" dirty="0"/>
-          </a:p>
-          <a:p>
-            <a:pPr lvl="1"/>
-            <a:r>
-              <a:rPr lang="en-US" sz="3600" dirty="0"/>
-              <a:t>reboot</a:t>
-            </a:r>
           </a:p>
         </p:txBody>
       </p:sp>
@@ -5235,7 +5024,7 @@
           <a:p>
             <a:fld id="{0A6664A7-F427-4CE6-B4E0-68F20D477FC0}" type="datetime1">
               <a:rPr lang="ko-KR" altLang="en-US" smtClean="0"/>
-              <a:t>2019-06-16</a:t>
+              <a:t>2019-09-26</a:t>
             </a:fld>
             <a:endParaRPr lang="en-US"/>
           </a:p>
@@ -5287,10 +5076,323 @@
           </a:p>
         </p:txBody>
       </p:sp>
+      <p:sp>
+        <p:nvSpPr>
+          <p:cNvPr id="7" name="내용 개체 틀 6"/>
+          <p:cNvSpPr>
+            <a:spLocks noGrp="1"/>
+          </p:cNvSpPr>
+          <p:nvPr>
+            <p:ph idx="1"/>
+          </p:nvPr>
+        </p:nvSpPr>
+        <p:spPr>
+          <a:xfrm>
+            <a:off x="681038" y="1255270"/>
+            <a:ext cx="8912141" cy="2915078"/>
+          </a:xfrm>
+        </p:spPr>
+        <p:txBody>
+          <a:bodyPr>
+            <a:normAutofit fontScale="85000" lnSpcReduction="20000"/>
+          </a:bodyPr>
+          <a:lstStyle/>
+          <a:p>
+            <a:r>
+              <a:rPr lang="ko-KR" altLang="en-US"/>
+              <a:t>비밥 드론을 텔넷으로 접속한다</a:t>
+            </a:r>
+            <a:r>
+              <a:rPr lang="en-US" altLang="ko-KR"/>
+              <a:t>.</a:t>
+            </a:r>
+            <a:endParaRPr lang="en-US"/>
+          </a:p>
+          <a:p>
+            <a:pPr lvl="1"/>
+            <a:r>
+              <a:rPr lang="en-US"/>
+              <a:t>telnet 192.168.42.1</a:t>
+            </a:r>
+            <a:endParaRPr lang="en-US" altLang="ko-KR"/>
+          </a:p>
+          <a:p>
+            <a:r>
+              <a:rPr lang="ko-KR" altLang="en-US"/>
+              <a:t>루트 </a:t>
+            </a:r>
+            <a:r>
+              <a:rPr lang="ko-KR" altLang="en-US" dirty="0"/>
+              <a:t>폴더를 수정 가능 모드로 재 마운트한다</a:t>
+            </a:r>
+            <a:r>
+              <a:rPr lang="en-US" altLang="ko-KR" dirty="0"/>
+              <a:t>.</a:t>
+            </a:r>
+            <a:endParaRPr lang="en-US" dirty="0"/>
+          </a:p>
+          <a:p>
+            <a:pPr lvl="1"/>
+            <a:r>
+              <a:rPr lang="en-US"/>
+              <a:t>mount </a:t>
+            </a:r>
+            <a:r>
+              <a:rPr lang="en-US" dirty="0"/>
+              <a:t>-o </a:t>
+            </a:r>
+            <a:r>
+              <a:rPr lang="en-US" dirty="0" err="1"/>
+              <a:t>remount,rw</a:t>
+            </a:r>
+            <a:r>
+              <a:rPr lang="en-US" dirty="0"/>
+              <a:t> /</a:t>
+            </a:r>
+            <a:endParaRPr lang="en-US" altLang="ko-KR" sz="2400" dirty="0"/>
+          </a:p>
+          <a:p>
+            <a:r>
+              <a:rPr lang="ko-KR" altLang="en-US" sz="2400"/>
+              <a:t>리눅스 </a:t>
+            </a:r>
+            <a:r>
+              <a:rPr lang="ko-KR" altLang="en-US" sz="2400" dirty="0"/>
+              <a:t>자동 실행 프로그램 원본 복사</a:t>
+            </a:r>
+            <a:endParaRPr lang="en-US" sz="2400" dirty="0"/>
+          </a:p>
+          <a:p>
+            <a:pPr lvl="1"/>
+            <a:r>
+              <a:rPr lang="en-US" sz="2400"/>
+              <a:t>cp </a:t>
+            </a:r>
+            <a:r>
+              <a:rPr lang="en-US" sz="2400" dirty="0"/>
+              <a:t>/etc/</a:t>
+            </a:r>
+            <a:r>
+              <a:rPr lang="en-US" sz="2400" dirty="0" err="1"/>
+              <a:t>init.d</a:t>
+            </a:r>
+            <a:r>
+              <a:rPr lang="en-US" sz="2400" dirty="0"/>
+              <a:t>/</a:t>
+            </a:r>
+            <a:r>
+              <a:rPr lang="en-US" sz="2400" dirty="0" err="1"/>
+              <a:t>rcS_mode_default</a:t>
+            </a:r>
+            <a:r>
+              <a:rPr lang="en-US" sz="2400" dirty="0"/>
+              <a:t> /etc/</a:t>
+            </a:r>
+            <a:r>
+              <a:rPr lang="en-US" sz="2400" dirty="0" err="1"/>
+              <a:t>init.d</a:t>
+            </a:r>
+            <a:r>
+              <a:rPr lang="en-US" sz="2400" dirty="0"/>
+              <a:t>/</a:t>
+            </a:r>
+            <a:r>
+              <a:rPr lang="en-US" sz="2400" dirty="0" err="1"/>
+              <a:t>rcS_mode_default_backup</a:t>
+            </a:r>
+            <a:endParaRPr lang="en-US" altLang="ko-KR" sz="2400" dirty="0"/>
+          </a:p>
+          <a:p>
+            <a:r>
+              <a:rPr lang="ko-KR" altLang="en-US" sz="2400" dirty="0"/>
+              <a:t>리눅스 자동 실행 프로그램 수정</a:t>
+            </a:r>
+            <a:endParaRPr lang="en-US" sz="2400" dirty="0"/>
+          </a:p>
+          <a:p>
+            <a:pPr lvl="1"/>
+            <a:r>
+              <a:rPr lang="en-US" sz="2400"/>
+              <a:t>vi </a:t>
+            </a:r>
+            <a:r>
+              <a:rPr lang="en-US" sz="2400" dirty="0"/>
+              <a:t>/etc/</a:t>
+            </a:r>
+            <a:r>
+              <a:rPr lang="en-US" sz="2400" dirty="0" err="1"/>
+              <a:t>init.d</a:t>
+            </a:r>
+            <a:r>
+              <a:rPr lang="en-US" sz="2400" dirty="0"/>
+              <a:t>/</a:t>
+            </a:r>
+            <a:r>
+              <a:rPr lang="en-US" sz="2400" dirty="0" err="1"/>
+              <a:t>rcS_mode_default</a:t>
+            </a:r>
+            <a:r>
+              <a:rPr lang="en-US" sz="2400" dirty="0"/>
+              <a:t> </a:t>
+            </a:r>
+            <a:endParaRPr lang="ko-KR" altLang="en-US" sz="2400" dirty="0"/>
+          </a:p>
+          <a:p>
+            <a:endParaRPr lang="en-US" altLang="ko-KR" sz="2400" dirty="0"/>
+          </a:p>
+        </p:txBody>
+      </p:sp>
+      <p:sp>
+        <p:nvSpPr>
+          <p:cNvPr id="3" name="직사각형 2"/>
+          <p:cNvSpPr/>
+          <p:nvPr/>
+        </p:nvSpPr>
+        <p:spPr>
+          <a:xfrm>
+            <a:off x="1140349" y="4264351"/>
+            <a:ext cx="7625301" cy="2092000"/>
+          </a:xfrm>
+          <a:prstGeom prst="rect">
+            <a:avLst/>
+          </a:prstGeom>
+          <a:solidFill>
+            <a:schemeClr val="tx2">
+              <a:lumMod val="60000"/>
+              <a:lumOff val="40000"/>
+            </a:schemeClr>
+          </a:solidFill>
+        </p:spPr>
+        <p:txBody>
+          <a:bodyPr wrap="square">
+            <a:normAutofit fontScale="77500" lnSpcReduction="20000"/>
+          </a:bodyPr>
+          <a:lstStyle/>
+          <a:p>
+            <a:r>
+              <a:rPr lang="en-US" dirty="0"/>
+              <a:t>#!/bin/</a:t>
+            </a:r>
+            <a:r>
+              <a:rPr lang="en-US" dirty="0" err="1"/>
+              <a:t>sh</a:t>
+            </a:r>
+            <a:endParaRPr lang="en-US" dirty="0"/>
+          </a:p>
+          <a:p>
+            <a:r>
+              <a:rPr lang="en-US" dirty="0"/>
+              <a:t># default </a:t>
+            </a:r>
+            <a:r>
+              <a:rPr lang="en-US" dirty="0" err="1"/>
+              <a:t>rcS</a:t>
+            </a:r>
+            <a:r>
+              <a:rPr lang="en-US" dirty="0"/>
+              <a:t> running mode script</a:t>
+            </a:r>
+          </a:p>
+          <a:p>
+            <a:r>
+              <a:rPr lang="en-US" dirty="0"/>
+              <a:t>#</a:t>
+            </a:r>
+            <a:r>
+              <a:rPr lang="en-US" dirty="0" err="1"/>
+              <a:t>ulogger</a:t>
+            </a:r>
+            <a:r>
+              <a:rPr lang="en-US" dirty="0"/>
+              <a:t> -t "</a:t>
+            </a:r>
+            <a:r>
+              <a:rPr lang="en-US" dirty="0" err="1"/>
+              <a:t>rcS_mode_default</a:t>
+            </a:r>
+            <a:r>
+              <a:rPr lang="en-US" dirty="0"/>
+              <a:t>" -p I "Launching Dragon"</a:t>
+            </a:r>
+          </a:p>
+          <a:p>
+            <a:r>
+              <a:rPr lang="en-US" dirty="0" err="1"/>
+              <a:t>ulogger</a:t>
+            </a:r>
+            <a:r>
+              <a:rPr lang="en-US" dirty="0"/>
+              <a:t> -t "</a:t>
+            </a:r>
+            <a:r>
+              <a:rPr lang="en-US" dirty="0" err="1"/>
+              <a:t>rcS_mode_default</a:t>
+            </a:r>
+            <a:r>
+              <a:rPr lang="en-US" dirty="0"/>
+              <a:t>" -p I "Launching PX4"</a:t>
+            </a:r>
+          </a:p>
+          <a:p>
+            <a:r>
+              <a:rPr lang="en-US" dirty="0"/>
+              <a:t># increase the max socket size</a:t>
+            </a:r>
+          </a:p>
+          <a:p>
+            <a:r>
+              <a:rPr lang="en-US" dirty="0"/>
+              <a:t>echo $((1024*1024)) &gt; /proc/sys/net/core/</a:t>
+            </a:r>
+            <a:r>
+              <a:rPr lang="en-US" dirty="0" err="1"/>
+              <a:t>wmem_max</a:t>
+            </a:r>
+            <a:r>
+              <a:rPr lang="en-US" dirty="0"/>
+              <a:t>	</a:t>
+            </a:r>
+          </a:p>
+          <a:p>
+            <a:r>
+              <a:rPr lang="en-US" dirty="0"/>
+              <a:t>#DragonStarter.sh -out2null &amp; </a:t>
+            </a:r>
+          </a:p>
+          <a:p>
+            <a:r>
+              <a:rPr lang="en-US" dirty="0"/>
+              <a:t># enables the fan</a:t>
+            </a:r>
+          </a:p>
+          <a:p>
+            <a:r>
+              <a:rPr lang="en-US" dirty="0"/>
+              <a:t>echo 1 &gt; /sys/class/gpio/gpio85/value </a:t>
+            </a:r>
+          </a:p>
+          <a:p>
+            <a:r>
+              <a:rPr lang="en-US"/>
+              <a:t>/data/ftp/internal_000/px4/px4 -d -s /home/root/px4.config &gt; /home/root/px4.log</a:t>
+            </a:r>
+          </a:p>
+          <a:p>
+            <a:r>
+              <a:rPr lang="en-US"/>
+              <a:t>sleep </a:t>
+            </a:r>
+            <a:r>
+              <a:rPr lang="en-US" dirty="0"/>
+              <a:t>1</a:t>
+            </a:r>
+          </a:p>
+        </p:txBody>
+      </p:sp>
     </p:spTree>
     <p:extLst>
       <p:ext uri="{BB962C8B-B14F-4D97-AF65-F5344CB8AC3E}">
-        <p14:creationId xmlns:p14="http://schemas.microsoft.com/office/powerpoint/2010/main" val="2832471287"/>
+        <p14:creationId xmlns:p14="http://schemas.microsoft.com/office/powerpoint/2010/main" val="1184702749"/>
       </p:ext>
     </p:extLst>
   </p:cSld>
@@ -5333,18 +5435,10 @@
           <a:lstStyle/>
           <a:p>
             <a:r>
-              <a:rPr lang="ko-KR" altLang="en-US" dirty="0">
-                <a:solidFill>
-                  <a:srgbClr val="FF0000"/>
-                </a:solidFill>
-              </a:rPr>
-              <a:t>주의 사항</a:t>
-            </a:r>
-            <a:endParaRPr lang="en-US" dirty="0">
-              <a:solidFill>
-                <a:srgbClr val="FF0000"/>
-              </a:solidFill>
-            </a:endParaRPr>
+              <a:rPr lang="ko-KR" altLang="en-US"/>
+              <a:t>비밥 드론 리부팅</a:t>
+            </a:r>
+            <a:endParaRPr lang="en-US"/>
           </a:p>
         </p:txBody>
       </p:sp>
@@ -5366,91 +5460,38 @@
           <a:lstStyle/>
           <a:p>
             <a:r>
-              <a:rPr lang="en-US" sz="3600" dirty="0">
-                <a:solidFill>
-                  <a:srgbClr val="FF0000"/>
-                </a:solidFill>
-              </a:rPr>
-              <a:t>Bebop</a:t>
-            </a:r>
-            <a:r>
-              <a:rPr lang="ko-KR" altLang="en-US" sz="3600" dirty="0">
-                <a:solidFill>
-                  <a:srgbClr val="FF0000"/>
-                </a:solidFill>
-              </a:rPr>
-              <a:t>을 전원을 꺼면 </a:t>
-            </a:r>
-            <a:r>
-              <a:rPr lang="en-US" sz="3600" dirty="0">
-                <a:solidFill>
-                  <a:srgbClr val="FF0000"/>
-                </a:solidFill>
-              </a:rPr>
-              <a:t>/data/ftp/internal_000/px4/ </a:t>
-            </a:r>
-            <a:r>
-              <a:rPr lang="ko-KR" altLang="en-US" sz="3600" dirty="0">
-                <a:solidFill>
-                  <a:srgbClr val="FF0000"/>
-                </a:solidFill>
-              </a:rPr>
-              <a:t>폴더가 삭제된다</a:t>
-            </a:r>
-            <a:r>
-              <a:rPr lang="en-US" altLang="ko-KR" sz="3600" dirty="0">
-                <a:solidFill>
-                  <a:srgbClr val="FF0000"/>
-                </a:solidFill>
-              </a:rPr>
-              <a:t>.</a:t>
-            </a:r>
-          </a:p>
-          <a:p>
-            <a:r>
-              <a:rPr lang="ko-KR" altLang="en-US" sz="3600" dirty="0">
-                <a:solidFill>
-                  <a:srgbClr val="FF0000"/>
-                </a:solidFill>
-              </a:rPr>
-              <a:t>전원을 다시 켠 후에는</a:t>
-            </a:r>
-            <a:r>
-              <a:rPr lang="en-US" altLang="ko-KR" sz="3600" dirty="0">
-                <a:solidFill>
-                  <a:srgbClr val="FF0000"/>
-                </a:solidFill>
-              </a:rPr>
-              <a:t>, px4 </a:t>
-            </a:r>
-            <a:r>
-              <a:rPr lang="ko-KR" altLang="en-US" sz="3600" dirty="0">
-                <a:solidFill>
-                  <a:srgbClr val="FF0000"/>
-                </a:solidFill>
-              </a:rPr>
-              <a:t>업로드를 다시하여야 한다</a:t>
-            </a:r>
-            <a:r>
-              <a:rPr lang="en-US" altLang="ko-KR" sz="3600" dirty="0">
-                <a:solidFill>
-                  <a:srgbClr val="FF0000"/>
-                </a:solidFill>
-              </a:rPr>
-              <a:t>.</a:t>
-            </a:r>
-            <a:endParaRPr lang="en-US" sz="3600" dirty="0">
-              <a:solidFill>
-                <a:srgbClr val="FF0000"/>
-              </a:solidFill>
-            </a:endParaRPr>
-          </a:p>
-          <a:p>
-            <a:endParaRPr lang="en-US" sz="3600" dirty="0">
-              <a:solidFill>
-                <a:srgbClr val="FF0000"/>
-              </a:solidFill>
-            </a:endParaRPr>
+              <a:rPr lang="ko-KR" altLang="en-US" sz="3600" dirty="0"/>
+              <a:t>파일 동기화</a:t>
+            </a:r>
+            <a:endParaRPr lang="en-US" sz="3600" dirty="0"/>
+          </a:p>
+          <a:p>
+            <a:pPr lvl="1"/>
+            <a:r>
+              <a:rPr lang="en-US" sz="3600" dirty="0"/>
+              <a:t>sync</a:t>
+            </a:r>
+          </a:p>
+          <a:p>
+            <a:pPr lvl="1"/>
+            <a:r>
+              <a:rPr lang="en-US" sz="3600" dirty="0"/>
+              <a:t>sync</a:t>
+            </a:r>
+          </a:p>
+          <a:p>
+            <a:r>
+              <a:rPr lang="ko-KR" altLang="en-US" sz="3600" dirty="0"/>
+              <a:t>리부팅</a:t>
+            </a:r>
+            <a:endParaRPr lang="en-US" sz="3600" dirty="0"/>
+          </a:p>
+          <a:p>
+            <a:pPr lvl="1"/>
+            <a:r>
+              <a:rPr lang="en-US" sz="3600" dirty="0"/>
+              <a:t>reboot</a:t>
+            </a:r>
           </a:p>
         </p:txBody>
       </p:sp>
@@ -5471,7 +5512,7 @@
           <a:p>
             <a:fld id="{0A6664A7-F427-4CE6-B4E0-68F20D477FC0}" type="datetime1">
               <a:rPr lang="ko-KR" altLang="en-US" smtClean="0"/>
-              <a:t>2019-06-16</a:t>
+              <a:t>2019-09-26</a:t>
             </a:fld>
             <a:endParaRPr lang="en-US"/>
           </a:p>
@@ -5526,7 +5567,7 @@
     </p:spTree>
     <p:extLst>
       <p:ext uri="{BB962C8B-B14F-4D97-AF65-F5344CB8AC3E}">
-        <p14:creationId xmlns:p14="http://schemas.microsoft.com/office/powerpoint/2010/main" val="1167840522"/>
+        <p14:creationId xmlns:p14="http://schemas.microsoft.com/office/powerpoint/2010/main" val="2832471287"/>
       </p:ext>
     </p:extLst>
   </p:cSld>
@@ -5565,20 +5606,128 @@
         </p:nvSpPr>
         <p:spPr/>
         <p:txBody>
+          <a:bodyPr/>
+          <a:lstStyle/>
+          <a:p>
+            <a:r>
+              <a:rPr lang="ko-KR" altLang="en-US" dirty="0">
+                <a:solidFill>
+                  <a:srgbClr val="FF0000"/>
+                </a:solidFill>
+              </a:rPr>
+              <a:t>주의 사항</a:t>
+            </a:r>
+            <a:endParaRPr lang="en-US" dirty="0">
+              <a:solidFill>
+                <a:srgbClr val="FF0000"/>
+              </a:solidFill>
+            </a:endParaRPr>
+          </a:p>
+        </p:txBody>
+      </p:sp>
+      <p:sp>
+        <p:nvSpPr>
+          <p:cNvPr id="3" name="내용 개체 틀 2"/>
+          <p:cNvSpPr>
+            <a:spLocks noGrp="1"/>
+          </p:cNvSpPr>
+          <p:nvPr>
+            <p:ph idx="1"/>
+          </p:nvPr>
+        </p:nvSpPr>
+        <p:spPr/>
+        <p:txBody>
           <a:bodyPr>
             <a:normAutofit/>
           </a:bodyPr>
           <a:lstStyle/>
           <a:p>
             <a:r>
-              <a:rPr lang="en-US" altLang="ko-KR" dirty="0"/>
-              <a:t>Bebop 2 PX4 </a:t>
-            </a:r>
-            <a:r>
-              <a:rPr lang="ko-KR" altLang="en-US" dirty="0"/>
-              <a:t>캘리브레이션 방법</a:t>
-            </a:r>
-            <a:endParaRPr lang="en-US" dirty="0"/>
+              <a:rPr lang="en-US" sz="3600" dirty="0">
+                <a:solidFill>
+                  <a:srgbClr val="FF0000"/>
+                </a:solidFill>
+              </a:rPr>
+              <a:t>Bebop</a:t>
+            </a:r>
+            <a:r>
+              <a:rPr lang="ko-KR" altLang="en-US" sz="3600" dirty="0">
+                <a:solidFill>
+                  <a:srgbClr val="FF0000"/>
+                </a:solidFill>
+              </a:rPr>
+              <a:t>을 전원을 꺼면 </a:t>
+            </a:r>
+            <a:r>
+              <a:rPr lang="en-US" sz="3600" dirty="0">
+                <a:solidFill>
+                  <a:srgbClr val="FF0000"/>
+                </a:solidFill>
+              </a:rPr>
+              <a:t>/data/ftp/internal_000/px4/ </a:t>
+            </a:r>
+            <a:r>
+              <a:rPr lang="ko-KR" altLang="en-US" sz="3600" dirty="0">
+                <a:solidFill>
+                  <a:srgbClr val="FF0000"/>
+                </a:solidFill>
+              </a:rPr>
+              <a:t>폴더가 삭제된다</a:t>
+            </a:r>
+            <a:r>
+              <a:rPr lang="en-US" altLang="ko-KR" sz="3600" dirty="0">
+                <a:solidFill>
+                  <a:srgbClr val="FF0000"/>
+                </a:solidFill>
+              </a:rPr>
+              <a:t>.</a:t>
+            </a:r>
+          </a:p>
+          <a:p>
+            <a:r>
+              <a:rPr lang="ko-KR" altLang="en-US" sz="3600" dirty="0">
+                <a:solidFill>
+                  <a:srgbClr val="FF0000"/>
+                </a:solidFill>
+              </a:rPr>
+              <a:t>전원을 다시 켠 후에는</a:t>
+            </a:r>
+            <a:r>
+              <a:rPr lang="en-US" altLang="ko-KR" sz="3600" dirty="0">
+                <a:solidFill>
+                  <a:srgbClr val="FF0000"/>
+                </a:solidFill>
+              </a:rPr>
+              <a:t>, px4 </a:t>
+            </a:r>
+            <a:r>
+              <a:rPr lang="ko-KR" altLang="en-US" sz="3600" dirty="0">
+                <a:solidFill>
+                  <a:srgbClr val="FF0000"/>
+                </a:solidFill>
+              </a:rPr>
+              <a:t>업로드를 다시하여야 한다</a:t>
+            </a:r>
+            <a:r>
+              <a:rPr lang="en-US" altLang="ko-KR" sz="3600" dirty="0">
+                <a:solidFill>
+                  <a:srgbClr val="FF0000"/>
+                </a:solidFill>
+              </a:rPr>
+              <a:t>.</a:t>
+            </a:r>
+            <a:endParaRPr lang="en-US" sz="3600" dirty="0">
+              <a:solidFill>
+                <a:srgbClr val="FF0000"/>
+              </a:solidFill>
+            </a:endParaRPr>
+          </a:p>
+          <a:p>
+            <a:endParaRPr lang="en-US" sz="3600" dirty="0">
+              <a:solidFill>
+                <a:srgbClr val="FF0000"/>
+              </a:solidFill>
+            </a:endParaRPr>
           </a:p>
         </p:txBody>
       </p:sp>
@@ -5599,7 +5748,7 @@
           <a:p>
             <a:fld id="{0A6664A7-F427-4CE6-B4E0-68F20D477FC0}" type="datetime1">
               <a:rPr lang="ko-KR" altLang="en-US" smtClean="0"/>
-              <a:t>2019-06-16</a:t>
+              <a:t>2019-09-26</a:t>
             </a:fld>
             <a:endParaRPr lang="en-US"/>
           </a:p>
@@ -5651,37 +5800,10 @@
           </a:p>
         </p:txBody>
       </p:sp>
-      <p:sp>
-        <p:nvSpPr>
-          <p:cNvPr id="7" name="내용 개체 틀 6"/>
-          <p:cNvSpPr>
-            <a:spLocks noGrp="1"/>
-          </p:cNvSpPr>
-          <p:nvPr>
-            <p:ph idx="1"/>
-          </p:nvPr>
-        </p:nvSpPr>
-        <p:spPr/>
-        <p:txBody>
-          <a:bodyPr>
-            <a:normAutofit/>
-          </a:bodyPr>
-          <a:lstStyle/>
-          <a:p>
-            <a:r>
-              <a:rPr lang="en-US" sz="3000">
-                <a:hlinkClick r:id="rId2"/>
-              </a:rPr>
-              <a:t>https://www.youtube.com/watch?v=Ir0DyvlbTM0</a:t>
-            </a:r>
-            <a:endParaRPr lang="en-US" sz="3000"/>
-          </a:p>
-        </p:txBody>
-      </p:sp>
     </p:spTree>
     <p:extLst>
       <p:ext uri="{BB962C8B-B14F-4D97-AF65-F5344CB8AC3E}">
-        <p14:creationId xmlns:p14="http://schemas.microsoft.com/office/powerpoint/2010/main" val="3928152115"/>
+        <p14:creationId xmlns:p14="http://schemas.microsoft.com/office/powerpoint/2010/main" val="1167840522"/>
       </p:ext>
     </p:extLst>
   </p:cSld>
@@ -5720,6 +5842,373 @@
         </p:nvSpPr>
         <p:spPr/>
         <p:txBody>
+          <a:bodyPr>
+            <a:normAutofit/>
+          </a:bodyPr>
+          <a:lstStyle/>
+          <a:p>
+            <a:r>
+              <a:rPr lang="en-US" altLang="ko-KR" dirty="0"/>
+              <a:t>Bebop 2 PX4 </a:t>
+            </a:r>
+            <a:r>
+              <a:rPr lang="ko-KR" altLang="en-US" dirty="0"/>
+              <a:t>캘리브레이션 방법</a:t>
+            </a:r>
+            <a:endParaRPr lang="en-US" dirty="0"/>
+          </a:p>
+        </p:txBody>
+      </p:sp>
+      <p:sp>
+        <p:nvSpPr>
+          <p:cNvPr id="4" name="날짜 개체 틀 3"/>
+          <p:cNvSpPr>
+            <a:spLocks noGrp="1"/>
+          </p:cNvSpPr>
+          <p:nvPr>
+            <p:ph type="dt" sz="half" idx="10"/>
+          </p:nvPr>
+        </p:nvSpPr>
+        <p:spPr/>
+        <p:txBody>
+          <a:bodyPr/>
+          <a:lstStyle/>
+          <a:p>
+            <a:fld id="{0A6664A7-F427-4CE6-B4E0-68F20D477FC0}" type="datetime1">
+              <a:rPr lang="ko-KR" altLang="en-US" smtClean="0"/>
+              <a:t>2019-09-26</a:t>
+            </a:fld>
+            <a:endParaRPr lang="en-US"/>
+          </a:p>
+        </p:txBody>
+      </p:sp>
+      <p:sp>
+        <p:nvSpPr>
+          <p:cNvPr id="5" name="바닥글 개체 틀 4"/>
+          <p:cNvSpPr>
+            <a:spLocks noGrp="1"/>
+          </p:cNvSpPr>
+          <p:nvPr>
+            <p:ph type="ftr" sz="quarter" idx="11"/>
+          </p:nvPr>
+        </p:nvSpPr>
+        <p:spPr/>
+        <p:txBody>
+          <a:bodyPr/>
+          <a:lstStyle/>
+          <a:p>
+            <a:r>
+              <a:rPr lang="ko-KR" altLang="en-US"/>
+              <a:t>자율비행 스터디 일정</a:t>
+            </a:r>
+            <a:endParaRPr lang="en-US"/>
+          </a:p>
+        </p:txBody>
+      </p:sp>
+      <p:sp>
+        <p:nvSpPr>
+          <p:cNvPr id="6" name="슬라이드 번호 개체 틀 5"/>
+          <p:cNvSpPr>
+            <a:spLocks noGrp="1"/>
+          </p:cNvSpPr>
+          <p:nvPr>
+            <p:ph type="sldNum" sz="quarter" idx="12"/>
+          </p:nvPr>
+        </p:nvSpPr>
+        <p:spPr/>
+        <p:txBody>
+          <a:bodyPr/>
+          <a:lstStyle/>
+          <a:p>
+            <a:fld id="{AA0EB1BB-D2B3-481B-A5E1-F093F8D3CD29}" type="slidenum">
+              <a:rPr lang="en-US" smtClean="0"/>
+              <a:t>19</a:t>
+            </a:fld>
+            <a:endParaRPr lang="en-US"/>
+          </a:p>
+        </p:txBody>
+      </p:sp>
+      <p:sp>
+        <p:nvSpPr>
+          <p:cNvPr id="7" name="내용 개체 틀 6"/>
+          <p:cNvSpPr>
+            <a:spLocks noGrp="1"/>
+          </p:cNvSpPr>
+          <p:nvPr>
+            <p:ph idx="1"/>
+          </p:nvPr>
+        </p:nvSpPr>
+        <p:spPr/>
+        <p:txBody>
+          <a:bodyPr>
+            <a:normAutofit/>
+          </a:bodyPr>
+          <a:lstStyle/>
+          <a:p>
+            <a:r>
+              <a:rPr lang="en-US" sz="3000">
+                <a:hlinkClick r:id="rId2"/>
+              </a:rPr>
+              <a:t>https://www.youtube.com/watch?v=Ir0DyvlbTM0</a:t>
+            </a:r>
+            <a:endParaRPr lang="en-US" sz="3000"/>
+          </a:p>
+        </p:txBody>
+      </p:sp>
+    </p:spTree>
+    <p:extLst>
+      <p:ext uri="{BB962C8B-B14F-4D97-AF65-F5344CB8AC3E}">
+        <p14:creationId xmlns:p14="http://schemas.microsoft.com/office/powerpoint/2010/main" val="3928152115"/>
+      </p:ext>
+    </p:extLst>
+  </p:cSld>
+  <p:clrMapOvr>
+    <a:masterClrMapping/>
+  </p:clrMapOvr>
+</p:sld>
+</file>
+
+<file path=ppt/slides/slide2.xml><?xml version="1.0" encoding="utf-8"?>
+<p:sld xmlns:a="http://schemas.openxmlformats.org/drawingml/2006/main" xmlns:r="http://schemas.openxmlformats.org/officeDocument/2006/relationships" xmlns:p="http://schemas.openxmlformats.org/presentationml/2006/main">
+  <p:cSld>
+    <p:spTree>
+      <p:nvGrpSpPr>
+        <p:cNvPr id="1" name=""/>
+        <p:cNvGrpSpPr/>
+        <p:nvPr/>
+      </p:nvGrpSpPr>
+      <p:grpSpPr>
+        <a:xfrm>
+          <a:off x="0" y="0"/>
+          <a:ext cx="0" cy="0"/>
+          <a:chOff x="0" y="0"/>
+          <a:chExt cx="0" cy="0"/>
+        </a:xfrm>
+      </p:grpSpPr>
+      <p:sp>
+        <p:nvSpPr>
+          <p:cNvPr id="2" name="제목 1"/>
+          <p:cNvSpPr>
+            <a:spLocks noGrp="1"/>
+          </p:cNvSpPr>
+          <p:nvPr>
+            <p:ph type="title"/>
+          </p:nvPr>
+        </p:nvSpPr>
+        <p:spPr/>
+        <p:txBody>
+          <a:bodyPr/>
+          <a:lstStyle/>
+          <a:p>
+            <a:r>
+              <a:rPr lang="ko-KR" altLang="en-US"/>
+              <a:t>스터디 목적</a:t>
+            </a:r>
+            <a:endParaRPr lang="en-US"/>
+          </a:p>
+        </p:txBody>
+      </p:sp>
+      <p:sp>
+        <p:nvSpPr>
+          <p:cNvPr id="3" name="내용 개체 틀 2"/>
+          <p:cNvSpPr>
+            <a:spLocks noGrp="1"/>
+          </p:cNvSpPr>
+          <p:nvPr>
+            <p:ph idx="1"/>
+          </p:nvPr>
+        </p:nvSpPr>
+        <p:spPr/>
+        <p:txBody>
+          <a:bodyPr/>
+          <a:lstStyle/>
+          <a:p>
+            <a:r>
+              <a:rPr lang="ko-KR" altLang="en-US" dirty="0"/>
+              <a:t>비밥 </a:t>
+            </a:r>
+            <a:r>
+              <a:rPr lang="en-US" altLang="ko-KR" dirty="0"/>
+              <a:t>2 </a:t>
+            </a:r>
+            <a:r>
+              <a:rPr lang="ko-KR" altLang="en-US" dirty="0"/>
+              <a:t>드론의 </a:t>
+            </a:r>
+            <a:r>
+              <a:rPr lang="ko-KR" altLang="en-US"/>
+              <a:t>비행 프로그램을 </a:t>
+            </a:r>
+            <a:r>
+              <a:rPr lang="en-US" altLang="ko-KR" dirty="0"/>
+              <a:t>PX4</a:t>
+            </a:r>
+            <a:r>
+              <a:rPr lang="ko-KR" altLang="en-US" dirty="0"/>
+              <a:t>로 </a:t>
+            </a:r>
+            <a:r>
+              <a:rPr lang="ko-KR" altLang="en-US"/>
+              <a:t>업데이트하는 방법을 </a:t>
+            </a:r>
+            <a:r>
+              <a:rPr lang="ko-KR" altLang="en-US" dirty="0"/>
+              <a:t>학습한다</a:t>
+            </a:r>
+            <a:r>
+              <a:rPr lang="en-US" altLang="ko-KR" dirty="0"/>
+              <a:t>.</a:t>
+            </a:r>
+          </a:p>
+          <a:p>
+            <a:pPr lvl="1"/>
+            <a:r>
+              <a:rPr lang="en-US" altLang="ko-KR" dirty="0"/>
+              <a:t>Mavlink</a:t>
+            </a:r>
+            <a:r>
+              <a:rPr lang="ko-KR" altLang="en-US" dirty="0"/>
+              <a:t>를 지원</a:t>
+            </a:r>
+            <a:endParaRPr lang="en-US" altLang="ko-KR" dirty="0"/>
+          </a:p>
+          <a:p>
+            <a:pPr lvl="2"/>
+            <a:r>
+              <a:rPr lang="en-US" altLang="ko-KR" dirty="0"/>
+              <a:t>Mission Planner </a:t>
+            </a:r>
+            <a:r>
+              <a:rPr lang="ko-KR" altLang="en-US" dirty="0"/>
+              <a:t>연결 가능</a:t>
+            </a:r>
+            <a:endParaRPr lang="en-US" altLang="ko-KR" dirty="0"/>
+          </a:p>
+          <a:p>
+            <a:pPr lvl="2"/>
+            <a:r>
+              <a:rPr lang="en-US" altLang="ko-KR" dirty="0"/>
+              <a:t>QGroundControl </a:t>
+            </a:r>
+            <a:r>
+              <a:rPr lang="ko-KR" altLang="en-US" dirty="0"/>
+              <a:t>연결 가능</a:t>
+            </a:r>
+            <a:endParaRPr lang="en-US" dirty="0"/>
+          </a:p>
+        </p:txBody>
+      </p:sp>
+      <p:sp>
+        <p:nvSpPr>
+          <p:cNvPr id="4" name="날짜 개체 틀 3"/>
+          <p:cNvSpPr>
+            <a:spLocks noGrp="1"/>
+          </p:cNvSpPr>
+          <p:nvPr>
+            <p:ph type="dt" sz="half" idx="10"/>
+          </p:nvPr>
+        </p:nvSpPr>
+        <p:spPr/>
+        <p:txBody>
+          <a:bodyPr/>
+          <a:lstStyle/>
+          <a:p>
+            <a:fld id="{0A6664A7-F427-4CE6-B4E0-68F20D477FC0}" type="datetime1">
+              <a:rPr lang="ko-KR" altLang="en-US" smtClean="0"/>
+              <a:t>2019-09-26</a:t>
+            </a:fld>
+            <a:endParaRPr lang="en-US"/>
+          </a:p>
+        </p:txBody>
+      </p:sp>
+      <p:sp>
+        <p:nvSpPr>
+          <p:cNvPr id="5" name="바닥글 개체 틀 4"/>
+          <p:cNvSpPr>
+            <a:spLocks noGrp="1"/>
+          </p:cNvSpPr>
+          <p:nvPr>
+            <p:ph type="ftr" sz="quarter" idx="11"/>
+          </p:nvPr>
+        </p:nvSpPr>
+        <p:spPr/>
+        <p:txBody>
+          <a:bodyPr/>
+          <a:lstStyle/>
+          <a:p>
+            <a:r>
+              <a:rPr lang="ko-KR" altLang="en-US"/>
+              <a:t>자율비행 스터디 일정</a:t>
+            </a:r>
+            <a:endParaRPr lang="en-US"/>
+          </a:p>
+        </p:txBody>
+      </p:sp>
+      <p:sp>
+        <p:nvSpPr>
+          <p:cNvPr id="6" name="슬라이드 번호 개체 틀 5"/>
+          <p:cNvSpPr>
+            <a:spLocks noGrp="1"/>
+          </p:cNvSpPr>
+          <p:nvPr>
+            <p:ph type="sldNum" sz="quarter" idx="12"/>
+          </p:nvPr>
+        </p:nvSpPr>
+        <p:spPr/>
+        <p:txBody>
+          <a:bodyPr/>
+          <a:lstStyle/>
+          <a:p>
+            <a:fld id="{AA0EB1BB-D2B3-481B-A5E1-F093F8D3CD29}" type="slidenum">
+              <a:rPr lang="en-US" smtClean="0"/>
+              <a:t>2</a:t>
+            </a:fld>
+            <a:endParaRPr lang="en-US"/>
+          </a:p>
+        </p:txBody>
+      </p:sp>
+    </p:spTree>
+    <p:extLst>
+      <p:ext uri="{BB962C8B-B14F-4D97-AF65-F5344CB8AC3E}">
+        <p14:creationId xmlns:p14="http://schemas.microsoft.com/office/powerpoint/2010/main" val="752354424"/>
+      </p:ext>
+    </p:extLst>
+  </p:cSld>
+  <p:clrMapOvr>
+    <a:masterClrMapping/>
+  </p:clrMapOvr>
+</p:sld>
+</file>
+
+<file path=ppt/slides/slide20.xml><?xml version="1.0" encoding="utf-8"?>
+<p:sld xmlns:a="http://schemas.openxmlformats.org/drawingml/2006/main" xmlns:r="http://schemas.openxmlformats.org/officeDocument/2006/relationships" xmlns:p="http://schemas.openxmlformats.org/presentationml/2006/main">
+  <p:cSld>
+    <p:spTree>
+      <p:nvGrpSpPr>
+        <p:cNvPr id="1" name=""/>
+        <p:cNvGrpSpPr/>
+        <p:nvPr/>
+      </p:nvGrpSpPr>
+      <p:grpSpPr>
+        <a:xfrm>
+          <a:off x="0" y="0"/>
+          <a:ext cx="0" cy="0"/>
+          <a:chOff x="0" y="0"/>
+          <a:chExt cx="0" cy="0"/>
+        </a:xfrm>
+      </p:grpSpPr>
+      <p:sp>
+        <p:nvSpPr>
+          <p:cNvPr id="2" name="제목 1"/>
+          <p:cNvSpPr>
+            <a:spLocks noGrp="1"/>
+          </p:cNvSpPr>
+          <p:nvPr>
+            <p:ph type="title"/>
+          </p:nvPr>
+        </p:nvSpPr>
+        <p:spPr/>
+        <p:txBody>
           <a:bodyPr/>
           <a:lstStyle/>
           <a:p>
@@ -5778,7 +6267,7 @@
           <a:p>
             <a:fld id="{0A6664A7-F427-4CE6-B4E0-68F20D477FC0}" type="datetime1">
               <a:rPr lang="ko-KR" altLang="en-US" smtClean="0"/>
-              <a:t>2019-06-16</a:t>
+              <a:t>2019-09-26</a:t>
             </a:fld>
             <a:endParaRPr lang="en-US"/>
           </a:p>
@@ -5824,7 +6313,7 @@
           <a:p>
             <a:fld id="{AA0EB1BB-D2B3-481B-A5E1-F093F8D3CD29}" type="slidenum">
               <a:rPr lang="en-US" smtClean="0"/>
-              <a:t>19</a:t>
+              <a:t>20</a:t>
             </a:fld>
             <a:endParaRPr lang="en-US"/>
           </a:p>
@@ -5867,7 +6356,7 @@
 </p:sld>
 </file>
 
-<file path=ppt/slides/slide2.xml><?xml version="1.0" encoding="utf-8"?>
+<file path=ppt/slides/slide21.xml><?xml version="1.0" encoding="utf-8"?>
 <p:sld xmlns:a="http://schemas.openxmlformats.org/drawingml/2006/main" xmlns:r="http://schemas.openxmlformats.org/officeDocument/2006/relationships" xmlns:p="http://schemas.openxmlformats.org/presentationml/2006/main">
   <p:cSld>
     <p:spTree>
@@ -5894,226 +6383,6 @@
             <p:ph type="title"/>
           </p:nvPr>
         </p:nvSpPr>
-        <p:spPr/>
-        <p:txBody>
-          <a:bodyPr/>
-          <a:lstStyle/>
-          <a:p>
-            <a:r>
-              <a:rPr lang="ko-KR" altLang="en-US"/>
-              <a:t>스터디 목적</a:t>
-            </a:r>
-            <a:endParaRPr lang="en-US"/>
-          </a:p>
-        </p:txBody>
-      </p:sp>
-      <p:sp>
-        <p:nvSpPr>
-          <p:cNvPr id="3" name="내용 개체 틀 2"/>
-          <p:cNvSpPr>
-            <a:spLocks noGrp="1"/>
-          </p:cNvSpPr>
-          <p:nvPr>
-            <p:ph idx="1"/>
-          </p:nvPr>
-        </p:nvSpPr>
-        <p:spPr/>
-        <p:txBody>
-          <a:bodyPr/>
-          <a:lstStyle/>
-          <a:p>
-            <a:r>
-              <a:rPr lang="ko-KR" altLang="en-US" dirty="0"/>
-              <a:t>비밥 </a:t>
-            </a:r>
-            <a:r>
-              <a:rPr lang="en-US" altLang="ko-KR" dirty="0"/>
-              <a:t>2 </a:t>
-            </a:r>
-            <a:r>
-              <a:rPr lang="ko-KR" altLang="en-US" dirty="0"/>
-              <a:t>드론의 </a:t>
-            </a:r>
-            <a:r>
-              <a:rPr lang="ko-KR" altLang="en-US"/>
-              <a:t>비행 </a:t>
-            </a:r>
-            <a:r>
-              <a:rPr lang="ko-KR" altLang="en-US" smtClean="0"/>
-              <a:t>프로그램을 </a:t>
-            </a:r>
-            <a:r>
-              <a:rPr lang="en-US" altLang="ko-KR" dirty="0"/>
-              <a:t>PX4</a:t>
-            </a:r>
-            <a:r>
-              <a:rPr lang="ko-KR" altLang="en-US" dirty="0"/>
-              <a:t>로 </a:t>
-            </a:r>
-            <a:r>
-              <a:rPr lang="ko-KR" altLang="en-US"/>
-              <a:t>업데이트하는 </a:t>
-            </a:r>
-            <a:r>
-              <a:rPr lang="ko-KR" altLang="en-US" smtClean="0"/>
-              <a:t>방법을 </a:t>
-            </a:r>
-            <a:r>
-              <a:rPr lang="ko-KR" altLang="en-US" dirty="0"/>
-              <a:t>학습한다</a:t>
-            </a:r>
-            <a:r>
-              <a:rPr lang="en-US" altLang="ko-KR" dirty="0"/>
-              <a:t>.</a:t>
-            </a:r>
-          </a:p>
-          <a:p>
-            <a:pPr lvl="1"/>
-            <a:r>
-              <a:rPr lang="en-US" altLang="ko-KR" dirty="0"/>
-              <a:t>Mavlink</a:t>
-            </a:r>
-            <a:r>
-              <a:rPr lang="ko-KR" altLang="en-US" dirty="0"/>
-              <a:t>를 지원</a:t>
-            </a:r>
-            <a:endParaRPr lang="en-US" altLang="ko-KR" dirty="0"/>
-          </a:p>
-          <a:p>
-            <a:pPr lvl="2"/>
-            <a:r>
-              <a:rPr lang="en-US" altLang="ko-KR" dirty="0"/>
-              <a:t>Mission Planner </a:t>
-            </a:r>
-            <a:r>
-              <a:rPr lang="ko-KR" altLang="en-US" dirty="0"/>
-              <a:t>연결 가능</a:t>
-            </a:r>
-            <a:endParaRPr lang="en-US" altLang="ko-KR" dirty="0"/>
-          </a:p>
-          <a:p>
-            <a:pPr lvl="2"/>
-            <a:r>
-              <a:rPr lang="en-US" altLang="ko-KR" dirty="0"/>
-              <a:t>QGroundControl </a:t>
-            </a:r>
-            <a:r>
-              <a:rPr lang="ko-KR" altLang="en-US" dirty="0"/>
-              <a:t>연결 가능</a:t>
-            </a:r>
-            <a:endParaRPr lang="en-US" dirty="0"/>
-          </a:p>
-        </p:txBody>
-      </p:sp>
-      <p:sp>
-        <p:nvSpPr>
-          <p:cNvPr id="4" name="날짜 개체 틀 3"/>
-          <p:cNvSpPr>
-            <a:spLocks noGrp="1"/>
-          </p:cNvSpPr>
-          <p:nvPr>
-            <p:ph type="dt" sz="half" idx="10"/>
-          </p:nvPr>
-        </p:nvSpPr>
-        <p:spPr/>
-        <p:txBody>
-          <a:bodyPr/>
-          <a:lstStyle/>
-          <a:p>
-            <a:fld id="{0A6664A7-F427-4CE6-B4E0-68F20D477FC0}" type="datetime1">
-              <a:rPr lang="ko-KR" altLang="en-US" smtClean="0"/>
-              <a:t>2019-06-16</a:t>
-            </a:fld>
-            <a:endParaRPr lang="en-US"/>
-          </a:p>
-        </p:txBody>
-      </p:sp>
-      <p:sp>
-        <p:nvSpPr>
-          <p:cNvPr id="5" name="바닥글 개체 틀 4"/>
-          <p:cNvSpPr>
-            <a:spLocks noGrp="1"/>
-          </p:cNvSpPr>
-          <p:nvPr>
-            <p:ph type="ftr" sz="quarter" idx="11"/>
-          </p:nvPr>
-        </p:nvSpPr>
-        <p:spPr/>
-        <p:txBody>
-          <a:bodyPr/>
-          <a:lstStyle/>
-          <a:p>
-            <a:r>
-              <a:rPr lang="ko-KR" altLang="en-US"/>
-              <a:t>자율비행 스터디 일정</a:t>
-            </a:r>
-            <a:endParaRPr lang="en-US"/>
-          </a:p>
-        </p:txBody>
-      </p:sp>
-      <p:sp>
-        <p:nvSpPr>
-          <p:cNvPr id="6" name="슬라이드 번호 개체 틀 5"/>
-          <p:cNvSpPr>
-            <a:spLocks noGrp="1"/>
-          </p:cNvSpPr>
-          <p:nvPr>
-            <p:ph type="sldNum" sz="quarter" idx="12"/>
-          </p:nvPr>
-        </p:nvSpPr>
-        <p:spPr/>
-        <p:txBody>
-          <a:bodyPr/>
-          <a:lstStyle/>
-          <a:p>
-            <a:fld id="{AA0EB1BB-D2B3-481B-A5E1-F093F8D3CD29}" type="slidenum">
-              <a:rPr lang="en-US" smtClean="0"/>
-              <a:t>2</a:t>
-            </a:fld>
-            <a:endParaRPr lang="en-US"/>
-          </a:p>
-        </p:txBody>
-      </p:sp>
-    </p:spTree>
-    <p:extLst>
-      <p:ext uri="{BB962C8B-B14F-4D97-AF65-F5344CB8AC3E}">
-        <p14:creationId xmlns:p14="http://schemas.microsoft.com/office/powerpoint/2010/main" val="752354424"/>
-      </p:ext>
-    </p:extLst>
-  </p:cSld>
-  <p:clrMapOvr>
-    <a:masterClrMapping/>
-  </p:clrMapOvr>
-</p:sld>
-</file>
-
-<file path=ppt/slides/slide20.xml><?xml version="1.0" encoding="utf-8"?>
-<p:sld xmlns:a="http://schemas.openxmlformats.org/drawingml/2006/main" xmlns:r="http://schemas.openxmlformats.org/officeDocument/2006/relationships" xmlns:p="http://schemas.openxmlformats.org/presentationml/2006/main">
-  <p:cSld>
-    <p:spTree>
-      <p:nvGrpSpPr>
-        <p:cNvPr id="1" name=""/>
-        <p:cNvGrpSpPr/>
-        <p:nvPr/>
-      </p:nvGrpSpPr>
-      <p:grpSpPr>
-        <a:xfrm>
-          <a:off x="0" y="0"/>
-          <a:ext cx="0" cy="0"/>
-          <a:chOff x="0" y="0"/>
-          <a:chExt cx="0" cy="0"/>
-        </a:xfrm>
-      </p:grpSpPr>
-      <p:sp>
-        <p:nvSpPr>
-          <p:cNvPr id="2" name="제목 1"/>
-          <p:cNvSpPr>
-            <a:spLocks noGrp="1"/>
-          </p:cNvSpPr>
-          <p:nvPr>
-            <p:ph type="title"/>
-          </p:nvPr>
-        </p:nvSpPr>
         <p:spPr>
           <a:xfrm>
             <a:off x="681038" y="2343397"/>
@@ -6154,7 +6423,7 @@
           <a:p>
             <a:fld id="{AA0EB1BB-D2B3-481B-A5E1-F093F8D3CD29}" type="slidenum">
               <a:rPr lang="en-US" smtClean="0"/>
-              <a:t>20</a:t>
+              <a:t>21</a:t>
             </a:fld>
             <a:endParaRPr lang="en-US"/>
           </a:p>
@@ -6177,7 +6446,7 @@
           <a:p>
             <a:fld id="{7499096A-FB80-4DFA-8377-57081A574AA4}" type="datetime1">
               <a:rPr lang="ko-KR" altLang="en-US" smtClean="0"/>
-              <a:t>2019-06-16</a:t>
+              <a:t>2019-09-26</a:t>
             </a:fld>
             <a:endParaRPr lang="en-US"/>
           </a:p>
@@ -6405,7 +6674,7 @@
           <a:p>
             <a:fld id="{0A6664A7-F427-4CE6-B4E0-68F20D477FC0}" type="datetime1">
               <a:rPr lang="ko-KR" altLang="en-US" smtClean="0"/>
-              <a:t>2019-06-16</a:t>
+              <a:t>2019-09-26</a:t>
             </a:fld>
             <a:endParaRPr lang="en-US"/>
           </a:p>
@@ -6577,7 +6846,7 @@
                     <a:p>
                       <a:pPr algn="ctr"/>
                       <a:r>
-                        <a:rPr lang="ko-KR" altLang="en-US" smtClean="0"/>
+                        <a:rPr lang="ko-KR" altLang="en-US"/>
                         <a:t>본체</a:t>
                       </a:r>
                       <a:endParaRPr lang="en-US" dirty="0"/>
@@ -7589,7 +7858,7 @@
           <a:p>
             <a:fld id="{0A6664A7-F427-4CE6-B4E0-68F20D477FC0}" type="datetime1">
               <a:rPr lang="ko-KR" altLang="en-US" smtClean="0"/>
-              <a:t>2019-06-16</a:t>
+              <a:t>2019-09-26</a:t>
             </a:fld>
             <a:endParaRPr lang="en-US"/>
           </a:p>
@@ -7980,6 +8249,643 @@
           <a:chExt cx="0" cy="0"/>
         </a:xfrm>
       </p:grpSpPr>
+      <p:pic>
+        <p:nvPicPr>
+          <p:cNvPr id="1026" name="Picture 2" descr="Image result for ardupilot"/>
+          <p:cNvPicPr>
+            <a:picLocks noChangeAspect="1" noChangeArrowheads="1"/>
+          </p:cNvPicPr>
+          <p:nvPr/>
+        </p:nvPicPr>
+        <p:blipFill>
+          <a:blip r:embed="rId2" cstate="print">
+            <a:extLst>
+              <a:ext uri="{28A0092B-C50C-407E-A947-70E740481C1C}">
+                <a14:useLocalDpi xmlns:a14="http://schemas.microsoft.com/office/drawing/2010/main" val="0"/>
+              </a:ext>
+            </a:extLst>
+          </a:blip>
+          <a:srcRect/>
+          <a:stretch>
+            <a:fillRect/>
+          </a:stretch>
+        </p:blipFill>
+        <p:spPr bwMode="auto">
+          <a:xfrm>
+            <a:off x="5690309" y="4370198"/>
+            <a:ext cx="2221947" cy="1662588"/>
+          </a:xfrm>
+          <a:prstGeom prst="rect">
+            <a:avLst/>
+          </a:prstGeom>
+          <a:noFill/>
+          <a:extLst>
+            <a:ext uri="{909E8E84-426E-40DD-AFC4-6F175D3DCCD1}">
+              <a14:hiddenFill xmlns:a14="http://schemas.microsoft.com/office/drawing/2010/main">
+                <a:solidFill>
+                  <a:srgbClr val="FFFFFF"/>
+                </a:solidFill>
+              </a14:hiddenFill>
+            </a:ext>
+          </a:extLst>
+        </p:spPr>
+      </p:pic>
+      <p:pic>
+        <p:nvPicPr>
+          <p:cNvPr id="1030" name="Picture 6" descr="ArduPilot Logo, Medium Size.png"/>
+          <p:cNvPicPr>
+            <a:picLocks noChangeAspect="1" noChangeArrowheads="1"/>
+          </p:cNvPicPr>
+          <p:nvPr/>
+        </p:nvPicPr>
+        <p:blipFill>
+          <a:blip r:embed="rId3">
+            <a:extLst>
+              <a:ext uri="{28A0092B-C50C-407E-A947-70E740481C1C}">
+                <a14:useLocalDpi xmlns:a14="http://schemas.microsoft.com/office/drawing/2010/main" val="0"/>
+              </a:ext>
+            </a:extLst>
+          </a:blip>
+          <a:srcRect/>
+          <a:stretch>
+            <a:fillRect/>
+          </a:stretch>
+        </p:blipFill>
+        <p:spPr bwMode="auto">
+          <a:xfrm>
+            <a:off x="3024165" y="1971392"/>
+            <a:ext cx="2934921" cy="440239"/>
+          </a:xfrm>
+          <a:prstGeom prst="rect">
+            <a:avLst/>
+          </a:prstGeom>
+          <a:noFill/>
+          <a:extLst>
+            <a:ext uri="{909E8E84-426E-40DD-AFC4-6F175D3DCCD1}">
+              <a14:hiddenFill xmlns:a14="http://schemas.microsoft.com/office/drawing/2010/main">
+                <a:solidFill>
+                  <a:srgbClr val="FFFFFF"/>
+                </a:solidFill>
+              </a14:hiddenFill>
+            </a:ext>
+          </a:extLst>
+        </p:spPr>
+      </p:pic>
+      <p:pic>
+        <p:nvPicPr>
+          <p:cNvPr id="8" name="Picture 7">
+            <a:extLst>
+              <a:ext uri="{FF2B5EF4-FFF2-40B4-BE49-F238E27FC236}">
+                <a16:creationId xmlns:a16="http://schemas.microsoft.com/office/drawing/2014/main" id="{45BB5096-211D-4338-8F80-9BFFC30E218C}"/>
+              </a:ext>
+            </a:extLst>
+          </p:cNvPr>
+          <p:cNvPicPr>
+            <a:picLocks noChangeAspect="1"/>
+          </p:cNvPicPr>
+          <p:nvPr/>
+        </p:nvPicPr>
+        <p:blipFill>
+          <a:blip r:embed="rId4"/>
+          <a:stretch>
+            <a:fillRect/>
+          </a:stretch>
+        </p:blipFill>
+        <p:spPr>
+          <a:xfrm>
+            <a:off x="6392819" y="1963643"/>
+            <a:ext cx="981384" cy="488604"/>
+          </a:xfrm>
+          <a:prstGeom prst="rect">
+            <a:avLst/>
+          </a:prstGeom>
+        </p:spPr>
+      </p:pic>
+      <p:pic>
+        <p:nvPicPr>
+          <p:cNvPr id="9" name="Picture 6" descr="Image result for qgroundcontrol">
+            <a:extLst>
+              <a:ext uri="{FF2B5EF4-FFF2-40B4-BE49-F238E27FC236}">
+                <a16:creationId xmlns:a16="http://schemas.microsoft.com/office/drawing/2014/main" id="{E7A5223D-9BFD-4516-AAF5-AD54D9720349}"/>
+              </a:ext>
+            </a:extLst>
+          </p:cNvPr>
+          <p:cNvPicPr>
+            <a:picLocks noChangeAspect="1" noChangeArrowheads="1"/>
+          </p:cNvPicPr>
+          <p:nvPr/>
+        </p:nvPicPr>
+        <p:blipFill>
+          <a:blip r:embed="rId5" cstate="print">
+            <a:extLst>
+              <a:ext uri="{28A0092B-C50C-407E-A947-70E740481C1C}">
+                <a14:useLocalDpi xmlns:a14="http://schemas.microsoft.com/office/drawing/2010/main" val="0"/>
+              </a:ext>
+            </a:extLst>
+          </a:blip>
+          <a:srcRect/>
+          <a:stretch>
+            <a:fillRect/>
+          </a:stretch>
+        </p:blipFill>
+        <p:spPr bwMode="auto">
+          <a:xfrm>
+            <a:off x="3281732" y="4360167"/>
+            <a:ext cx="2104309" cy="1662589"/>
+          </a:xfrm>
+          <a:prstGeom prst="rect">
+            <a:avLst/>
+          </a:prstGeom>
+          <a:noFill/>
+          <a:extLst>
+            <a:ext uri="{909E8E84-426E-40DD-AFC4-6F175D3DCCD1}">
+              <a14:hiddenFill xmlns:a14="http://schemas.microsoft.com/office/drawing/2010/main">
+                <a:solidFill>
+                  <a:srgbClr val="FFFFFF"/>
+                </a:solidFill>
+              </a14:hiddenFill>
+            </a:ext>
+          </a:extLst>
+        </p:spPr>
+      </p:pic>
+      <p:pic>
+        <p:nvPicPr>
+          <p:cNvPr id="11" name="Picture 2" descr="Image result for navio2">
+            <a:extLst>
+              <a:ext uri="{FF2B5EF4-FFF2-40B4-BE49-F238E27FC236}">
+                <a16:creationId xmlns:a16="http://schemas.microsoft.com/office/drawing/2014/main" id="{72A4524D-5D15-4F10-9718-AA174019A3D6}"/>
+              </a:ext>
+            </a:extLst>
+          </p:cNvPr>
+          <p:cNvPicPr>
+            <a:picLocks noChangeAspect="1" noChangeArrowheads="1"/>
+          </p:cNvPicPr>
+          <p:nvPr/>
+        </p:nvPicPr>
+        <p:blipFill>
+          <a:blip r:embed="rId6">
+            <a:extLst>
+              <a:ext uri="{28A0092B-C50C-407E-A947-70E740481C1C}">
+                <a14:useLocalDpi xmlns:a14="http://schemas.microsoft.com/office/drawing/2010/main" val="0"/>
+              </a:ext>
+            </a:extLst>
+          </a:blip>
+          <a:srcRect/>
+          <a:stretch>
+            <a:fillRect/>
+          </a:stretch>
+        </p:blipFill>
+        <p:spPr bwMode="auto">
+          <a:xfrm>
+            <a:off x="4357101" y="354918"/>
+            <a:ext cx="1831247" cy="999957"/>
+          </a:xfrm>
+          <a:prstGeom prst="rect">
+            <a:avLst/>
+          </a:prstGeom>
+          <a:noFill/>
+          <a:extLst>
+            <a:ext uri="{909E8E84-426E-40DD-AFC4-6F175D3DCCD1}">
+              <a14:hiddenFill xmlns:a14="http://schemas.microsoft.com/office/drawing/2010/main">
+                <a:solidFill>
+                  <a:srgbClr val="FFFFFF"/>
+                </a:solidFill>
+              </a14:hiddenFill>
+            </a:ext>
+          </a:extLst>
+        </p:spPr>
+      </p:pic>
+      <p:pic>
+        <p:nvPicPr>
+          <p:cNvPr id="14" name="Picture 13">
+            <a:extLst>
+              <a:ext uri="{FF2B5EF4-FFF2-40B4-BE49-F238E27FC236}">
+                <a16:creationId xmlns:a16="http://schemas.microsoft.com/office/drawing/2014/main" id="{A1E7FBE6-69C0-40B1-A0F5-D30A7AFCFAFA}"/>
+              </a:ext>
+            </a:extLst>
+          </p:cNvPr>
+          <p:cNvPicPr>
+            <a:picLocks noChangeAspect="1"/>
+          </p:cNvPicPr>
+          <p:nvPr/>
+        </p:nvPicPr>
+        <p:blipFill>
+          <a:blip r:embed="rId7"/>
+          <a:stretch>
+            <a:fillRect/>
+          </a:stretch>
+        </p:blipFill>
+        <p:spPr>
+          <a:xfrm>
+            <a:off x="6392819" y="2742489"/>
+            <a:ext cx="673988" cy="784950"/>
+          </a:xfrm>
+          <a:prstGeom prst="rect">
+            <a:avLst/>
+          </a:prstGeom>
+        </p:spPr>
+      </p:pic>
+      <p:pic>
+        <p:nvPicPr>
+          <p:cNvPr id="1032" name="Picture 8" descr="Image result for wifi">
+            <a:extLst>
+              <a:ext uri="{FF2B5EF4-FFF2-40B4-BE49-F238E27FC236}">
+                <a16:creationId xmlns:a16="http://schemas.microsoft.com/office/drawing/2014/main" id="{47DCF576-3FE2-4602-8082-48513B65921E}"/>
+              </a:ext>
+            </a:extLst>
+          </p:cNvPr>
+          <p:cNvPicPr>
+            <a:picLocks noChangeAspect="1" noChangeArrowheads="1"/>
+          </p:cNvPicPr>
+          <p:nvPr/>
+        </p:nvPicPr>
+        <p:blipFill>
+          <a:blip r:embed="rId8" cstate="print">
+            <a:extLst>
+              <a:ext uri="{28A0092B-C50C-407E-A947-70E740481C1C}">
+                <a14:useLocalDpi xmlns:a14="http://schemas.microsoft.com/office/drawing/2010/main" val="0"/>
+              </a:ext>
+            </a:extLst>
+          </a:blip>
+          <a:srcRect/>
+          <a:stretch>
+            <a:fillRect/>
+          </a:stretch>
+        </p:blipFill>
+        <p:spPr bwMode="auto">
+          <a:xfrm>
+            <a:off x="4225928" y="2866030"/>
+            <a:ext cx="1046797" cy="620191"/>
+          </a:xfrm>
+          <a:prstGeom prst="rect">
+            <a:avLst/>
+          </a:prstGeom>
+          <a:noFill/>
+          <a:extLst>
+            <a:ext uri="{909E8E84-426E-40DD-AFC4-6F175D3DCCD1}">
+              <a14:hiddenFill xmlns:a14="http://schemas.microsoft.com/office/drawing/2010/main">
+                <a:solidFill>
+                  <a:srgbClr val="FFFFFF"/>
+                </a:solidFill>
+              </a14:hiddenFill>
+            </a:ext>
+          </a:extLst>
+        </p:spPr>
+      </p:pic>
+      <p:sp>
+        <p:nvSpPr>
+          <p:cNvPr id="16" name="TextBox 15">
+            <a:extLst>
+              <a:ext uri="{FF2B5EF4-FFF2-40B4-BE49-F238E27FC236}">
+                <a16:creationId xmlns:a16="http://schemas.microsoft.com/office/drawing/2014/main" id="{51DE5F1A-05E6-43F9-840F-980F3996D43B}"/>
+              </a:ext>
+            </a:extLst>
+          </p:cNvPr>
+          <p:cNvSpPr txBox="1"/>
+          <p:nvPr/>
+        </p:nvSpPr>
+        <p:spPr>
+          <a:xfrm>
+            <a:off x="5902855" y="3680549"/>
+            <a:ext cx="1706173" cy="369332"/>
+          </a:xfrm>
+          <a:prstGeom prst="rect">
+            <a:avLst/>
+          </a:prstGeom>
+          <a:noFill/>
+        </p:spPr>
+        <p:txBody>
+          <a:bodyPr wrap="none" rtlCol="0">
+            <a:spAutoFit/>
+          </a:bodyPr>
+          <a:lstStyle/>
+          <a:p>
+            <a:r>
+              <a:rPr lang="en-US" dirty="0"/>
+              <a:t>Radio</a:t>
+            </a:r>
+            <a:r>
+              <a:rPr lang="ko-KR" altLang="en-US" dirty="0"/>
+              <a:t> </a:t>
+            </a:r>
+            <a:r>
+              <a:rPr lang="en-US" altLang="ko-KR" dirty="0"/>
+              <a:t>Telemetry</a:t>
+            </a:r>
+            <a:endParaRPr lang="en-US" dirty="0"/>
+          </a:p>
+        </p:txBody>
+      </p:sp>
+      <p:sp>
+        <p:nvSpPr>
+          <p:cNvPr id="25" name="TextBox 24">
+            <a:extLst>
+              <a:ext uri="{FF2B5EF4-FFF2-40B4-BE49-F238E27FC236}">
+                <a16:creationId xmlns:a16="http://schemas.microsoft.com/office/drawing/2014/main" id="{888B50F3-5B75-487F-9DFB-A3413BD1794F}"/>
+              </a:ext>
+            </a:extLst>
+          </p:cNvPr>
+          <p:cNvSpPr txBox="1"/>
+          <p:nvPr/>
+        </p:nvSpPr>
+        <p:spPr>
+          <a:xfrm>
+            <a:off x="818321" y="3317492"/>
+            <a:ext cx="2020874" cy="369332"/>
+          </a:xfrm>
+          <a:prstGeom prst="rect">
+            <a:avLst/>
+          </a:prstGeom>
+          <a:noFill/>
+        </p:spPr>
+        <p:txBody>
+          <a:bodyPr wrap="none" rtlCol="0">
+            <a:spAutoFit/>
+          </a:bodyPr>
+          <a:lstStyle/>
+          <a:p>
+            <a:r>
+              <a:rPr lang="en-US" dirty="0"/>
+              <a:t>Telecommunication</a:t>
+            </a:r>
+          </a:p>
+        </p:txBody>
+      </p:sp>
+      <p:sp>
+        <p:nvSpPr>
+          <p:cNvPr id="28" name="TextBox 27">
+            <a:extLst>
+              <a:ext uri="{FF2B5EF4-FFF2-40B4-BE49-F238E27FC236}">
+                <a16:creationId xmlns:a16="http://schemas.microsoft.com/office/drawing/2014/main" id="{6BB51E95-82BE-47E8-A0DC-95C924473637}"/>
+              </a:ext>
+            </a:extLst>
+          </p:cNvPr>
+          <p:cNvSpPr txBox="1"/>
+          <p:nvPr/>
+        </p:nvSpPr>
+        <p:spPr>
+          <a:xfrm>
+            <a:off x="4967818" y="1366533"/>
+            <a:ext cx="836447" cy="369332"/>
+          </a:xfrm>
+          <a:prstGeom prst="rect">
+            <a:avLst/>
+          </a:prstGeom>
+          <a:noFill/>
+        </p:spPr>
+        <p:txBody>
+          <a:bodyPr wrap="none" rtlCol="0">
+            <a:spAutoFit/>
+          </a:bodyPr>
+          <a:lstStyle/>
+          <a:p>
+            <a:r>
+              <a:rPr lang="en-US" dirty="0"/>
+              <a:t>Navio2</a:t>
+            </a:r>
+          </a:p>
+        </p:txBody>
+      </p:sp>
+      <p:sp>
+        <p:nvSpPr>
+          <p:cNvPr id="29" name="TextBox 28">
+            <a:extLst>
+              <a:ext uri="{FF2B5EF4-FFF2-40B4-BE49-F238E27FC236}">
+                <a16:creationId xmlns:a16="http://schemas.microsoft.com/office/drawing/2014/main" id="{D8B4FE5E-A7F9-48E4-91B8-BB5D9A9798BA}"/>
+              </a:ext>
+            </a:extLst>
+          </p:cNvPr>
+          <p:cNvSpPr txBox="1"/>
+          <p:nvPr/>
+        </p:nvSpPr>
+        <p:spPr>
+          <a:xfrm>
+            <a:off x="4427203" y="3619884"/>
+            <a:ext cx="636713" cy="369332"/>
+          </a:xfrm>
+          <a:prstGeom prst="rect">
+            <a:avLst/>
+          </a:prstGeom>
+          <a:noFill/>
+        </p:spPr>
+        <p:txBody>
+          <a:bodyPr wrap="none" rtlCol="0">
+            <a:spAutoFit/>
+          </a:bodyPr>
+          <a:lstStyle/>
+          <a:p>
+            <a:r>
+              <a:rPr lang="en-US" dirty="0"/>
+              <a:t>Wi-fi</a:t>
+            </a:r>
+          </a:p>
+        </p:txBody>
+      </p:sp>
+      <p:sp>
+        <p:nvSpPr>
+          <p:cNvPr id="30" name="TextBox 29">
+            <a:extLst>
+              <a:ext uri="{FF2B5EF4-FFF2-40B4-BE49-F238E27FC236}">
+                <a16:creationId xmlns:a16="http://schemas.microsoft.com/office/drawing/2014/main" id="{4013435E-5672-4E18-ADA6-013394D1B905}"/>
+              </a:ext>
+            </a:extLst>
+          </p:cNvPr>
+          <p:cNvSpPr txBox="1"/>
+          <p:nvPr/>
+        </p:nvSpPr>
+        <p:spPr>
+          <a:xfrm>
+            <a:off x="3480799" y="6133750"/>
+            <a:ext cx="1742849" cy="369332"/>
+          </a:xfrm>
+          <a:prstGeom prst="rect">
+            <a:avLst/>
+          </a:prstGeom>
+          <a:noFill/>
+        </p:spPr>
+        <p:txBody>
+          <a:bodyPr wrap="none" rtlCol="0">
+            <a:spAutoFit/>
+          </a:bodyPr>
+          <a:lstStyle/>
+          <a:p>
+            <a:r>
+              <a:rPr lang="en-US" dirty="0"/>
+              <a:t>QGroundControl</a:t>
+            </a:r>
+          </a:p>
+        </p:txBody>
+      </p:sp>
+      <p:sp>
+        <p:nvSpPr>
+          <p:cNvPr id="31" name="TextBox 30">
+            <a:extLst>
+              <a:ext uri="{FF2B5EF4-FFF2-40B4-BE49-F238E27FC236}">
+                <a16:creationId xmlns:a16="http://schemas.microsoft.com/office/drawing/2014/main" id="{7826C2F6-983F-4B84-B397-FB591CF96716}"/>
+              </a:ext>
+            </a:extLst>
+          </p:cNvPr>
+          <p:cNvSpPr txBox="1"/>
+          <p:nvPr/>
+        </p:nvSpPr>
+        <p:spPr>
+          <a:xfrm>
+            <a:off x="5948195" y="6151286"/>
+            <a:ext cx="1632178" cy="369332"/>
+          </a:xfrm>
+          <a:prstGeom prst="rect">
+            <a:avLst/>
+          </a:prstGeom>
+          <a:noFill/>
+        </p:spPr>
+        <p:txBody>
+          <a:bodyPr wrap="none" rtlCol="0">
+            <a:spAutoFit/>
+          </a:bodyPr>
+          <a:lstStyle/>
+          <a:p>
+            <a:r>
+              <a:rPr lang="en-US" dirty="0"/>
+              <a:t>MissionPlanner</a:t>
+            </a:r>
+          </a:p>
+        </p:txBody>
+      </p:sp>
+      <p:sp>
+        <p:nvSpPr>
+          <p:cNvPr id="32" name="TextBox 31">
+            <a:extLst>
+              <a:ext uri="{FF2B5EF4-FFF2-40B4-BE49-F238E27FC236}">
+                <a16:creationId xmlns:a16="http://schemas.microsoft.com/office/drawing/2014/main" id="{E1A2135D-3A2A-4E08-A64C-5A1C16F85D02}"/>
+              </a:ext>
+            </a:extLst>
+          </p:cNvPr>
+          <p:cNvSpPr txBox="1"/>
+          <p:nvPr/>
+        </p:nvSpPr>
+        <p:spPr>
+          <a:xfrm>
+            <a:off x="1008628" y="5093561"/>
+            <a:ext cx="1640257" cy="369332"/>
+          </a:xfrm>
+          <a:prstGeom prst="rect">
+            <a:avLst/>
+          </a:prstGeom>
+          <a:noFill/>
+        </p:spPr>
+        <p:txBody>
+          <a:bodyPr wrap="none" rtlCol="0">
+            <a:spAutoFit/>
+          </a:bodyPr>
+          <a:lstStyle/>
+          <a:p>
+            <a:r>
+              <a:rPr lang="en-US" dirty="0"/>
+              <a:t>Ground Control</a:t>
+            </a:r>
+          </a:p>
+        </p:txBody>
+      </p:sp>
+      <p:sp>
+        <p:nvSpPr>
+          <p:cNvPr id="33" name="TextBox 32">
+            <a:extLst>
+              <a:ext uri="{FF2B5EF4-FFF2-40B4-BE49-F238E27FC236}">
+                <a16:creationId xmlns:a16="http://schemas.microsoft.com/office/drawing/2014/main" id="{4EE3F1EE-6FE0-42AF-8AE6-B328D660D928}"/>
+              </a:ext>
+            </a:extLst>
+          </p:cNvPr>
+          <p:cNvSpPr txBox="1"/>
+          <p:nvPr/>
+        </p:nvSpPr>
+        <p:spPr>
+          <a:xfrm>
+            <a:off x="1299125" y="1954219"/>
+            <a:ext cx="1059264" cy="369332"/>
+          </a:xfrm>
+          <a:prstGeom prst="rect">
+            <a:avLst/>
+          </a:prstGeom>
+          <a:noFill/>
+        </p:spPr>
+        <p:txBody>
+          <a:bodyPr wrap="none" rtlCol="0">
+            <a:spAutoFit/>
+          </a:bodyPr>
+          <a:lstStyle/>
+          <a:p>
+            <a:r>
+              <a:rPr lang="en-US" dirty="0"/>
+              <a:t>AutoPilot</a:t>
+            </a:r>
+          </a:p>
+        </p:txBody>
+      </p:sp>
+      <p:sp>
+        <p:nvSpPr>
+          <p:cNvPr id="34" name="TextBox 33">
+            <a:extLst>
+              <a:ext uri="{FF2B5EF4-FFF2-40B4-BE49-F238E27FC236}">
+                <a16:creationId xmlns:a16="http://schemas.microsoft.com/office/drawing/2014/main" id="{F8B9B23E-BA3A-41CC-90EB-4A7353356BFD}"/>
+              </a:ext>
+            </a:extLst>
+          </p:cNvPr>
+          <p:cNvSpPr txBox="1"/>
+          <p:nvPr/>
+        </p:nvSpPr>
+        <p:spPr>
+          <a:xfrm>
+            <a:off x="1095104" y="612228"/>
+            <a:ext cx="1696362" cy="369332"/>
+          </a:xfrm>
+          <a:prstGeom prst="rect">
+            <a:avLst/>
+          </a:prstGeom>
+          <a:noFill/>
+        </p:spPr>
+        <p:txBody>
+          <a:bodyPr wrap="none" rtlCol="0">
+            <a:spAutoFit/>
+          </a:bodyPr>
+          <a:lstStyle/>
+          <a:p>
+            <a:r>
+              <a:rPr lang="en-US" dirty="0"/>
+              <a:t>Flight Controller</a:t>
+            </a:r>
+          </a:p>
+        </p:txBody>
+      </p:sp>
+    </p:spTree>
+    <p:extLst>
+      <p:ext uri="{BB962C8B-B14F-4D97-AF65-F5344CB8AC3E}">
+        <p14:creationId xmlns:p14="http://schemas.microsoft.com/office/powerpoint/2010/main" val="2726559616"/>
+      </p:ext>
+    </p:extLst>
+  </p:cSld>
+  <p:clrMapOvr>
+    <a:masterClrMapping/>
+  </p:clrMapOvr>
+</p:sld>
+</file>
+
+<file path=ppt/slides/slide6.xml><?xml version="1.0" encoding="utf-8"?>
+<p:sld xmlns:a="http://schemas.openxmlformats.org/drawingml/2006/main" xmlns:r="http://schemas.openxmlformats.org/officeDocument/2006/relationships" xmlns:p="http://schemas.openxmlformats.org/presentationml/2006/main">
+  <p:cSld>
+    <p:spTree>
+      <p:nvGrpSpPr>
+        <p:cNvPr id="1" name=""/>
+        <p:cNvGrpSpPr/>
+        <p:nvPr/>
+      </p:nvGrpSpPr>
+      <p:grpSpPr>
+        <a:xfrm>
+          <a:off x="0" y="0"/>
+          <a:ext cx="0" cy="0"/>
+          <a:chOff x="0" y="0"/>
+          <a:chExt cx="0" cy="0"/>
+        </a:xfrm>
+      </p:grpSpPr>
       <p:sp>
         <p:nvSpPr>
           <p:cNvPr id="2" name="제목 1"/>
@@ -8145,7 +9051,7 @@
           <a:p>
             <a:fld id="{0A6664A7-F427-4CE6-B4E0-68F20D477FC0}" type="datetime1">
               <a:rPr lang="ko-KR" altLang="en-US" smtClean="0"/>
-              <a:t>2019-06-16</a:t>
+              <a:t>2019-09-26</a:t>
             </a:fld>
             <a:endParaRPr lang="en-US"/>
           </a:p>
@@ -8191,7 +9097,7 @@
           <a:p>
             <a:fld id="{AA0EB1BB-D2B3-481B-A5E1-F093F8D3CD29}" type="slidenum">
               <a:rPr lang="en-US" smtClean="0"/>
-              <a:t>5</a:t>
+              <a:t>6</a:t>
             </a:fld>
             <a:endParaRPr lang="en-US"/>
           </a:p>
@@ -8339,7 +9245,7 @@
 </p:sld>
 </file>
 
-<file path=ppt/slides/slide6.xml><?xml version="1.0" encoding="utf-8"?>
+<file path=ppt/slides/slide7.xml><?xml version="1.0" encoding="utf-8"?>
 <p:sld xmlns:a="http://schemas.openxmlformats.org/drawingml/2006/main" xmlns:r="http://schemas.openxmlformats.org/officeDocument/2006/relationships" xmlns:p="http://schemas.openxmlformats.org/presentationml/2006/main">
   <p:cSld>
     <p:spTree>
@@ -8502,7 +9408,7 @@
           <a:p>
             <a:fld id="{0A6664A7-F427-4CE6-B4E0-68F20D477FC0}" type="datetime1">
               <a:rPr lang="ko-KR" altLang="en-US" smtClean="0"/>
-              <a:t>2019-06-16</a:t>
+              <a:t>2019-09-26</a:t>
             </a:fld>
             <a:endParaRPr lang="en-US"/>
           </a:p>
@@ -8548,7 +9454,7 @@
           <a:p>
             <a:fld id="{AA0EB1BB-D2B3-481B-A5E1-F093F8D3CD29}" type="slidenum">
               <a:rPr lang="en-US" smtClean="0"/>
-              <a:t>6</a:t>
+              <a:t>7</a:t>
             </a:fld>
             <a:endParaRPr lang="en-US"/>
           </a:p>
@@ -8593,7 +9499,7 @@
 </p:sld>
 </file>
 
-<file path=ppt/slides/slide7.xml><?xml version="1.0" encoding="utf-8"?>
+<file path=ppt/slides/slide8.xml><?xml version="1.0" encoding="utf-8"?>
 <p:sld xmlns:a="http://schemas.openxmlformats.org/drawingml/2006/main" xmlns:r="http://schemas.openxmlformats.org/officeDocument/2006/relationships" xmlns:p="http://schemas.openxmlformats.org/presentationml/2006/main">
   <p:cSld>
     <p:spTree>
@@ -8699,7 +9605,7 @@
           <a:p>
             <a:fld id="{0A6664A7-F427-4CE6-B4E0-68F20D477FC0}" type="datetime1">
               <a:rPr lang="ko-KR" altLang="en-US" smtClean="0"/>
-              <a:t>2019-06-16</a:t>
+              <a:t>2019-09-26</a:t>
             </a:fld>
             <a:endParaRPr lang="en-US"/>
           </a:p>
@@ -8745,7 +9651,7 @@
           <a:p>
             <a:fld id="{AA0EB1BB-D2B3-481B-A5E1-F093F8D3CD29}" type="slidenum">
               <a:rPr lang="en-US" smtClean="0"/>
-              <a:t>7</a:t>
+              <a:t>8</a:t>
             </a:fld>
             <a:endParaRPr lang="en-US"/>
           </a:p>
@@ -8797,162 +9703,6 @@
 </p:sld>
 </file>
 
-<file path=ppt/slides/slide8.xml><?xml version="1.0" encoding="utf-8"?>
-<p:sld xmlns:a="http://schemas.openxmlformats.org/drawingml/2006/main" xmlns:r="http://schemas.openxmlformats.org/officeDocument/2006/relationships" xmlns:p="http://schemas.openxmlformats.org/presentationml/2006/main">
-  <p:cSld>
-    <p:spTree>
-      <p:nvGrpSpPr>
-        <p:cNvPr id="1" name=""/>
-        <p:cNvGrpSpPr/>
-        <p:nvPr/>
-      </p:nvGrpSpPr>
-      <p:grpSpPr>
-        <a:xfrm>
-          <a:off x="0" y="0"/>
-          <a:ext cx="0" cy="0"/>
-          <a:chOff x="0" y="0"/>
-          <a:chExt cx="0" cy="0"/>
-        </a:xfrm>
-      </p:grpSpPr>
-      <p:sp>
-        <p:nvSpPr>
-          <p:cNvPr id="2" name="제목 1"/>
-          <p:cNvSpPr>
-            <a:spLocks noGrp="1"/>
-          </p:cNvSpPr>
-          <p:nvPr>
-            <p:ph type="title"/>
-          </p:nvPr>
-        </p:nvSpPr>
-        <p:spPr/>
-        <p:txBody>
-          <a:bodyPr/>
-          <a:lstStyle/>
-          <a:p>
-            <a:r>
-              <a:rPr lang="en-US" dirty="0"/>
-              <a:t>PX4 </a:t>
-            </a:r>
-            <a:r>
-              <a:rPr lang="ko-KR" altLang="en-US" dirty="0"/>
-              <a:t>빌드 환경</a:t>
-            </a:r>
-            <a:endParaRPr lang="en-US" dirty="0"/>
-          </a:p>
-        </p:txBody>
-      </p:sp>
-      <p:sp>
-        <p:nvSpPr>
-          <p:cNvPr id="3" name="내용 개체 틀 2"/>
-          <p:cNvSpPr>
-            <a:spLocks noGrp="1"/>
-          </p:cNvSpPr>
-          <p:nvPr>
-            <p:ph idx="1"/>
-          </p:nvPr>
-        </p:nvSpPr>
-        <p:spPr/>
-        <p:txBody>
-          <a:bodyPr/>
-          <a:lstStyle/>
-          <a:p>
-            <a:r>
-              <a:rPr lang="ko-KR" altLang="en-US" dirty="0"/>
-              <a:t>운영체제</a:t>
-            </a:r>
-            <a:endParaRPr lang="en-US" dirty="0"/>
-          </a:p>
-          <a:p>
-            <a:pPr lvl="1"/>
-            <a:r>
-              <a:rPr lang="en-US" dirty="0"/>
-              <a:t>Ubuntu 18.04</a:t>
-            </a:r>
-          </a:p>
-        </p:txBody>
-      </p:sp>
-      <p:sp>
-        <p:nvSpPr>
-          <p:cNvPr id="4" name="날짜 개체 틀 3"/>
-          <p:cNvSpPr>
-            <a:spLocks noGrp="1"/>
-          </p:cNvSpPr>
-          <p:nvPr>
-            <p:ph type="dt" sz="half" idx="10"/>
-          </p:nvPr>
-        </p:nvSpPr>
-        <p:spPr/>
-        <p:txBody>
-          <a:bodyPr/>
-          <a:lstStyle/>
-          <a:p>
-            <a:fld id="{0A6664A7-F427-4CE6-B4E0-68F20D477FC0}" type="datetime1">
-              <a:rPr lang="ko-KR" altLang="en-US" smtClean="0"/>
-              <a:t>2019-06-16</a:t>
-            </a:fld>
-            <a:endParaRPr lang="en-US"/>
-          </a:p>
-        </p:txBody>
-      </p:sp>
-      <p:sp>
-        <p:nvSpPr>
-          <p:cNvPr id="5" name="바닥글 개체 틀 4"/>
-          <p:cNvSpPr>
-            <a:spLocks noGrp="1"/>
-          </p:cNvSpPr>
-          <p:nvPr>
-            <p:ph type="ftr" sz="quarter" idx="11"/>
-          </p:nvPr>
-        </p:nvSpPr>
-        <p:spPr/>
-        <p:txBody>
-          <a:bodyPr/>
-          <a:lstStyle/>
-          <a:p>
-            <a:r>
-              <a:rPr lang="ko-KR" altLang="en-US"/>
-              <a:t>자율비행 스터디 일정</a:t>
-            </a:r>
-            <a:endParaRPr lang="en-US"/>
-          </a:p>
-        </p:txBody>
-      </p:sp>
-      <p:sp>
-        <p:nvSpPr>
-          <p:cNvPr id="6" name="슬라이드 번호 개체 틀 5"/>
-          <p:cNvSpPr>
-            <a:spLocks noGrp="1"/>
-          </p:cNvSpPr>
-          <p:nvPr>
-            <p:ph type="sldNum" sz="quarter" idx="12"/>
-          </p:nvPr>
-        </p:nvSpPr>
-        <p:spPr/>
-        <p:txBody>
-          <a:bodyPr/>
-          <a:lstStyle/>
-          <a:p>
-            <a:fld id="{AA0EB1BB-D2B3-481B-A5E1-F093F8D3CD29}" type="slidenum">
-              <a:rPr lang="en-US" smtClean="0"/>
-              <a:t>8</a:t>
-            </a:fld>
-            <a:endParaRPr lang="en-US"/>
-          </a:p>
-        </p:txBody>
-      </p:sp>
-    </p:spTree>
-    <p:extLst>
-      <p:ext uri="{BB962C8B-B14F-4D97-AF65-F5344CB8AC3E}">
-        <p14:creationId xmlns:p14="http://schemas.microsoft.com/office/powerpoint/2010/main" val="528839942"/>
-      </p:ext>
-    </p:extLst>
-  </p:cSld>
-  <p:clrMapOvr>
-    <a:masterClrMapping/>
-  </p:clrMapOvr>
-</p:sld>
-</file>
-
 <file path=ppt/slides/slide9.xml><?xml version="1.0" encoding="utf-8"?>
 <p:sld xmlns:a="http://schemas.openxmlformats.org/drawingml/2006/main" xmlns:r="http://schemas.openxmlformats.org/officeDocument/2006/relationships" xmlns:p="http://schemas.openxmlformats.org/presentationml/2006/main">
   <p:cSld>
@@ -8986,12 +9736,12 @@
           <a:lstStyle/>
           <a:p>
             <a:r>
+              <a:rPr lang="en-US" dirty="0"/>
+              <a:t>PX4 </a:t>
+            </a:r>
+            <a:r>
               <a:rPr lang="ko-KR" altLang="en-US" dirty="0"/>
-              <a:t>빌드 프로그램 설치 </a:t>
-            </a:r>
-            <a:r>
-              <a:rPr lang="en-US" altLang="ko-KR" dirty="0"/>
-              <a:t>1</a:t>
+              <a:t>빌드 환경</a:t>
             </a:r>
             <a:endParaRPr lang="en-US" dirty="0"/>
           </a:p>
@@ -9009,161 +9759,21 @@
         </p:nvSpPr>
         <p:spPr/>
         <p:txBody>
-          <a:bodyPr>
-            <a:normAutofit fontScale="92500" lnSpcReduction="10000"/>
-          </a:bodyPr>
-          <a:lstStyle/>
-          <a:p>
-            <a:r>
-              <a:rPr lang="ko-KR" altLang="en-US" sz="2000" dirty="0"/>
-              <a:t>사용자 그룹 수정</a:t>
-            </a:r>
-            <a:endParaRPr lang="en-US" altLang="ko-KR" sz="2000" dirty="0"/>
+          <a:bodyPr/>
+          <a:lstStyle/>
+          <a:p>
+            <a:r>
+              <a:rPr lang="ko-KR" altLang="en-US" dirty="0"/>
+              <a:t>운영체제</a:t>
+            </a:r>
+            <a:endParaRPr lang="en-US" dirty="0"/>
           </a:p>
           <a:p>
             <a:pPr lvl="1"/>
             <a:r>
-              <a:rPr lang="pt-BR" altLang="ko-KR" sz="2000" dirty="0"/>
-              <a:t>sudo usermod -a -G dialout $USER</a:t>
-            </a:r>
-            <a:endParaRPr lang="en-US" altLang="ko-KR" sz="2000" dirty="0"/>
-          </a:p>
-          <a:p>
-            <a:r>
-              <a:rPr lang="ko-KR" altLang="en-US" sz="2000" dirty="0"/>
-              <a:t>우분트 업데이트</a:t>
-            </a:r>
-            <a:endParaRPr lang="en-US" altLang="ko-KR" sz="2000" dirty="0"/>
-          </a:p>
-          <a:p>
-            <a:pPr lvl="1"/>
-            <a:r>
-              <a:rPr lang="en-US" sz="2000" dirty="0"/>
-              <a:t>sudo apt update -y</a:t>
-            </a:r>
-          </a:p>
-          <a:p>
-            <a:r>
-              <a:rPr lang="ko-KR" altLang="en-US" sz="2000" dirty="0"/>
-              <a:t>우분투 업그레이트</a:t>
-            </a:r>
-            <a:endParaRPr lang="en-US" altLang="ko-KR" sz="2000" dirty="0"/>
-          </a:p>
-          <a:p>
-            <a:pPr lvl="1"/>
-            <a:r>
-              <a:rPr lang="en-US" sz="2000" dirty="0"/>
-              <a:t>sudo apt upgrade -y</a:t>
-            </a:r>
-          </a:p>
-          <a:p>
-            <a:r>
-              <a:rPr lang="ko-KR" altLang="en-US" sz="2000" dirty="0"/>
-              <a:t>리부팅</a:t>
-            </a:r>
-            <a:endParaRPr lang="en-US" altLang="ko-KR" sz="2000" dirty="0"/>
-          </a:p>
-          <a:p>
-            <a:pPr lvl="1"/>
-            <a:r>
-              <a:rPr lang="en-US" sz="2000" dirty="0"/>
-              <a:t>sudo</a:t>
-            </a:r>
-            <a:r>
-              <a:rPr lang="ko-KR" altLang="en-US" sz="2000" dirty="0"/>
-              <a:t> </a:t>
-            </a:r>
-            <a:r>
-              <a:rPr lang="en-US" altLang="ko-KR" sz="2000" dirty="0"/>
-              <a:t>reboot</a:t>
-            </a:r>
-          </a:p>
-          <a:p>
-            <a:r>
-              <a:rPr lang="ko-KR" altLang="en-US" sz="2000" dirty="0"/>
-              <a:t>빌드 프로그램 설치</a:t>
-            </a:r>
-            <a:endParaRPr lang="en-US" altLang="ko-KR" sz="2000" dirty="0"/>
-          </a:p>
-          <a:p>
-            <a:pPr lvl="1"/>
-            <a:r>
-              <a:rPr lang="en-US" sz="2000" dirty="0"/>
-              <a:t>sudo apt install adb</a:t>
-            </a:r>
-          </a:p>
-          <a:p>
-            <a:pPr lvl="1"/>
-            <a:r>
-              <a:rPr lang="en-US" sz="2000" dirty="0"/>
-              <a:t>sudo apt install git -y</a:t>
-            </a:r>
-          </a:p>
-          <a:p>
-            <a:pPr lvl="1"/>
-            <a:r>
-              <a:rPr lang="en-US" sz="2000" dirty="0"/>
-              <a:t>sudo apt </a:t>
-            </a:r>
-            <a:r>
-              <a:rPr lang="en-US" sz="2000"/>
-              <a:t>install cmake</a:t>
-            </a:r>
-            <a:endParaRPr lang="en-US" sz="2000" dirty="0"/>
-          </a:p>
-          <a:p>
-            <a:pPr lvl="1"/>
-            <a:r>
-              <a:rPr lang="en-US" sz="2000" dirty="0"/>
-              <a:t>sudo apt install python-jinja2 python-pip python-</a:t>
-            </a:r>
-            <a:r>
-              <a:rPr lang="en-US" sz="2000" dirty="0" err="1"/>
-              <a:t>empy</a:t>
-            </a:r>
-            <a:r>
-              <a:rPr lang="en-US" sz="2000" dirty="0"/>
-              <a:t> -y</a:t>
-            </a:r>
-          </a:p>
-          <a:p>
-            <a:pPr lvl="1"/>
-            <a:r>
-              <a:rPr lang="en-US" sz="2000" dirty="0"/>
-              <a:t>sudo pip install future </a:t>
-            </a:r>
-            <a:r>
-              <a:rPr lang="en-US" sz="2000" dirty="0" err="1"/>
-              <a:t>numpy</a:t>
-            </a:r>
-            <a:r>
-              <a:rPr lang="en-US" sz="2000" dirty="0"/>
-              <a:t> </a:t>
-            </a:r>
-            <a:r>
-              <a:rPr lang="en-US" sz="2000" dirty="0" err="1"/>
-              <a:t>toml</a:t>
-            </a:r>
-            <a:r>
-              <a:rPr lang="en-US" sz="2000" dirty="0"/>
-              <a:t> </a:t>
-            </a:r>
-            <a:r>
-              <a:rPr lang="en-US" sz="2000" dirty="0" err="1"/>
-              <a:t>catkin_pkg</a:t>
-            </a:r>
-            <a:r>
-              <a:rPr lang="en-US" sz="2000" dirty="0"/>
-              <a:t> </a:t>
-            </a:r>
-            <a:r>
-              <a:rPr lang="en-US" sz="2000" dirty="0" err="1"/>
-              <a:t>pyyaml</a:t>
-            </a:r>
-            <a:endParaRPr lang="en-US" sz="2000" dirty="0"/>
-          </a:p>
-          <a:p>
-            <a:endParaRPr lang="en-US" sz="2000" dirty="0"/>
+              <a:rPr lang="en-US" dirty="0"/>
+              <a:t>Ubuntu 18.04</a:t>
+            </a:r>
           </a:p>
         </p:txBody>
       </p:sp>
@@ -9184,7 +9794,7 @@
           <a:p>
             <a:fld id="{0A6664A7-F427-4CE6-B4E0-68F20D477FC0}" type="datetime1">
               <a:rPr lang="ko-KR" altLang="en-US" smtClean="0"/>
-              <a:t>2019-06-16</a:t>
+              <a:t>2019-09-26</a:t>
             </a:fld>
             <a:endParaRPr lang="en-US"/>
           </a:p>
@@ -9239,7 +9849,7 @@
     </p:spTree>
     <p:extLst>
       <p:ext uri="{BB962C8B-B14F-4D97-AF65-F5344CB8AC3E}">
-        <p14:creationId xmlns:p14="http://schemas.microsoft.com/office/powerpoint/2010/main" val="3180850"/>
+        <p14:creationId xmlns:p14="http://schemas.microsoft.com/office/powerpoint/2010/main" val="528839942"/>
       </p:ext>
     </p:extLst>
   </p:cSld>

--- a/104 자율비행 스터디/910606 Bebop 드론 PX4 비행 프로그램 업로드.pptx
+++ b/104 자율비행 스터디/910606 Bebop 드론 PX4 비행 프로그램 업로드.pptx
@@ -5,7 +5,7 @@
     <p:sldMasterId id="2147483660" r:id="rId1"/>
   </p:sldMasterIdLst>
   <p:notesMasterIdLst>
-    <p:notesMasterId r:id="rId23"/>
+    <p:notesMasterId r:id="rId24"/>
   </p:notesMasterIdLst>
   <p:sldIdLst>
     <p:sldId id="256" r:id="rId2"/>
@@ -14,21 +14,22 @@
     <p:sldId id="261" r:id="rId5"/>
     <p:sldId id="279" r:id="rId6"/>
     <p:sldId id="276" r:id="rId7"/>
-    <p:sldId id="262" r:id="rId8"/>
-    <p:sldId id="260" r:id="rId9"/>
-    <p:sldId id="264" r:id="rId10"/>
-    <p:sldId id="263" r:id="rId11"/>
-    <p:sldId id="277" r:id="rId12"/>
-    <p:sldId id="266" r:id="rId13"/>
-    <p:sldId id="267" r:id="rId14"/>
-    <p:sldId id="268" r:id="rId15"/>
-    <p:sldId id="269" r:id="rId16"/>
-    <p:sldId id="271" r:id="rId17"/>
-    <p:sldId id="270" r:id="rId18"/>
-    <p:sldId id="278" r:id="rId19"/>
-    <p:sldId id="275" r:id="rId20"/>
-    <p:sldId id="274" r:id="rId21"/>
-    <p:sldId id="259" r:id="rId22"/>
+    <p:sldId id="280" r:id="rId8"/>
+    <p:sldId id="262" r:id="rId9"/>
+    <p:sldId id="260" r:id="rId10"/>
+    <p:sldId id="264" r:id="rId11"/>
+    <p:sldId id="263" r:id="rId12"/>
+    <p:sldId id="277" r:id="rId13"/>
+    <p:sldId id="266" r:id="rId14"/>
+    <p:sldId id="267" r:id="rId15"/>
+    <p:sldId id="268" r:id="rId16"/>
+    <p:sldId id="269" r:id="rId17"/>
+    <p:sldId id="271" r:id="rId18"/>
+    <p:sldId id="270" r:id="rId19"/>
+    <p:sldId id="278" r:id="rId20"/>
+    <p:sldId id="275" r:id="rId21"/>
+    <p:sldId id="274" r:id="rId22"/>
+    <p:sldId id="259" r:id="rId23"/>
   </p:sldIdLst>
   <p:sldSz cx="9906000" cy="6858000" type="A4"/>
   <p:notesSz cx="6858000" cy="9144000"/>
@@ -448,7 +449,7 @@
           <a:p>
             <a:fld id="{60456C2F-1F67-44A5-80B0-9C3A6CA33C82}" type="datetimeFigureOut">
               <a:rPr lang="en-US" smtClean="0"/>
-              <a:t>9/26/2019</a:t>
+              <a:t>12/21/2019</a:t>
             </a:fld>
             <a:endParaRPr lang="en-US"/>
           </a:p>
@@ -847,7 +848,7 @@
           <a:p>
             <a:fld id="{B06DE1AE-4639-4348-B0F3-0167B6694DC9}" type="datetime1">
               <a:rPr lang="ko-KR" altLang="en-US" smtClean="0"/>
-              <a:t>2019-09-26</a:t>
+              <a:t>2019-12-21</a:t>
             </a:fld>
             <a:endParaRPr lang="en-US"/>
           </a:p>
@@ -1021,7 +1022,7 @@
           <a:p>
             <a:fld id="{0A6664A7-F427-4CE6-B4E0-68F20D477FC0}" type="datetime1">
               <a:rPr lang="ko-KR" altLang="en-US" smtClean="0"/>
-              <a:t>2019-09-26</a:t>
+              <a:t>2019-12-21</a:t>
             </a:fld>
             <a:endParaRPr lang="en-US"/>
           </a:p>
@@ -1357,7 +1358,7 @@
           <a:p>
             <a:fld id="{FA9B1944-E9AA-4CB3-A3C3-A27AE56A9BB7}" type="datetime1">
               <a:rPr lang="ko-KR" altLang="en-US" smtClean="0"/>
-              <a:t>2019-09-26</a:t>
+              <a:t>2019-12-21</a:t>
             </a:fld>
             <a:endParaRPr lang="en-US"/>
           </a:p>
@@ -1636,7 +1637,7 @@
           <a:p>
             <a:fld id="{99BD86E3-99A1-4169-B1C8-1A55721196C8}" type="datetime1">
               <a:rPr lang="ko-KR" altLang="en-US" smtClean="0"/>
-              <a:t>2019-09-26</a:t>
+              <a:t>2019-12-21</a:t>
             </a:fld>
             <a:endParaRPr lang="en-US"/>
           </a:p>
@@ -1952,7 +1953,7 @@
           <a:p>
             <a:fld id="{CE304F0F-8039-4A08-ADA5-D10D3A9B33DF}" type="datetime1">
               <a:rPr lang="ko-KR" altLang="en-US" smtClean="0"/>
-              <a:t>2019-09-26</a:t>
+              <a:t>2019-12-21</a:t>
             </a:fld>
             <a:endParaRPr lang="en-US"/>
           </a:p>
@@ -2366,7 +2367,7 @@
           <a:p>
             <a:fld id="{28866B29-90F0-4A08-89FB-620AA2F0F8D3}" type="datetime1">
               <a:rPr lang="ko-KR" altLang="en-US" smtClean="0"/>
-              <a:t>2019-09-26</a:t>
+              <a:t>2019-12-21</a:t>
             </a:fld>
             <a:endParaRPr lang="en-US"/>
           </a:p>
@@ -2488,7 +2489,7 @@
           <a:p>
             <a:fld id="{B9615DA9-78D4-48B3-9962-E7DA71CD6641}" type="datetime1">
               <a:rPr lang="ko-KR" altLang="en-US" smtClean="0"/>
-              <a:t>2019-09-26</a:t>
+              <a:t>2019-12-21</a:t>
             </a:fld>
             <a:endParaRPr lang="en-US"/>
           </a:p>
@@ -2635,7 +2636,7 @@
           <a:p>
             <a:fld id="{9DE34919-3FD6-4B5C-A4D1-EEDC57DC61BF}" type="datetime1">
               <a:rPr lang="ko-KR" altLang="en-US" smtClean="0"/>
-              <a:t>2019-09-26</a:t>
+              <a:t>2019-12-21</a:t>
             </a:fld>
             <a:endParaRPr lang="en-US"/>
           </a:p>
@@ -2854,7 +2855,7 @@
           <a:p>
             <a:fld id="{1A5DDEA1-2698-4E9D-9D16-4796BB1B4EE7}" type="datetime1">
               <a:rPr lang="ko-KR" altLang="en-US" smtClean="0"/>
-              <a:t>2019-09-26</a:t>
+              <a:t>2019-12-21</a:t>
             </a:fld>
             <a:endParaRPr lang="en-US"/>
           </a:p>
@@ -3459,12 +3460,12 @@
           <a:lstStyle/>
           <a:p>
             <a:r>
+              <a:rPr lang="en-US" dirty="0"/>
+              <a:t>PX4 </a:t>
+            </a:r>
+            <a:r>
               <a:rPr lang="ko-KR" altLang="en-US" dirty="0"/>
-              <a:t>빌드 프로그램 설치 </a:t>
-            </a:r>
-            <a:r>
-              <a:rPr lang="en-US" altLang="ko-KR" dirty="0"/>
-              <a:t>1</a:t>
+              <a:t>빌드 환경</a:t>
             </a:r>
             <a:endParaRPr lang="en-US" dirty="0"/>
           </a:p>
@@ -3482,161 +3483,21 @@
         </p:nvSpPr>
         <p:spPr/>
         <p:txBody>
-          <a:bodyPr>
-            <a:normAutofit fontScale="92500" lnSpcReduction="10000"/>
-          </a:bodyPr>
-          <a:lstStyle/>
-          <a:p>
-            <a:r>
-              <a:rPr lang="ko-KR" altLang="en-US" sz="2000" dirty="0"/>
-              <a:t>사용자 그룹 수정</a:t>
-            </a:r>
-            <a:endParaRPr lang="en-US" altLang="ko-KR" sz="2000" dirty="0"/>
+          <a:bodyPr/>
+          <a:lstStyle/>
+          <a:p>
+            <a:r>
+              <a:rPr lang="ko-KR" altLang="en-US" dirty="0"/>
+              <a:t>운영체제</a:t>
+            </a:r>
+            <a:endParaRPr lang="en-US" dirty="0"/>
           </a:p>
           <a:p>
             <a:pPr lvl="1"/>
             <a:r>
-              <a:rPr lang="pt-BR" altLang="ko-KR" sz="2000" dirty="0"/>
-              <a:t>sudo usermod -a -G dialout $USER</a:t>
-            </a:r>
-            <a:endParaRPr lang="en-US" altLang="ko-KR" sz="2000" dirty="0"/>
-          </a:p>
-          <a:p>
-            <a:r>
-              <a:rPr lang="ko-KR" altLang="en-US" sz="2000" dirty="0"/>
-              <a:t>우분트 업데이트</a:t>
-            </a:r>
-            <a:endParaRPr lang="en-US" altLang="ko-KR" sz="2000" dirty="0"/>
-          </a:p>
-          <a:p>
-            <a:pPr lvl="1"/>
-            <a:r>
-              <a:rPr lang="en-US" sz="2000" dirty="0"/>
-              <a:t>sudo apt update -y</a:t>
-            </a:r>
-          </a:p>
-          <a:p>
-            <a:r>
-              <a:rPr lang="ko-KR" altLang="en-US" sz="2000" dirty="0"/>
-              <a:t>우분투 업그레이트</a:t>
-            </a:r>
-            <a:endParaRPr lang="en-US" altLang="ko-KR" sz="2000" dirty="0"/>
-          </a:p>
-          <a:p>
-            <a:pPr lvl="1"/>
-            <a:r>
-              <a:rPr lang="en-US" sz="2000" dirty="0"/>
-              <a:t>sudo apt upgrade -y</a:t>
-            </a:r>
-          </a:p>
-          <a:p>
-            <a:r>
-              <a:rPr lang="ko-KR" altLang="en-US" sz="2000" dirty="0"/>
-              <a:t>리부팅</a:t>
-            </a:r>
-            <a:endParaRPr lang="en-US" altLang="ko-KR" sz="2000" dirty="0"/>
-          </a:p>
-          <a:p>
-            <a:pPr lvl="1"/>
-            <a:r>
-              <a:rPr lang="en-US" sz="2000" dirty="0"/>
-              <a:t>sudo</a:t>
-            </a:r>
-            <a:r>
-              <a:rPr lang="ko-KR" altLang="en-US" sz="2000" dirty="0"/>
-              <a:t> </a:t>
-            </a:r>
-            <a:r>
-              <a:rPr lang="en-US" altLang="ko-KR" sz="2000" dirty="0"/>
-              <a:t>reboot</a:t>
-            </a:r>
-          </a:p>
-          <a:p>
-            <a:r>
-              <a:rPr lang="ko-KR" altLang="en-US" sz="2000" dirty="0"/>
-              <a:t>빌드 프로그램 설치</a:t>
-            </a:r>
-            <a:endParaRPr lang="en-US" altLang="ko-KR" sz="2000" dirty="0"/>
-          </a:p>
-          <a:p>
-            <a:pPr lvl="1"/>
-            <a:r>
-              <a:rPr lang="en-US" sz="2000" dirty="0"/>
-              <a:t>sudo apt install adb</a:t>
-            </a:r>
-          </a:p>
-          <a:p>
-            <a:pPr lvl="1"/>
-            <a:r>
-              <a:rPr lang="en-US" sz="2000" dirty="0"/>
-              <a:t>sudo apt install git -y</a:t>
-            </a:r>
-          </a:p>
-          <a:p>
-            <a:pPr lvl="1"/>
-            <a:r>
-              <a:rPr lang="en-US" sz="2000" dirty="0"/>
-              <a:t>sudo apt </a:t>
-            </a:r>
-            <a:r>
-              <a:rPr lang="en-US" sz="2000"/>
-              <a:t>install cmake</a:t>
-            </a:r>
-            <a:endParaRPr lang="en-US" sz="2000" dirty="0"/>
-          </a:p>
-          <a:p>
-            <a:pPr lvl="1"/>
-            <a:r>
-              <a:rPr lang="en-US" sz="2000" dirty="0"/>
-              <a:t>sudo apt install python-jinja2 python-pip python-</a:t>
-            </a:r>
-            <a:r>
-              <a:rPr lang="en-US" sz="2000" dirty="0" err="1"/>
-              <a:t>empy</a:t>
-            </a:r>
-            <a:r>
-              <a:rPr lang="en-US" sz="2000" dirty="0"/>
-              <a:t> -y</a:t>
-            </a:r>
-          </a:p>
-          <a:p>
-            <a:pPr lvl="1"/>
-            <a:r>
-              <a:rPr lang="en-US" sz="2000" dirty="0"/>
-              <a:t>sudo pip install future </a:t>
-            </a:r>
-            <a:r>
-              <a:rPr lang="en-US" sz="2000" dirty="0" err="1"/>
-              <a:t>numpy</a:t>
-            </a:r>
-            <a:r>
-              <a:rPr lang="en-US" sz="2000" dirty="0"/>
-              <a:t> </a:t>
-            </a:r>
-            <a:r>
-              <a:rPr lang="en-US" sz="2000" dirty="0" err="1"/>
-              <a:t>toml</a:t>
-            </a:r>
-            <a:r>
-              <a:rPr lang="en-US" sz="2000" dirty="0"/>
-              <a:t> </a:t>
-            </a:r>
-            <a:r>
-              <a:rPr lang="en-US" sz="2000" dirty="0" err="1"/>
-              <a:t>catkin_pkg</a:t>
-            </a:r>
-            <a:r>
-              <a:rPr lang="en-US" sz="2000" dirty="0"/>
-              <a:t> </a:t>
-            </a:r>
-            <a:r>
-              <a:rPr lang="en-US" sz="2000" dirty="0" err="1"/>
-              <a:t>pyyaml</a:t>
-            </a:r>
-            <a:endParaRPr lang="en-US" sz="2000" dirty="0"/>
-          </a:p>
-          <a:p>
-            <a:endParaRPr lang="en-US" sz="2000" dirty="0"/>
+              <a:rPr lang="en-US" dirty="0"/>
+              <a:t>Ubuntu 18.04</a:t>
+            </a:r>
           </a:p>
         </p:txBody>
       </p:sp>
@@ -3657,7 +3518,7 @@
           <a:p>
             <a:fld id="{0A6664A7-F427-4CE6-B4E0-68F20D477FC0}" type="datetime1">
               <a:rPr lang="ko-KR" altLang="en-US" smtClean="0"/>
-              <a:t>2019-09-26</a:t>
+              <a:t>2019-12-21</a:t>
             </a:fld>
             <a:endParaRPr lang="en-US"/>
           </a:p>
@@ -3712,7 +3573,7 @@
     </p:spTree>
     <p:extLst>
       <p:ext uri="{BB962C8B-B14F-4D97-AF65-F5344CB8AC3E}">
-        <p14:creationId xmlns:p14="http://schemas.microsoft.com/office/powerpoint/2010/main" val="3180850"/>
+        <p14:creationId xmlns:p14="http://schemas.microsoft.com/office/powerpoint/2010/main" val="528839942"/>
       </p:ext>
     </p:extLst>
   </p:cSld>
@@ -3760,7 +3621,7 @@
             </a:r>
             <a:r>
               <a:rPr lang="en-US" altLang="ko-KR" dirty="0"/>
-              <a:t>2</a:t>
+              <a:t>1</a:t>
             </a:r>
             <a:endParaRPr lang="en-US" dirty="0"/>
           </a:p>
@@ -3779,49 +3640,116 @@
         <p:spPr/>
         <p:txBody>
           <a:bodyPr>
-            <a:normAutofit/>
+            <a:normAutofit fontScale="92500" lnSpcReduction="10000"/>
           </a:bodyPr>
           <a:lstStyle/>
           <a:p>
             <a:r>
               <a:rPr lang="ko-KR" altLang="en-US" sz="2000" dirty="0"/>
-              <a:t>크로스 컴파일러 설치</a:t>
+              <a:t>사용자 그룹 수정</a:t>
             </a:r>
             <a:endParaRPr lang="en-US" altLang="ko-KR" sz="2000" dirty="0"/>
           </a:p>
           <a:p>
             <a:pPr lvl="1"/>
             <a:r>
+              <a:rPr lang="pt-BR" altLang="ko-KR" sz="2000" dirty="0"/>
+              <a:t>sudo usermod -a -G dialout $USER</a:t>
+            </a:r>
+            <a:endParaRPr lang="en-US" altLang="ko-KR" sz="2000" dirty="0"/>
+          </a:p>
+          <a:p>
+            <a:r>
+              <a:rPr lang="ko-KR" altLang="en-US" sz="2000" dirty="0"/>
+              <a:t>우분트 업데이트</a:t>
+            </a:r>
+            <a:endParaRPr lang="en-US" altLang="ko-KR" sz="2000" dirty="0"/>
+          </a:p>
+          <a:p>
+            <a:pPr lvl="1"/>
+            <a:r>
               <a:rPr lang="en-US" sz="2000" dirty="0"/>
-              <a:t>sudo apt install gcc-arm-</a:t>
+              <a:t>sudo apt update -y</a:t>
+            </a:r>
+          </a:p>
+          <a:p>
+            <a:r>
+              <a:rPr lang="ko-KR" altLang="en-US" sz="2000" dirty="0"/>
+              <a:t>우분투 업그레이트</a:t>
+            </a:r>
+            <a:endParaRPr lang="en-US" altLang="ko-KR" sz="2000" dirty="0"/>
+          </a:p>
+          <a:p>
+            <a:pPr lvl="1"/>
+            <a:r>
+              <a:rPr lang="en-US" sz="2000" dirty="0"/>
+              <a:t>sudo apt upgrade -y</a:t>
+            </a:r>
+          </a:p>
+          <a:p>
+            <a:r>
+              <a:rPr lang="ko-KR" altLang="en-US" sz="2000" dirty="0"/>
+              <a:t>리부팅</a:t>
+            </a:r>
+            <a:endParaRPr lang="en-US" altLang="ko-KR" sz="2000" dirty="0"/>
+          </a:p>
+          <a:p>
+            <a:pPr lvl="1"/>
+            <a:r>
+              <a:rPr lang="en-US" sz="2000" dirty="0"/>
+              <a:t>sudo</a:t>
+            </a:r>
+            <a:r>
+              <a:rPr lang="ko-KR" altLang="en-US" sz="2000" dirty="0"/>
+              <a:t> </a:t>
+            </a:r>
+            <a:r>
+              <a:rPr lang="en-US" altLang="ko-KR" sz="2000" dirty="0"/>
+              <a:t>reboot</a:t>
+            </a:r>
+          </a:p>
+          <a:p>
+            <a:r>
+              <a:rPr lang="ko-KR" altLang="en-US" sz="2000" dirty="0"/>
+              <a:t>빌드 프로그램 설치</a:t>
+            </a:r>
+            <a:endParaRPr lang="en-US" altLang="ko-KR" sz="2000" dirty="0"/>
+          </a:p>
+          <a:p>
+            <a:pPr lvl="1"/>
+            <a:r>
+              <a:rPr lang="en-US" sz="2000" dirty="0"/>
+              <a:t>sudo apt install adb</a:t>
+            </a:r>
+          </a:p>
+          <a:p>
+            <a:pPr lvl="1"/>
+            <a:r>
+              <a:rPr lang="en-US" sz="2000" dirty="0"/>
+              <a:t>sudo apt install git -y</a:t>
+            </a:r>
+          </a:p>
+          <a:p>
+            <a:pPr lvl="1"/>
+            <a:r>
+              <a:rPr lang="en-US" sz="2000" dirty="0"/>
+              <a:t>sudo apt </a:t>
+            </a:r>
+            <a:r>
+              <a:rPr lang="en-US" sz="2000"/>
+              <a:t>install cmake</a:t>
+            </a:r>
+            <a:endParaRPr lang="en-US" sz="2000" dirty="0"/>
+          </a:p>
+          <a:p>
+            <a:pPr lvl="1"/>
+            <a:r>
+              <a:rPr lang="en-US" sz="2000" dirty="0"/>
+              <a:t>sudo apt install python-jinja2 python-pip python-</a:t>
             </a:r>
             <a:r>
               <a:rPr lang="en-US" sz="2000" dirty="0" err="1"/>
-              <a:t>linux</a:t>
-            </a:r>
-            <a:r>
-              <a:rPr lang="en-US" sz="2000" dirty="0"/>
-              <a:t>-</a:t>
-            </a:r>
-            <a:r>
-              <a:rPr lang="en-US" sz="2000" dirty="0" err="1"/>
-              <a:t>gnueabihf</a:t>
-            </a:r>
-            <a:r>
-              <a:rPr lang="en-US" sz="2000" dirty="0"/>
-              <a:t> g++-arm-</a:t>
-            </a:r>
-            <a:r>
-              <a:rPr lang="en-US" sz="2000" dirty="0" err="1"/>
-              <a:t>linux</a:t>
-            </a:r>
-            <a:r>
-              <a:rPr lang="en-US" sz="2000" dirty="0"/>
-              <a:t>-</a:t>
-            </a:r>
-            <a:r>
-              <a:rPr lang="en-US" sz="2000" dirty="0" err="1"/>
-              <a:t>gnueabihf</a:t>
+              <a:t>empy</a:t>
             </a:r>
             <a:r>
               <a:rPr lang="en-US" sz="2000" dirty="0"/>
@@ -3829,25 +3757,38 @@
             </a:r>
           </a:p>
           <a:p>
+            <a:pPr lvl="1"/>
             <a:r>
               <a:rPr lang="en-US" sz="2000" dirty="0"/>
-              <a:t>adb tool </a:t>
-            </a:r>
-            <a:r>
-              <a:rPr lang="ko-KR" altLang="en-US" sz="2000" dirty="0"/>
-              <a:t>설치</a:t>
-            </a:r>
-            <a:endParaRPr lang="en-US" sz="2000" dirty="0"/>
-          </a:p>
-          <a:p>
-            <a:pPr lvl="1"/>
+              <a:t>sudo pip install future </a:t>
+            </a:r>
+            <a:r>
+              <a:rPr lang="en-US" sz="2000" dirty="0" err="1"/>
+              <a:t>numpy</a:t>
+            </a:r>
             <a:r>
               <a:rPr lang="en-US" sz="2000" dirty="0"/>
-              <a:t>sudo apt </a:t>
-            </a:r>
-            <a:r>
-              <a:rPr lang="en-US" sz="2000"/>
-              <a:t>install android-tools-adb</a:t>
+              <a:t> </a:t>
+            </a:r>
+            <a:r>
+              <a:rPr lang="en-US" sz="2000" dirty="0" err="1"/>
+              <a:t>toml</a:t>
+            </a:r>
+            <a:r>
+              <a:rPr lang="en-US" sz="2000" dirty="0"/>
+              <a:t> </a:t>
+            </a:r>
+            <a:r>
+              <a:rPr lang="en-US" sz="2000" dirty="0" err="1"/>
+              <a:t>catkin_pkg</a:t>
+            </a:r>
+            <a:r>
+              <a:rPr lang="en-US" sz="2000" dirty="0"/>
+              <a:t> </a:t>
+            </a:r>
+            <a:r>
+              <a:rPr lang="en-US" sz="2000" dirty="0" err="1"/>
+              <a:t>pyyaml</a:t>
             </a:r>
             <a:endParaRPr lang="en-US" sz="2000" dirty="0"/>
           </a:p>
@@ -3873,7 +3814,7 @@
           <a:p>
             <a:fld id="{0A6664A7-F427-4CE6-B4E0-68F20D477FC0}" type="datetime1">
               <a:rPr lang="ko-KR" altLang="en-US" smtClean="0"/>
-              <a:t>2019-09-26</a:t>
+              <a:t>2019-12-21</a:t>
             </a:fld>
             <a:endParaRPr lang="en-US"/>
           </a:p>
@@ -3928,7 +3869,7 @@
     </p:spTree>
     <p:extLst>
       <p:ext uri="{BB962C8B-B14F-4D97-AF65-F5344CB8AC3E}">
-        <p14:creationId xmlns:p14="http://schemas.microsoft.com/office/powerpoint/2010/main" val="2240053168"/>
+        <p14:creationId xmlns:p14="http://schemas.microsoft.com/office/powerpoint/2010/main" val="3180850"/>
       </p:ext>
     </p:extLst>
   </p:cSld>
@@ -3967,151 +3908,108 @@
         </p:nvSpPr>
         <p:spPr/>
         <p:txBody>
+          <a:bodyPr/>
+          <a:lstStyle/>
+          <a:p>
+            <a:r>
+              <a:rPr lang="ko-KR" altLang="en-US" dirty="0"/>
+              <a:t>빌드 프로그램 설치 </a:t>
+            </a:r>
+            <a:r>
+              <a:rPr lang="en-US" altLang="ko-KR" dirty="0"/>
+              <a:t>2</a:t>
+            </a:r>
+            <a:endParaRPr lang="en-US" dirty="0"/>
+          </a:p>
+        </p:txBody>
+      </p:sp>
+      <p:sp>
+        <p:nvSpPr>
+          <p:cNvPr id="3" name="내용 개체 틀 2"/>
+          <p:cNvSpPr>
+            <a:spLocks noGrp="1"/>
+          </p:cNvSpPr>
+          <p:nvPr>
+            <p:ph idx="1"/>
+          </p:nvPr>
+        </p:nvSpPr>
+        <p:spPr/>
+        <p:txBody>
           <a:bodyPr>
             <a:normAutofit/>
           </a:bodyPr>
           <a:lstStyle/>
           <a:p>
             <a:r>
-              <a:rPr lang="en-US" dirty="0"/>
-              <a:t>PX4 </a:t>
-            </a:r>
-            <a:r>
-              <a:rPr lang="ko-KR" altLang="en-US" dirty="0"/>
-              <a:t>소스 다운로드 및 빌드</a:t>
-            </a:r>
-            <a:endParaRPr lang="en-US" dirty="0"/>
-          </a:p>
-        </p:txBody>
-      </p:sp>
-      <p:sp>
-        <p:nvSpPr>
-          <p:cNvPr id="3" name="내용 개체 틀 2"/>
-          <p:cNvSpPr>
-            <a:spLocks noGrp="1"/>
-          </p:cNvSpPr>
-          <p:nvPr>
-            <p:ph idx="1"/>
-          </p:nvPr>
-        </p:nvSpPr>
-        <p:spPr>
-          <a:xfrm>
-            <a:off x="681038" y="1255271"/>
-            <a:ext cx="8948154" cy="4921692"/>
-          </a:xfrm>
-        </p:spPr>
-        <p:txBody>
-          <a:bodyPr>
-            <a:noAutofit/>
-          </a:bodyPr>
-          <a:lstStyle/>
-          <a:p>
-            <a:r>
-              <a:rPr lang="ko-KR" altLang="en-US" sz="1800"/>
-              <a:t>소스 다운로드 및 실행</a:t>
-            </a:r>
-            <a:endParaRPr lang="en-US" sz="1800" dirty="0"/>
+              <a:rPr lang="ko-KR" altLang="en-US" sz="2000" dirty="0"/>
+              <a:t>크로스 컴파일러 설치</a:t>
+            </a:r>
+            <a:endParaRPr lang="en-US" altLang="ko-KR" sz="2000" dirty="0"/>
           </a:p>
           <a:p>
             <a:pPr lvl="1"/>
             <a:r>
-              <a:rPr lang="en-US" sz="1800"/>
-              <a:t>cd  </a:t>
-            </a:r>
-            <a:r>
-              <a:rPr lang="en-US" altLang="ko-KR" sz="1800"/>
-              <a:t>~</a:t>
-            </a:r>
-            <a:endParaRPr lang="da-DK" sz="1800" dirty="0"/>
+              <a:rPr lang="en-US" sz="2000" dirty="0"/>
+              <a:t>sudo apt install gcc-arm-</a:t>
+            </a:r>
+            <a:r>
+              <a:rPr lang="en-US" sz="2000" dirty="0" err="1"/>
+              <a:t>linux</a:t>
+            </a:r>
+            <a:r>
+              <a:rPr lang="en-US" sz="2000" dirty="0"/>
+              <a:t>-</a:t>
+            </a:r>
+            <a:r>
+              <a:rPr lang="en-US" sz="2000" dirty="0" err="1"/>
+              <a:t>gnueabihf</a:t>
+            </a:r>
+            <a:r>
+              <a:rPr lang="en-US" sz="2000" dirty="0"/>
+              <a:t> g++-arm-</a:t>
+            </a:r>
+            <a:r>
+              <a:rPr lang="en-US" sz="2000" dirty="0" err="1"/>
+              <a:t>linux</a:t>
+            </a:r>
+            <a:r>
+              <a:rPr lang="en-US" sz="2000" dirty="0"/>
+              <a:t>-</a:t>
+            </a:r>
+            <a:r>
+              <a:rPr lang="en-US" sz="2000" dirty="0" err="1"/>
+              <a:t>gnueabihf</a:t>
+            </a:r>
+            <a:r>
+              <a:rPr lang="en-US" sz="2000" dirty="0"/>
+              <a:t> -y</a:t>
+            </a:r>
+          </a:p>
+          <a:p>
+            <a:r>
+              <a:rPr lang="en-US" sz="2000" dirty="0"/>
+              <a:t>adb tool </a:t>
+            </a:r>
+            <a:r>
+              <a:rPr lang="ko-KR" altLang="en-US" sz="2000" dirty="0"/>
+              <a:t>설치</a:t>
+            </a:r>
+            <a:endParaRPr lang="en-US" sz="2000" dirty="0"/>
           </a:p>
           <a:p>
             <a:pPr lvl="1"/>
             <a:r>
-              <a:rPr lang="da-DK" sz="1800"/>
-              <a:t>wget  </a:t>
-            </a:r>
-            <a:r>
-              <a:rPr lang="da-DK" sz="1800">
-                <a:hlinkClick r:id="rId2"/>
-              </a:rPr>
-              <a:t>https://raw.githubusercontent.com/PX4/Devguide/master/build_scripts/ubuntu_sim_nuttx.sh</a:t>
-            </a:r>
-            <a:endParaRPr lang="da-DK" sz="1800"/>
-          </a:p>
-          <a:p>
-            <a:pPr lvl="1"/>
-            <a:r>
-              <a:rPr lang="da-DK" sz="1800"/>
-              <a:t>source ubuntu_sim_nuttx.sh</a:t>
-            </a:r>
-            <a:endParaRPr lang="en-US" sz="1800" dirty="0"/>
-          </a:p>
-          <a:p>
-            <a:r>
-              <a:rPr lang="ko-KR" altLang="en-US" sz="1800" dirty="0"/>
-              <a:t>폴더 이동</a:t>
-            </a:r>
-            <a:endParaRPr lang="en-US" sz="1800" dirty="0"/>
-          </a:p>
-          <a:p>
-            <a:pPr lvl="1"/>
-            <a:r>
-              <a:rPr lang="en-US" sz="1800"/>
-              <a:t>cd  ~/src/Firmware</a:t>
-            </a:r>
-            <a:endParaRPr lang="en-US" sz="1800" dirty="0"/>
-          </a:p>
-          <a:p>
-            <a:r>
-              <a:rPr lang="ko-KR" altLang="en-US" sz="1800" dirty="0"/>
-              <a:t>소스 업데이트</a:t>
-            </a:r>
-            <a:endParaRPr lang="en-US" sz="1800" dirty="0"/>
-          </a:p>
-          <a:p>
-            <a:pPr lvl="1"/>
-            <a:r>
-              <a:rPr lang="en-US" sz="1800"/>
-              <a:t>git pull</a:t>
-            </a:r>
-          </a:p>
-          <a:p>
-            <a:pPr lvl="1"/>
-            <a:r>
-              <a:rPr lang="en-US" sz="1800"/>
-              <a:t>git submodule sync  --recursive</a:t>
-            </a:r>
-            <a:endParaRPr lang="en-US" sz="1800" dirty="0"/>
-          </a:p>
-          <a:p>
-            <a:pPr lvl="1"/>
-            <a:r>
-              <a:rPr lang="en-US" sz="1800" dirty="0"/>
-              <a:t>git submodule </a:t>
-            </a:r>
-            <a:r>
-              <a:rPr lang="en-US" sz="1800"/>
-              <a:t>update  --</a:t>
-            </a:r>
-            <a:r>
-              <a:rPr lang="en-US" sz="1800" dirty="0"/>
-              <a:t>init --recursive</a:t>
-            </a:r>
-          </a:p>
-          <a:p>
-            <a:r>
-              <a:rPr lang="ko-KR" altLang="en-US" sz="1800" dirty="0"/>
-              <a:t>빌드</a:t>
-            </a:r>
-            <a:endParaRPr lang="en-US" altLang="ko-KR" sz="1800" dirty="0"/>
-          </a:p>
-          <a:p>
-            <a:pPr lvl="1"/>
-            <a:r>
-              <a:rPr lang="en-US" sz="1800"/>
-              <a:t>make parrot_bebop</a:t>
-            </a:r>
-            <a:endParaRPr lang="en-US" sz="1800" dirty="0"/>
+              <a:rPr lang="en-US" sz="2000" dirty="0"/>
+              <a:t>sudo apt </a:t>
+            </a:r>
+            <a:r>
+              <a:rPr lang="en-US" sz="2000"/>
+              <a:t>install android-tools-adb</a:t>
+            </a:r>
+            <a:endParaRPr lang="en-US" sz="2000" dirty="0"/>
+          </a:p>
+          <a:p>
+            <a:endParaRPr lang="en-US" sz="2000" dirty="0"/>
           </a:p>
         </p:txBody>
       </p:sp>
@@ -4132,7 +4030,7 @@
           <a:p>
             <a:fld id="{0A6664A7-F427-4CE6-B4E0-68F20D477FC0}" type="datetime1">
               <a:rPr lang="ko-KR" altLang="en-US" smtClean="0"/>
-              <a:t>2019-09-26</a:t>
+              <a:t>2019-12-21</a:t>
             </a:fld>
             <a:endParaRPr lang="en-US"/>
           </a:p>
@@ -4187,7 +4085,7 @@
     </p:spTree>
     <p:extLst>
       <p:ext uri="{BB962C8B-B14F-4D97-AF65-F5344CB8AC3E}">
-        <p14:creationId xmlns:p14="http://schemas.microsoft.com/office/powerpoint/2010/main" val="250159192"/>
+        <p14:creationId xmlns:p14="http://schemas.microsoft.com/office/powerpoint/2010/main" val="2240053168"/>
       </p:ext>
     </p:extLst>
   </p:cSld>
@@ -4226,177 +4124,151 @@
         </p:nvSpPr>
         <p:spPr/>
         <p:txBody>
-          <a:bodyPr/>
-          <a:lstStyle/>
-          <a:p>
-            <a:r>
-              <a:rPr lang="en-US" dirty="0"/>
-              <a:t>PX4</a:t>
-            </a:r>
-            <a:r>
-              <a:rPr lang="ko-KR" altLang="en-US" dirty="0"/>
-              <a:t>업로드 </a:t>
-            </a:r>
-            <a:r>
-              <a:rPr lang="en-US" altLang="ko-KR" dirty="0"/>
-              <a:t>1</a:t>
-            </a:r>
-            <a:endParaRPr lang="en-US" dirty="0"/>
-          </a:p>
-        </p:txBody>
-      </p:sp>
-      <p:sp>
-        <p:nvSpPr>
-          <p:cNvPr id="3" name="내용 개체 틀 2"/>
-          <p:cNvSpPr>
-            <a:spLocks noGrp="1"/>
-          </p:cNvSpPr>
-          <p:nvPr>
-            <p:ph idx="1"/>
-          </p:nvPr>
-        </p:nvSpPr>
-        <p:spPr/>
-        <p:txBody>
           <a:bodyPr>
             <a:normAutofit/>
           </a:bodyPr>
           <a:lstStyle/>
           <a:p>
             <a:r>
+              <a:rPr lang="en-US" dirty="0"/>
+              <a:t>PX4 </a:t>
+            </a:r>
+            <a:r>
               <a:rPr lang="ko-KR" altLang="en-US" dirty="0"/>
-              <a:t>노트북에서 </a:t>
-            </a:r>
-            <a:r>
-              <a:rPr lang="en-US" dirty="0"/>
-              <a:t>Bebop </a:t>
-            </a:r>
-            <a:r>
-              <a:rPr lang="ko-KR" altLang="en-US" dirty="0"/>
-              <a:t>와이파이 연결</a:t>
-            </a:r>
-            <a:br>
-              <a:rPr lang="en-US" altLang="ko-KR" dirty="0"/>
-            </a:br>
-            <a:r>
-              <a:rPr lang="en-US" altLang="ko-KR" dirty="0"/>
-              <a:t>Bebop </a:t>
-            </a:r>
-            <a:r>
-              <a:rPr lang="ko-KR" altLang="en-US" dirty="0"/>
-              <a:t>드론의 </a:t>
-            </a:r>
-            <a:r>
-              <a:rPr lang="en-US" altLang="ko-KR" dirty="0"/>
-              <a:t>Wi-Fi AP </a:t>
-            </a:r>
-            <a:r>
-              <a:rPr lang="ko-KR" altLang="en-US" dirty="0"/>
-              <a:t>이름은 </a:t>
-            </a:r>
-            <a:r>
-              <a:rPr lang="en-US" dirty="0"/>
-              <a:t>Bebop2_xxxxx </a:t>
-            </a:r>
-            <a:r>
-              <a:rPr lang="ko-KR" altLang="en-US" dirty="0"/>
-              <a:t>이다</a:t>
-            </a:r>
-            <a:r>
-              <a:rPr lang="en-US" altLang="ko-KR" dirty="0"/>
-              <a:t>.</a:t>
+              <a:t>소스 다운로드 및 빌드</a:t>
             </a:r>
             <a:endParaRPr lang="en-US" dirty="0"/>
           </a:p>
-          <a:p>
-            <a:r>
-              <a:rPr lang="en-US" altLang="ko-KR" dirty="0"/>
-              <a:t>Bebop </a:t>
-            </a:r>
-            <a:r>
-              <a:rPr lang="ko-KR" altLang="en-US" dirty="0"/>
-              <a:t>연결 확인</a:t>
-            </a:r>
-            <a:endParaRPr lang="en-US" altLang="ko-KR" dirty="0"/>
+        </p:txBody>
+      </p:sp>
+      <p:sp>
+        <p:nvSpPr>
+          <p:cNvPr id="3" name="내용 개체 틀 2"/>
+          <p:cNvSpPr>
+            <a:spLocks noGrp="1"/>
+          </p:cNvSpPr>
+          <p:nvPr>
+            <p:ph idx="1"/>
+          </p:nvPr>
+        </p:nvSpPr>
+        <p:spPr>
+          <a:xfrm>
+            <a:off x="681038" y="1255271"/>
+            <a:ext cx="8948154" cy="4921692"/>
+          </a:xfrm>
+        </p:spPr>
+        <p:txBody>
+          <a:bodyPr>
+            <a:noAutofit/>
+          </a:bodyPr>
+          <a:lstStyle/>
+          <a:p>
+            <a:r>
+              <a:rPr lang="ko-KR" altLang="en-US" sz="1800"/>
+              <a:t>소스 다운로드 및 실행</a:t>
+            </a:r>
+            <a:endParaRPr lang="en-US" sz="1800" dirty="0"/>
           </a:p>
           <a:p>
             <a:pPr lvl="1"/>
             <a:r>
-              <a:rPr lang="en-US" altLang="ko-KR" dirty="0"/>
-              <a:t>ping 192.168.42.1 -</a:t>
-            </a:r>
-            <a:r>
-              <a:rPr lang="en-US" altLang="ko-KR"/>
-              <a:t>c 4 </a:t>
-            </a:r>
-            <a:endParaRPr lang="en-US" altLang="ko-KR" dirty="0"/>
-          </a:p>
-          <a:p>
-            <a:r>
-              <a:rPr lang="ko-KR" altLang="en-US" dirty="0"/>
-              <a:t>비밥 드론의 파워 버튼을 연속 </a:t>
-            </a:r>
-            <a:r>
-              <a:rPr lang="en-US" altLang="ko-KR" dirty="0"/>
-              <a:t>4</a:t>
-            </a:r>
-            <a:r>
-              <a:rPr lang="ko-KR" altLang="en-US" dirty="0"/>
-              <a:t>번 눌러서 </a:t>
-            </a:r>
-            <a:r>
-              <a:rPr lang="en-US" altLang="ko-KR" dirty="0"/>
-              <a:t>adb </a:t>
-            </a:r>
-            <a:r>
-              <a:rPr lang="ko-KR" altLang="en-US" dirty="0"/>
-              <a:t>서버를 실행한다</a:t>
-            </a:r>
-            <a:r>
-              <a:rPr lang="en-US" altLang="ko-KR" dirty="0"/>
-              <a:t>. =&gt; </a:t>
-            </a:r>
-            <a:r>
-              <a:rPr lang="en-US" dirty="0"/>
-              <a:t>telnet </a:t>
-            </a:r>
-            <a:r>
-              <a:rPr lang="ko-KR" altLang="en-US" dirty="0"/>
-              <a:t>접속이 가능해진다</a:t>
-            </a:r>
-            <a:r>
-              <a:rPr lang="en-US" altLang="ko-KR" dirty="0"/>
-              <a:t>.</a:t>
-            </a:r>
-            <a:endParaRPr lang="en-US" dirty="0"/>
-          </a:p>
-          <a:p>
-            <a:r>
-              <a:rPr lang="ko-KR" altLang="en-US" dirty="0"/>
-              <a:t>텔넷 접속 확인</a:t>
-            </a:r>
-            <a:endParaRPr lang="en-US" dirty="0"/>
+              <a:rPr lang="en-US" sz="1800"/>
+              <a:t>cd  </a:t>
+            </a:r>
+            <a:r>
+              <a:rPr lang="en-US" altLang="ko-KR" sz="1800"/>
+              <a:t>~</a:t>
+            </a:r>
+            <a:endParaRPr lang="da-DK" sz="1800" dirty="0"/>
           </a:p>
           <a:p>
             <a:pPr lvl="1"/>
             <a:r>
-              <a:rPr lang="ko-KR" altLang="en-US" dirty="0"/>
-              <a:t> </a:t>
-            </a:r>
-            <a:r>
-              <a:rPr lang="en-US" altLang="ko-KR" dirty="0"/>
-              <a:t>telnet</a:t>
-            </a:r>
-            <a:r>
-              <a:rPr lang="en-US" dirty="0"/>
-              <a:t> 192.168.42.1</a:t>
-            </a:r>
-          </a:p>
-          <a:p>
-            <a:pPr lvl="2"/>
-            <a:r>
-              <a:rPr lang="en-US" dirty="0"/>
-              <a:t>exit</a:t>
-            </a:r>
+              <a:rPr lang="da-DK" sz="1800"/>
+              <a:t>wget  </a:t>
+            </a:r>
+            <a:r>
+              <a:rPr lang="da-DK" sz="1800">
+                <a:hlinkClick r:id="rId2"/>
+              </a:rPr>
+              <a:t>https://raw.githubusercontent.com/PX4/Devguide/master/build_scripts/ubuntu_sim_nuttx.sh</a:t>
+            </a:r>
+            <a:endParaRPr lang="da-DK" sz="1800"/>
+          </a:p>
+          <a:p>
+            <a:pPr lvl="1"/>
+            <a:r>
+              <a:rPr lang="da-DK" sz="1800"/>
+              <a:t>source ubuntu_sim_nuttx.sh</a:t>
+            </a:r>
+            <a:endParaRPr lang="en-US" sz="1800" dirty="0"/>
+          </a:p>
+          <a:p>
+            <a:r>
+              <a:rPr lang="ko-KR" altLang="en-US" sz="1800" dirty="0"/>
+              <a:t>폴더 이동</a:t>
+            </a:r>
+            <a:endParaRPr lang="en-US" sz="1800" dirty="0"/>
+          </a:p>
+          <a:p>
+            <a:pPr lvl="1"/>
+            <a:r>
+              <a:rPr lang="en-US" sz="1800"/>
+              <a:t>cd  ~/src/Firmware</a:t>
+            </a:r>
+            <a:endParaRPr lang="en-US" sz="1800" dirty="0"/>
+          </a:p>
+          <a:p>
+            <a:r>
+              <a:rPr lang="ko-KR" altLang="en-US" sz="1800" dirty="0"/>
+              <a:t>소스 업데이트</a:t>
+            </a:r>
+            <a:endParaRPr lang="en-US" sz="1800" dirty="0"/>
+          </a:p>
+          <a:p>
+            <a:pPr lvl="1"/>
+            <a:r>
+              <a:rPr lang="en-US" sz="1800"/>
+              <a:t>git pull</a:t>
+            </a:r>
+          </a:p>
+          <a:p>
+            <a:pPr lvl="1"/>
+            <a:r>
+              <a:rPr lang="en-US" sz="1800"/>
+              <a:t>git submodule sync  --recursive</a:t>
+            </a:r>
+            <a:endParaRPr lang="en-US" sz="1800" dirty="0"/>
+          </a:p>
+          <a:p>
+            <a:pPr lvl="1"/>
+            <a:r>
+              <a:rPr lang="en-US" sz="1800" dirty="0"/>
+              <a:t>git submodule </a:t>
+            </a:r>
+            <a:r>
+              <a:rPr lang="en-US" sz="1800"/>
+              <a:t>update  --</a:t>
+            </a:r>
+            <a:r>
+              <a:rPr lang="en-US" sz="1800" dirty="0"/>
+              <a:t>init --recursive</a:t>
+            </a:r>
+          </a:p>
+          <a:p>
+            <a:r>
+              <a:rPr lang="ko-KR" altLang="en-US" sz="1800" dirty="0"/>
+              <a:t>빌드</a:t>
+            </a:r>
+            <a:endParaRPr lang="en-US" altLang="ko-KR" sz="1800" dirty="0"/>
+          </a:p>
+          <a:p>
+            <a:pPr lvl="1"/>
+            <a:r>
+              <a:rPr lang="en-US" sz="1800"/>
+              <a:t>make parrot_bebop</a:t>
+            </a:r>
+            <a:endParaRPr lang="en-US" sz="1800" dirty="0"/>
           </a:p>
         </p:txBody>
       </p:sp>
@@ -4417,7 +4289,7 @@
           <a:p>
             <a:fld id="{0A6664A7-F427-4CE6-B4E0-68F20D477FC0}" type="datetime1">
               <a:rPr lang="ko-KR" altLang="en-US" smtClean="0"/>
-              <a:t>2019-09-26</a:t>
+              <a:t>2019-12-21</a:t>
             </a:fld>
             <a:endParaRPr lang="en-US"/>
           </a:p>
@@ -4472,7 +4344,7 @@
     </p:spTree>
     <p:extLst>
       <p:ext uri="{BB962C8B-B14F-4D97-AF65-F5344CB8AC3E}">
-        <p14:creationId xmlns:p14="http://schemas.microsoft.com/office/powerpoint/2010/main" val="3775895680"/>
+        <p14:creationId xmlns:p14="http://schemas.microsoft.com/office/powerpoint/2010/main" val="250159192"/>
       </p:ext>
     </p:extLst>
   </p:cSld>
@@ -4516,7 +4388,7 @@
           <a:p>
             <a:r>
               <a:rPr lang="en-US" dirty="0"/>
-              <a:t>PX4 </a:t>
+              <a:t>PX4</a:t>
             </a:r>
             <a:r>
               <a:rPr lang="ko-KR" altLang="en-US" dirty="0"/>
@@ -4524,9 +4396,164 @@
             </a:r>
             <a:r>
               <a:rPr lang="en-US" altLang="ko-KR" dirty="0"/>
-              <a:t>2</a:t>
+              <a:t>1</a:t>
             </a:r>
             <a:endParaRPr lang="en-US" dirty="0"/>
+          </a:p>
+        </p:txBody>
+      </p:sp>
+      <p:sp>
+        <p:nvSpPr>
+          <p:cNvPr id="3" name="내용 개체 틀 2"/>
+          <p:cNvSpPr>
+            <a:spLocks noGrp="1"/>
+          </p:cNvSpPr>
+          <p:nvPr>
+            <p:ph idx="1"/>
+          </p:nvPr>
+        </p:nvSpPr>
+        <p:spPr/>
+        <p:txBody>
+          <a:bodyPr>
+            <a:normAutofit/>
+          </a:bodyPr>
+          <a:lstStyle/>
+          <a:p>
+            <a:r>
+              <a:rPr lang="ko-KR" altLang="en-US" dirty="0"/>
+              <a:t>노트북에서 </a:t>
+            </a:r>
+            <a:r>
+              <a:rPr lang="en-US" dirty="0"/>
+              <a:t>Bebop </a:t>
+            </a:r>
+            <a:r>
+              <a:rPr lang="ko-KR" altLang="en-US" dirty="0"/>
+              <a:t>와이파이 연결</a:t>
+            </a:r>
+            <a:br>
+              <a:rPr lang="en-US" altLang="ko-KR" dirty="0"/>
+            </a:br>
+            <a:r>
+              <a:rPr lang="en-US" altLang="ko-KR" dirty="0"/>
+              <a:t>Bebop </a:t>
+            </a:r>
+            <a:r>
+              <a:rPr lang="ko-KR" altLang="en-US" dirty="0"/>
+              <a:t>드론의 </a:t>
+            </a:r>
+            <a:r>
+              <a:rPr lang="en-US" altLang="ko-KR" dirty="0"/>
+              <a:t>Wi-Fi AP </a:t>
+            </a:r>
+            <a:r>
+              <a:rPr lang="ko-KR" altLang="en-US" dirty="0"/>
+              <a:t>이름은 </a:t>
+            </a:r>
+            <a:r>
+              <a:rPr lang="en-US" dirty="0"/>
+              <a:t>Bebop2_xxxxx </a:t>
+            </a:r>
+            <a:r>
+              <a:rPr lang="ko-KR" altLang="en-US" dirty="0"/>
+              <a:t>이다</a:t>
+            </a:r>
+            <a:r>
+              <a:rPr lang="en-US" altLang="ko-KR" dirty="0"/>
+              <a:t>.</a:t>
+            </a:r>
+            <a:endParaRPr lang="en-US" dirty="0"/>
+          </a:p>
+          <a:p>
+            <a:r>
+              <a:rPr lang="en-US" altLang="ko-KR" dirty="0"/>
+              <a:t>Bebop </a:t>
+            </a:r>
+            <a:r>
+              <a:rPr lang="ko-KR" altLang="en-US" dirty="0"/>
+              <a:t>연결 확인</a:t>
+            </a:r>
+            <a:endParaRPr lang="en-US" altLang="ko-KR" dirty="0"/>
+          </a:p>
+          <a:p>
+            <a:pPr lvl="1"/>
+            <a:r>
+              <a:rPr lang="en-US" altLang="ko-KR" dirty="0"/>
+              <a:t>ping 192.168.42.1 -</a:t>
+            </a:r>
+            <a:r>
+              <a:rPr lang="en-US" altLang="ko-KR"/>
+              <a:t>c 4 </a:t>
+            </a:r>
+            <a:endParaRPr lang="en-US" altLang="ko-KR" dirty="0"/>
+          </a:p>
+          <a:p>
+            <a:r>
+              <a:rPr lang="ko-KR" altLang="en-US" dirty="0"/>
+              <a:t>비밥 드론의 파워 버튼을 연속 </a:t>
+            </a:r>
+            <a:r>
+              <a:rPr lang="en-US" altLang="ko-KR" dirty="0"/>
+              <a:t>4</a:t>
+            </a:r>
+            <a:r>
+              <a:rPr lang="ko-KR" altLang="en-US" dirty="0"/>
+              <a:t>번 눌러서 </a:t>
+            </a:r>
+            <a:r>
+              <a:rPr lang="en-US" altLang="ko-KR" dirty="0"/>
+              <a:t>adb </a:t>
+            </a:r>
+            <a:r>
+              <a:rPr lang="ko-KR" altLang="en-US" dirty="0"/>
+              <a:t>서버를 실행한다</a:t>
+            </a:r>
+            <a:r>
+              <a:rPr lang="en-US" altLang="ko-KR" dirty="0"/>
+              <a:t>. =&gt; </a:t>
+            </a:r>
+            <a:r>
+              <a:rPr lang="en-US" dirty="0"/>
+              <a:t>telnet </a:t>
+            </a:r>
+            <a:r>
+              <a:rPr lang="ko-KR" altLang="en-US" dirty="0"/>
+              <a:t>접속이 가능해진다</a:t>
+            </a:r>
+            <a:r>
+              <a:rPr lang="en-US" altLang="ko-KR" dirty="0"/>
+              <a:t>.</a:t>
+            </a:r>
+            <a:endParaRPr lang="en-US" dirty="0"/>
+          </a:p>
+          <a:p>
+            <a:r>
+              <a:rPr lang="ko-KR" altLang="en-US" dirty="0"/>
+              <a:t>텔넷 접속 확인</a:t>
+            </a:r>
+            <a:endParaRPr lang="en-US" dirty="0"/>
+          </a:p>
+          <a:p>
+            <a:pPr lvl="1"/>
+            <a:r>
+              <a:rPr lang="ko-KR" altLang="en-US" dirty="0"/>
+              <a:t> </a:t>
+            </a:r>
+            <a:r>
+              <a:rPr lang="en-US" altLang="ko-KR" dirty="0"/>
+              <a:t>telnet</a:t>
+            </a:r>
+            <a:r>
+              <a:rPr lang="en-US" dirty="0"/>
+              <a:t> 192.168.42.1</a:t>
+            </a:r>
+          </a:p>
+          <a:p>
+            <a:pPr lvl="2"/>
+            <a:r>
+              <a:rPr lang="en-US" dirty="0"/>
+              <a:t>exit</a:t>
+            </a:r>
           </a:p>
         </p:txBody>
       </p:sp>
@@ -4547,7 +4574,7 @@
           <a:p>
             <a:fld id="{0A6664A7-F427-4CE6-B4E0-68F20D477FC0}" type="datetime1">
               <a:rPr lang="ko-KR" altLang="en-US" smtClean="0"/>
-              <a:t>2019-09-26</a:t>
+              <a:t>2019-12-21</a:t>
             </a:fld>
             <a:endParaRPr lang="en-US"/>
           </a:p>
@@ -4599,67 +4626,10 @@
           </a:p>
         </p:txBody>
       </p:sp>
-      <p:sp>
-        <p:nvSpPr>
-          <p:cNvPr id="7" name="내용 개체 틀 6"/>
-          <p:cNvSpPr>
-            <a:spLocks noGrp="1"/>
-          </p:cNvSpPr>
-          <p:nvPr>
-            <p:ph idx="1"/>
-          </p:nvPr>
-        </p:nvSpPr>
-        <p:spPr>
-          <a:xfrm>
-            <a:off x="681038" y="1255271"/>
-            <a:ext cx="8912141" cy="4921692"/>
-          </a:xfrm>
-        </p:spPr>
-        <p:txBody>
-          <a:bodyPr>
-            <a:normAutofit/>
-          </a:bodyPr>
-          <a:lstStyle/>
-          <a:p>
-            <a:r>
-              <a:rPr lang="en-US" sz="2400"/>
-              <a:t>PX4 </a:t>
-            </a:r>
-            <a:r>
-              <a:rPr lang="ko-KR" altLang="en-US" sz="2400" dirty="0"/>
-              <a:t>비행 </a:t>
-            </a:r>
-            <a:r>
-              <a:rPr lang="en-US" altLang="ko-KR" sz="2400" dirty="0"/>
-              <a:t>S/W </a:t>
-            </a:r>
-            <a:r>
-              <a:rPr lang="ko-KR" altLang="en-US" sz="2400" dirty="0"/>
-              <a:t>업로드</a:t>
-            </a:r>
-            <a:endParaRPr lang="en-US" altLang="ko-KR" sz="2400" dirty="0"/>
-          </a:p>
-          <a:p>
-            <a:pPr lvl="1"/>
-            <a:r>
-              <a:rPr lang="en-US" sz="2400"/>
-              <a:t>cd   ~/src/Firmware</a:t>
-            </a:r>
-          </a:p>
-          <a:p>
-            <a:pPr lvl="1"/>
-            <a:r>
-              <a:rPr lang="en-US" sz="2400"/>
-              <a:t>make parrot_bebop upload</a:t>
-            </a:r>
-            <a:endParaRPr lang="en-US" sz="2400" dirty="0"/>
-          </a:p>
-        </p:txBody>
-      </p:sp>
     </p:spTree>
     <p:extLst>
       <p:ext uri="{BB962C8B-B14F-4D97-AF65-F5344CB8AC3E}">
-        <p14:creationId xmlns:p14="http://schemas.microsoft.com/office/powerpoint/2010/main" val="1224889669"/>
+        <p14:creationId xmlns:p14="http://schemas.microsoft.com/office/powerpoint/2010/main" val="3775895680"/>
       </p:ext>
     </p:extLst>
   </p:cSld>
@@ -4698,36 +4668,22 @@
         </p:nvSpPr>
         <p:spPr/>
         <p:txBody>
-          <a:bodyPr>
-            <a:normAutofit/>
-          </a:bodyPr>
-          <a:lstStyle/>
-          <a:p>
-            <a:r>
-              <a:rPr lang="ko-KR" altLang="en-US" sz="3600" dirty="0"/>
-              <a:t>비밥 드론 </a:t>
-            </a:r>
-            <a:r>
-              <a:rPr lang="en-US" sz="3600" dirty="0"/>
+          <a:bodyPr/>
+          <a:lstStyle/>
+          <a:p>
+            <a:r>
+              <a:rPr lang="en-US" dirty="0"/>
               <a:t>PX4 </a:t>
             </a:r>
             <a:r>
-              <a:rPr lang="ko-KR" altLang="en-US" sz="3600" dirty="0"/>
-              <a:t>자동</a:t>
-            </a:r>
-            <a:r>
-              <a:rPr lang="en-US" sz="3600" dirty="0"/>
-              <a:t> </a:t>
-            </a:r>
-            <a:r>
-              <a:rPr lang="ko-KR" altLang="en-US" sz="3600" dirty="0"/>
-              <a:t>실행 설정 </a:t>
-            </a:r>
-            <a:r>
-              <a:rPr lang="en-US" altLang="ko-KR" sz="3600" dirty="0"/>
-              <a:t>1</a:t>
-            </a:r>
-            <a:endParaRPr lang="en-US" sz="3600" dirty="0"/>
+              <a:rPr lang="ko-KR" altLang="en-US" dirty="0"/>
+              <a:t>업로드 </a:t>
+            </a:r>
+            <a:r>
+              <a:rPr lang="en-US" altLang="ko-KR" dirty="0"/>
+              <a:t>2</a:t>
+            </a:r>
+            <a:endParaRPr lang="en-US" dirty="0"/>
           </a:p>
         </p:txBody>
       </p:sp>
@@ -4748,7 +4704,7 @@
           <a:p>
             <a:fld id="{0A6664A7-F427-4CE6-B4E0-68F20D477FC0}" type="datetime1">
               <a:rPr lang="ko-KR" altLang="en-US" smtClean="0"/>
-              <a:t>2019-09-26</a:t>
+              <a:t>2019-12-21</a:t>
             </a:fld>
             <a:endParaRPr lang="en-US"/>
           </a:p>
@@ -4812,8 +4768,8 @@
         </p:nvSpPr>
         <p:spPr>
           <a:xfrm>
-            <a:off x="307813" y="1261101"/>
-            <a:ext cx="9153427" cy="4921692"/>
+            <a:off x="681038" y="1255271"/>
+            <a:ext cx="8912141" cy="4921692"/>
           </a:xfrm>
         </p:spPr>
         <p:txBody>
@@ -4823,115 +4779,44 @@
           <a:lstStyle/>
           <a:p>
             <a:r>
-              <a:rPr lang="ko-KR" altLang="en-US" dirty="0"/>
-              <a:t>비밥 드론을 텔넷으로 접속한다</a:t>
-            </a:r>
-            <a:r>
-              <a:rPr lang="en-US" altLang="ko-KR" dirty="0"/>
-              <a:t>.</a:t>
-            </a:r>
-            <a:endParaRPr lang="en-US" dirty="0"/>
+              <a:rPr lang="en-US" sz="2400"/>
+              <a:t>PX4 </a:t>
+            </a:r>
+            <a:r>
+              <a:rPr lang="ko-KR" altLang="en-US" sz="2400" dirty="0"/>
+              <a:t>비행 </a:t>
+            </a:r>
+            <a:r>
+              <a:rPr lang="en-US" altLang="ko-KR" sz="2400" dirty="0"/>
+              <a:t>S/W </a:t>
+            </a:r>
+            <a:r>
+              <a:rPr lang="ko-KR" altLang="en-US" sz="2400" dirty="0"/>
+              <a:t>업로드</a:t>
+            </a:r>
+            <a:endParaRPr lang="en-US" altLang="ko-KR" sz="2400" dirty="0"/>
           </a:p>
           <a:p>
             <a:pPr lvl="1"/>
             <a:r>
-              <a:rPr lang="en-US"/>
-              <a:t>telnet </a:t>
-            </a:r>
-            <a:r>
-              <a:rPr lang="en-US" dirty="0"/>
-              <a:t>192.168.42.1</a:t>
-            </a:r>
-          </a:p>
-          <a:p>
-            <a:r>
-              <a:rPr lang="ko-KR" altLang="en-US" dirty="0"/>
-              <a:t>현재 실행중인 </a:t>
-            </a:r>
-            <a:r>
-              <a:rPr lang="en-US" altLang="ko-KR" dirty="0"/>
-              <a:t>PX4 </a:t>
-            </a:r>
-            <a:r>
-              <a:rPr lang="ko-KR" altLang="en-US" dirty="0"/>
-              <a:t>프로그램 종료</a:t>
-            </a:r>
-            <a:endParaRPr lang="en-US" dirty="0"/>
+              <a:rPr lang="en-US" sz="2400"/>
+              <a:t>cd   ~/src/Firmware</a:t>
+            </a:r>
           </a:p>
           <a:p>
             <a:pPr lvl="1"/>
             <a:r>
-              <a:rPr lang="en-US"/>
-              <a:t>kk</a:t>
-            </a:r>
-            <a:endParaRPr lang="en-US" dirty="0"/>
-          </a:p>
-          <a:p>
-            <a:r>
-              <a:rPr lang="ko-KR" altLang="en-US"/>
-              <a:t>현재 실행중인 </a:t>
-            </a:r>
-            <a:r>
-              <a:rPr lang="en-US" altLang="ko-KR"/>
-              <a:t>arducopter </a:t>
-            </a:r>
-            <a:r>
-              <a:rPr lang="ko-KR" altLang="en-US"/>
-              <a:t>프로세스 종료</a:t>
-            </a:r>
-            <a:endParaRPr lang="en-US" altLang="ko-KR"/>
-          </a:p>
-          <a:p>
-            <a:pPr lvl="1"/>
-            <a:r>
-              <a:rPr lang="en-US" altLang="ko-KR"/>
-              <a:t>killall arducopter</a:t>
-            </a:r>
-          </a:p>
-          <a:p>
-            <a:r>
-              <a:rPr lang="en-US" altLang="ko-KR"/>
-              <a:t>PX4 </a:t>
-            </a:r>
-            <a:r>
-              <a:rPr lang="ko-KR" altLang="en-US" dirty="0"/>
-              <a:t>비행 </a:t>
-            </a:r>
-            <a:r>
-              <a:rPr lang="en-US" altLang="ko-KR" dirty="0"/>
-              <a:t>S/W </a:t>
-            </a:r>
-            <a:r>
-              <a:rPr lang="ko-KR" altLang="en-US" dirty="0"/>
-              <a:t>수동 실행</a:t>
-            </a:r>
-            <a:endParaRPr lang="en-US" dirty="0"/>
-          </a:p>
-          <a:p>
-            <a:pPr lvl="1"/>
-            <a:r>
-              <a:rPr lang="en-US"/>
-              <a:t>/</a:t>
-            </a:r>
-            <a:r>
-              <a:rPr lang="en-US" dirty="0"/>
-              <a:t>data/ftp/internal_000/px4/px4 -s </a:t>
-            </a:r>
-            <a:r>
-              <a:rPr lang="en-US"/>
-              <a:t>/home/root/px4.config </a:t>
-            </a:r>
-            <a:endParaRPr lang="en-US" dirty="0"/>
-          </a:p>
-          <a:p>
-            <a:endParaRPr lang="en-US" altLang="ko-KR" dirty="0"/>
+              <a:rPr lang="en-US" sz="2400"/>
+              <a:t>make parrot_bebop upload</a:t>
+            </a:r>
+            <a:endParaRPr lang="en-US" sz="2400" dirty="0"/>
           </a:p>
         </p:txBody>
       </p:sp>
     </p:spTree>
     <p:extLst>
       <p:ext uri="{BB962C8B-B14F-4D97-AF65-F5344CB8AC3E}">
-        <p14:creationId xmlns:p14="http://schemas.microsoft.com/office/powerpoint/2010/main" val="35356887"/>
+        <p14:creationId xmlns:p14="http://schemas.microsoft.com/office/powerpoint/2010/main" val="1224889669"/>
       </p:ext>
     </p:extLst>
   </p:cSld>
@@ -4980,8 +4865,12 @@
               <a:t>비밥 드론 </a:t>
             </a:r>
             <a:r>
-              <a:rPr lang="en-US" sz="3600" dirty="0" err="1"/>
-              <a:t>AruduPilot</a:t>
+              <a:rPr lang="en-US" sz="3600" dirty="0"/>
+              <a:t>PX4 </a:t>
+            </a:r>
+            <a:r>
+              <a:rPr lang="ko-KR" altLang="en-US" sz="3600" dirty="0"/>
+              <a:t>자동</a:t>
             </a:r>
             <a:r>
               <a:rPr lang="en-US" sz="3600" dirty="0"/>
@@ -4989,19 +4878,11 @@
             </a:r>
             <a:r>
               <a:rPr lang="ko-KR" altLang="en-US" sz="3600" dirty="0"/>
-              <a:t>자동</a:t>
-            </a:r>
-            <a:r>
-              <a:rPr lang="en-US" sz="3600" dirty="0"/>
-              <a:t> </a:t>
-            </a:r>
-            <a:r>
-              <a:rPr lang="ko-KR" altLang="en-US" sz="3600" dirty="0"/>
               <a:t>실행 설정 </a:t>
             </a:r>
             <a:r>
               <a:rPr lang="en-US" altLang="ko-KR" sz="3600" dirty="0"/>
-              <a:t>2</a:t>
+              <a:t>1</a:t>
             </a:r>
             <a:endParaRPr lang="en-US" sz="3600" dirty="0"/>
           </a:p>
@@ -5024,7 +4905,7 @@
           <a:p>
             <a:fld id="{0A6664A7-F427-4CE6-B4E0-68F20D477FC0}" type="datetime1">
               <a:rPr lang="ko-KR" altLang="en-US" smtClean="0"/>
-              <a:t>2019-09-26</a:t>
+              <a:t>2019-12-21</a:t>
             </a:fld>
             <a:endParaRPr lang="en-US"/>
           </a:p>
@@ -5088,42 +4969,19 @@
         </p:nvSpPr>
         <p:spPr>
           <a:xfrm>
-            <a:off x="681038" y="1255270"/>
-            <a:ext cx="8912141" cy="2915078"/>
+            <a:off x="307813" y="1261101"/>
+            <a:ext cx="9153427" cy="4921692"/>
           </a:xfrm>
         </p:spPr>
         <p:txBody>
           <a:bodyPr>
-            <a:normAutofit fontScale="85000" lnSpcReduction="20000"/>
+            <a:normAutofit/>
           </a:bodyPr>
           <a:lstStyle/>
           <a:p>
             <a:r>
-              <a:rPr lang="ko-KR" altLang="en-US"/>
+              <a:rPr lang="ko-KR" altLang="en-US" dirty="0"/>
               <a:t>비밥 드론을 텔넷으로 접속한다</a:t>
-            </a:r>
-            <a:r>
-              <a:rPr lang="en-US" altLang="ko-KR"/>
-              <a:t>.</a:t>
-            </a:r>
-            <a:endParaRPr lang="en-US"/>
-          </a:p>
-          <a:p>
-            <a:pPr lvl="1"/>
-            <a:r>
-              <a:rPr lang="en-US"/>
-              <a:t>telnet 192.168.42.1</a:t>
-            </a:r>
-            <a:endParaRPr lang="en-US" altLang="ko-KR"/>
-          </a:p>
-          <a:p>
-            <a:r>
-              <a:rPr lang="ko-KR" altLang="en-US"/>
-              <a:t>루트 </a:t>
-            </a:r>
-            <a:r>
-              <a:rPr lang="ko-KR" altLang="en-US" dirty="0"/>
-              <a:t>폴더를 수정 가능 모드로 재 마운트한다</a:t>
             </a:r>
             <a:r>
               <a:rPr lang="en-US" altLang="ko-KR" dirty="0"/>
@@ -5135,264 +4993,102 @@
             <a:pPr lvl="1"/>
             <a:r>
               <a:rPr lang="en-US"/>
-              <a:t>mount </a:t>
+              <a:t>telnet </a:t>
             </a:r>
             <a:r>
               <a:rPr lang="en-US" dirty="0"/>
-              <a:t>-o </a:t>
-            </a:r>
-            <a:r>
-              <a:rPr lang="en-US" dirty="0" err="1"/>
-              <a:t>remount,rw</a:t>
+              <a:t>192.168.42.1</a:t>
+            </a:r>
+          </a:p>
+          <a:p>
+            <a:r>
+              <a:rPr lang="ko-KR" altLang="en-US" dirty="0"/>
+              <a:t>현재 실행중인 </a:t>
+            </a:r>
+            <a:r>
+              <a:rPr lang="en-US" altLang="ko-KR" dirty="0"/>
+              <a:t>PX4 </a:t>
+            </a:r>
+            <a:r>
+              <a:rPr lang="ko-KR" altLang="en-US" dirty="0"/>
+              <a:t>프로그램 종료</a:t>
+            </a:r>
+            <a:endParaRPr lang="en-US" dirty="0"/>
+          </a:p>
+          <a:p>
+            <a:pPr lvl="1"/>
+            <a:r>
+              <a:rPr lang="en-US"/>
+              <a:t>kk</a:t>
+            </a:r>
+            <a:endParaRPr lang="en-US" dirty="0"/>
+          </a:p>
+          <a:p>
+            <a:r>
+              <a:rPr lang="ko-KR" altLang="en-US"/>
+              <a:t>현재 실행중인 </a:t>
+            </a:r>
+            <a:r>
+              <a:rPr lang="en-US" altLang="ko-KR"/>
+              <a:t>arducopter </a:t>
+            </a:r>
+            <a:r>
+              <a:rPr lang="ko-KR" altLang="en-US"/>
+              <a:t>프로세스 종료</a:t>
+            </a:r>
+            <a:endParaRPr lang="en-US" altLang="ko-KR"/>
+          </a:p>
+          <a:p>
+            <a:pPr lvl="1"/>
+            <a:r>
+              <a:rPr lang="en-US" altLang="ko-KR"/>
+              <a:t>killall arducopter</a:t>
+            </a:r>
+          </a:p>
+          <a:p>
+            <a:r>
+              <a:rPr lang="en-US" altLang="ko-KR"/>
+              <a:t>PX4 </a:t>
+            </a:r>
+            <a:r>
+              <a:rPr lang="ko-KR" altLang="en-US" dirty="0"/>
+              <a:t>비행 </a:t>
+            </a:r>
+            <a:r>
+              <a:rPr lang="en-US" altLang="ko-KR" dirty="0"/>
+              <a:t>S/W </a:t>
+            </a:r>
+            <a:r>
+              <a:rPr lang="ko-KR" altLang="en-US" dirty="0"/>
+              <a:t>수동 실행</a:t>
+            </a:r>
+            <a:endParaRPr lang="en-US" dirty="0"/>
+          </a:p>
+          <a:p>
+            <a:pPr lvl="1"/>
+            <a:r>
+              <a:rPr lang="en-US"/>
+              <a:t>/</a:t>
             </a:r>
             <a:r>
               <a:rPr lang="en-US" dirty="0"/>
-              <a:t> /</a:t>
-            </a:r>
-            <a:endParaRPr lang="en-US" altLang="ko-KR" sz="2400" dirty="0"/>
-          </a:p>
-          <a:p>
-            <a:r>
-              <a:rPr lang="ko-KR" altLang="en-US" sz="2400"/>
-              <a:t>리눅스 </a:t>
-            </a:r>
-            <a:r>
-              <a:rPr lang="ko-KR" altLang="en-US" sz="2400" dirty="0"/>
-              <a:t>자동 실행 프로그램 원본 복사</a:t>
-            </a:r>
-            <a:endParaRPr lang="en-US" sz="2400" dirty="0"/>
-          </a:p>
-          <a:p>
-            <a:pPr lvl="1"/>
-            <a:r>
-              <a:rPr lang="en-US" sz="2400"/>
-              <a:t>cp </a:t>
-            </a:r>
-            <a:r>
-              <a:rPr lang="en-US" sz="2400" dirty="0"/>
-              <a:t>/etc/</a:t>
-            </a:r>
-            <a:r>
-              <a:rPr lang="en-US" sz="2400" dirty="0" err="1"/>
-              <a:t>init.d</a:t>
-            </a:r>
-            <a:r>
-              <a:rPr lang="en-US" sz="2400" dirty="0"/>
-              <a:t>/</a:t>
-            </a:r>
-            <a:r>
-              <a:rPr lang="en-US" sz="2400" dirty="0" err="1"/>
-              <a:t>rcS_mode_default</a:t>
-            </a:r>
-            <a:r>
-              <a:rPr lang="en-US" sz="2400" dirty="0"/>
-              <a:t> /etc/</a:t>
-            </a:r>
-            <a:r>
-              <a:rPr lang="en-US" sz="2400" dirty="0" err="1"/>
-              <a:t>init.d</a:t>
-            </a:r>
-            <a:r>
-              <a:rPr lang="en-US" sz="2400" dirty="0"/>
-              <a:t>/</a:t>
-            </a:r>
-            <a:r>
-              <a:rPr lang="en-US" sz="2400" dirty="0" err="1"/>
-              <a:t>rcS_mode_default_backup</a:t>
-            </a:r>
-            <a:endParaRPr lang="en-US" altLang="ko-KR" sz="2400" dirty="0"/>
-          </a:p>
-          <a:p>
-            <a:r>
-              <a:rPr lang="ko-KR" altLang="en-US" sz="2400" dirty="0"/>
-              <a:t>리눅스 자동 실행 프로그램 수정</a:t>
-            </a:r>
-            <a:endParaRPr lang="en-US" sz="2400" dirty="0"/>
-          </a:p>
-          <a:p>
-            <a:pPr lvl="1"/>
-            <a:r>
-              <a:rPr lang="en-US" sz="2400"/>
-              <a:t>vi </a:t>
-            </a:r>
-            <a:r>
-              <a:rPr lang="en-US" sz="2400" dirty="0"/>
-              <a:t>/etc/</a:t>
-            </a:r>
-            <a:r>
-              <a:rPr lang="en-US" sz="2400" dirty="0" err="1"/>
-              <a:t>init.d</a:t>
-            </a:r>
-            <a:r>
-              <a:rPr lang="en-US" sz="2400" dirty="0"/>
-              <a:t>/</a:t>
-            </a:r>
-            <a:r>
-              <a:rPr lang="en-US" sz="2400" dirty="0" err="1"/>
-              <a:t>rcS_mode_default</a:t>
-            </a:r>
-            <a:r>
-              <a:rPr lang="en-US" sz="2400" dirty="0"/>
-              <a:t> </a:t>
-            </a:r>
-            <a:endParaRPr lang="ko-KR" altLang="en-US" sz="2400" dirty="0"/>
-          </a:p>
-          <a:p>
-            <a:endParaRPr lang="en-US" altLang="ko-KR" sz="2400" dirty="0"/>
-          </a:p>
-        </p:txBody>
-      </p:sp>
-      <p:sp>
-        <p:nvSpPr>
-          <p:cNvPr id="3" name="직사각형 2"/>
-          <p:cNvSpPr/>
-          <p:nvPr/>
-        </p:nvSpPr>
-        <p:spPr>
-          <a:xfrm>
-            <a:off x="1140349" y="4264351"/>
-            <a:ext cx="7625301" cy="2092000"/>
-          </a:xfrm>
-          <a:prstGeom prst="rect">
-            <a:avLst/>
-          </a:prstGeom>
-          <a:solidFill>
-            <a:schemeClr val="tx2">
-              <a:lumMod val="60000"/>
-              <a:lumOff val="40000"/>
-            </a:schemeClr>
-          </a:solidFill>
-        </p:spPr>
-        <p:txBody>
-          <a:bodyPr wrap="square">
-            <a:normAutofit fontScale="77500" lnSpcReduction="20000"/>
-          </a:bodyPr>
-          <a:lstStyle/>
-          <a:p>
-            <a:r>
-              <a:rPr lang="en-US" dirty="0"/>
-              <a:t>#!/bin/</a:t>
-            </a:r>
-            <a:r>
-              <a:rPr lang="en-US" dirty="0" err="1"/>
-              <a:t>sh</a:t>
+              <a:t>data/ftp/internal_000/px4/px4 -s </a:t>
+            </a:r>
+            <a:r>
+              <a:rPr lang="en-US"/>
+              <a:t>/home/root/px4.config </a:t>
             </a:r>
             <a:endParaRPr lang="en-US" dirty="0"/>
           </a:p>
           <a:p>
-            <a:r>
-              <a:rPr lang="en-US" dirty="0"/>
-              <a:t># default </a:t>
-            </a:r>
-            <a:r>
-              <a:rPr lang="en-US" dirty="0" err="1"/>
-              <a:t>rcS</a:t>
-            </a:r>
-            <a:r>
-              <a:rPr lang="en-US" dirty="0"/>
-              <a:t> running mode script</a:t>
-            </a:r>
-          </a:p>
-          <a:p>
-            <a:r>
-              <a:rPr lang="en-US" dirty="0"/>
-              <a:t>#</a:t>
-            </a:r>
-            <a:r>
-              <a:rPr lang="en-US" dirty="0" err="1"/>
-              <a:t>ulogger</a:t>
-            </a:r>
-            <a:r>
-              <a:rPr lang="en-US" dirty="0"/>
-              <a:t> -t "</a:t>
-            </a:r>
-            <a:r>
-              <a:rPr lang="en-US" dirty="0" err="1"/>
-              <a:t>rcS_mode_default</a:t>
-            </a:r>
-            <a:r>
-              <a:rPr lang="en-US" dirty="0"/>
-              <a:t>" -p I "Launching Dragon"</a:t>
-            </a:r>
-          </a:p>
-          <a:p>
-            <a:r>
-              <a:rPr lang="en-US" dirty="0" err="1"/>
-              <a:t>ulogger</a:t>
-            </a:r>
-            <a:r>
-              <a:rPr lang="en-US" dirty="0"/>
-              <a:t> -t "</a:t>
-            </a:r>
-            <a:r>
-              <a:rPr lang="en-US" dirty="0" err="1"/>
-              <a:t>rcS_mode_default</a:t>
-            </a:r>
-            <a:r>
-              <a:rPr lang="en-US" dirty="0"/>
-              <a:t>" -p I "Launching PX4"</a:t>
-            </a:r>
-          </a:p>
-          <a:p>
-            <a:r>
-              <a:rPr lang="en-US" dirty="0"/>
-              <a:t># increase the max socket size</a:t>
-            </a:r>
-          </a:p>
-          <a:p>
-            <a:r>
-              <a:rPr lang="en-US" dirty="0"/>
-              <a:t>echo $((1024*1024)) &gt; /proc/sys/net/core/</a:t>
-            </a:r>
-            <a:r>
-              <a:rPr lang="en-US" dirty="0" err="1"/>
-              <a:t>wmem_max</a:t>
-            </a:r>
-            <a:r>
-              <a:rPr lang="en-US" dirty="0"/>
-              <a:t>	</a:t>
-            </a:r>
-          </a:p>
-          <a:p>
-            <a:r>
-              <a:rPr lang="en-US" dirty="0"/>
-              <a:t>#DragonStarter.sh -out2null &amp; </a:t>
-            </a:r>
-          </a:p>
-          <a:p>
-            <a:r>
-              <a:rPr lang="en-US" dirty="0"/>
-              <a:t># enables the fan</a:t>
-            </a:r>
-          </a:p>
-          <a:p>
-            <a:r>
-              <a:rPr lang="en-US" dirty="0"/>
-              <a:t>echo 1 &gt; /sys/class/gpio/gpio85/value </a:t>
-            </a:r>
-          </a:p>
-          <a:p>
-            <a:r>
-              <a:rPr lang="en-US"/>
-              <a:t>/data/ftp/internal_000/px4/px4 -d -s /home/root/px4.config &gt; /home/root/px4.log</a:t>
-            </a:r>
-          </a:p>
-          <a:p>
-            <a:r>
-              <a:rPr lang="en-US"/>
-              <a:t>sleep </a:t>
-            </a:r>
-            <a:r>
-              <a:rPr lang="en-US" dirty="0"/>
-              <a:t>1</a:t>
-            </a:r>
+            <a:endParaRPr lang="en-US" altLang="ko-KR" dirty="0"/>
           </a:p>
         </p:txBody>
       </p:sp>
     </p:spTree>
     <p:extLst>
       <p:ext uri="{BB962C8B-B14F-4D97-AF65-F5344CB8AC3E}">
-        <p14:creationId xmlns:p14="http://schemas.microsoft.com/office/powerpoint/2010/main" val="1184702749"/>
+        <p14:creationId xmlns:p14="http://schemas.microsoft.com/office/powerpoint/2010/main" val="35356887"/>
       </p:ext>
     </p:extLst>
   </p:cSld>
@@ -5431,29 +5127,6 @@
         </p:nvSpPr>
         <p:spPr/>
         <p:txBody>
-          <a:bodyPr/>
-          <a:lstStyle/>
-          <a:p>
-            <a:r>
-              <a:rPr lang="ko-KR" altLang="en-US"/>
-              <a:t>비밥 드론 리부팅</a:t>
-            </a:r>
-            <a:endParaRPr lang="en-US"/>
-          </a:p>
-        </p:txBody>
-      </p:sp>
-      <p:sp>
-        <p:nvSpPr>
-          <p:cNvPr id="3" name="내용 개체 틀 2"/>
-          <p:cNvSpPr>
-            <a:spLocks noGrp="1"/>
-          </p:cNvSpPr>
-          <p:nvPr>
-            <p:ph idx="1"/>
-          </p:nvPr>
-        </p:nvSpPr>
-        <p:spPr/>
-        <p:txBody>
           <a:bodyPr>
             <a:normAutofit/>
           </a:bodyPr>
@@ -5461,37 +5134,33 @@
           <a:p>
             <a:r>
               <a:rPr lang="ko-KR" altLang="en-US" sz="3600" dirty="0"/>
-              <a:t>파일 동기화</a:t>
+              <a:t>비밥 드론 </a:t>
+            </a:r>
+            <a:r>
+              <a:rPr lang="en-US" sz="3600" dirty="0" err="1"/>
+              <a:t>AruduPilot</a:t>
+            </a:r>
+            <a:r>
+              <a:rPr lang="en-US" sz="3600" dirty="0"/>
+              <a:t> </a:t>
+            </a:r>
+            <a:r>
+              <a:rPr lang="ko-KR" altLang="en-US" sz="3600" dirty="0"/>
+              <a:t>자동</a:t>
+            </a:r>
+            <a:r>
+              <a:rPr lang="en-US" sz="3600" dirty="0"/>
+              <a:t> </a:t>
+            </a:r>
+            <a:r>
+              <a:rPr lang="ko-KR" altLang="en-US" sz="3600" dirty="0"/>
+              <a:t>실행 설정 </a:t>
+            </a:r>
+            <a:r>
+              <a:rPr lang="en-US" altLang="ko-KR" sz="3600" dirty="0"/>
+              <a:t>2</a:t>
             </a:r>
             <a:endParaRPr lang="en-US" sz="3600" dirty="0"/>
-          </a:p>
-          <a:p>
-            <a:pPr lvl="1"/>
-            <a:r>
-              <a:rPr lang="en-US" sz="3600" dirty="0"/>
-              <a:t>sync</a:t>
-            </a:r>
-          </a:p>
-          <a:p>
-            <a:pPr lvl="1"/>
-            <a:r>
-              <a:rPr lang="en-US" sz="3600" dirty="0"/>
-              <a:t>sync</a:t>
-            </a:r>
-          </a:p>
-          <a:p>
-            <a:r>
-              <a:rPr lang="ko-KR" altLang="en-US" sz="3600" dirty="0"/>
-              <a:t>리부팅</a:t>
-            </a:r>
-            <a:endParaRPr lang="en-US" sz="3600" dirty="0"/>
-          </a:p>
-          <a:p>
-            <a:pPr lvl="1"/>
-            <a:r>
-              <a:rPr lang="en-US" sz="3600" dirty="0"/>
-              <a:t>reboot</a:t>
-            </a:r>
           </a:p>
         </p:txBody>
       </p:sp>
@@ -5512,7 +5181,7 @@
           <a:p>
             <a:fld id="{0A6664A7-F427-4CE6-B4E0-68F20D477FC0}" type="datetime1">
               <a:rPr lang="ko-KR" altLang="en-US" smtClean="0"/>
-              <a:t>2019-09-26</a:t>
+              <a:t>2019-12-21</a:t>
             </a:fld>
             <a:endParaRPr lang="en-US"/>
           </a:p>
@@ -5564,10 +5233,323 @@
           </a:p>
         </p:txBody>
       </p:sp>
+      <p:sp>
+        <p:nvSpPr>
+          <p:cNvPr id="7" name="내용 개체 틀 6"/>
+          <p:cNvSpPr>
+            <a:spLocks noGrp="1"/>
+          </p:cNvSpPr>
+          <p:nvPr>
+            <p:ph idx="1"/>
+          </p:nvPr>
+        </p:nvSpPr>
+        <p:spPr>
+          <a:xfrm>
+            <a:off x="681038" y="1255270"/>
+            <a:ext cx="8912141" cy="2915078"/>
+          </a:xfrm>
+        </p:spPr>
+        <p:txBody>
+          <a:bodyPr>
+            <a:normAutofit fontScale="85000" lnSpcReduction="20000"/>
+          </a:bodyPr>
+          <a:lstStyle/>
+          <a:p>
+            <a:r>
+              <a:rPr lang="ko-KR" altLang="en-US"/>
+              <a:t>비밥 드론을 텔넷으로 접속한다</a:t>
+            </a:r>
+            <a:r>
+              <a:rPr lang="en-US" altLang="ko-KR"/>
+              <a:t>.</a:t>
+            </a:r>
+            <a:endParaRPr lang="en-US"/>
+          </a:p>
+          <a:p>
+            <a:pPr lvl="1"/>
+            <a:r>
+              <a:rPr lang="en-US"/>
+              <a:t>telnet 192.168.42.1</a:t>
+            </a:r>
+            <a:endParaRPr lang="en-US" altLang="ko-KR"/>
+          </a:p>
+          <a:p>
+            <a:r>
+              <a:rPr lang="ko-KR" altLang="en-US"/>
+              <a:t>루트 </a:t>
+            </a:r>
+            <a:r>
+              <a:rPr lang="ko-KR" altLang="en-US" dirty="0"/>
+              <a:t>폴더를 수정 가능 모드로 재 마운트한다</a:t>
+            </a:r>
+            <a:r>
+              <a:rPr lang="en-US" altLang="ko-KR" dirty="0"/>
+              <a:t>.</a:t>
+            </a:r>
+            <a:endParaRPr lang="en-US" dirty="0"/>
+          </a:p>
+          <a:p>
+            <a:pPr lvl="1"/>
+            <a:r>
+              <a:rPr lang="en-US"/>
+              <a:t>mount </a:t>
+            </a:r>
+            <a:r>
+              <a:rPr lang="en-US" dirty="0"/>
+              <a:t>-o </a:t>
+            </a:r>
+            <a:r>
+              <a:rPr lang="en-US" dirty="0" err="1"/>
+              <a:t>remount,rw</a:t>
+            </a:r>
+            <a:r>
+              <a:rPr lang="en-US" dirty="0"/>
+              <a:t> /</a:t>
+            </a:r>
+            <a:endParaRPr lang="en-US" altLang="ko-KR" sz="2400" dirty="0"/>
+          </a:p>
+          <a:p>
+            <a:r>
+              <a:rPr lang="ko-KR" altLang="en-US" sz="2400"/>
+              <a:t>리눅스 </a:t>
+            </a:r>
+            <a:r>
+              <a:rPr lang="ko-KR" altLang="en-US" sz="2400" dirty="0"/>
+              <a:t>자동 실행 프로그램 원본 복사</a:t>
+            </a:r>
+            <a:endParaRPr lang="en-US" sz="2400" dirty="0"/>
+          </a:p>
+          <a:p>
+            <a:pPr lvl="1"/>
+            <a:r>
+              <a:rPr lang="en-US" sz="2400"/>
+              <a:t>cp </a:t>
+            </a:r>
+            <a:r>
+              <a:rPr lang="en-US" sz="2400" dirty="0"/>
+              <a:t>/etc/</a:t>
+            </a:r>
+            <a:r>
+              <a:rPr lang="en-US" sz="2400" dirty="0" err="1"/>
+              <a:t>init.d</a:t>
+            </a:r>
+            <a:r>
+              <a:rPr lang="en-US" sz="2400" dirty="0"/>
+              <a:t>/</a:t>
+            </a:r>
+            <a:r>
+              <a:rPr lang="en-US" sz="2400" dirty="0" err="1"/>
+              <a:t>rcS_mode_default</a:t>
+            </a:r>
+            <a:r>
+              <a:rPr lang="en-US" sz="2400" dirty="0"/>
+              <a:t> /etc/</a:t>
+            </a:r>
+            <a:r>
+              <a:rPr lang="en-US" sz="2400" dirty="0" err="1"/>
+              <a:t>init.d</a:t>
+            </a:r>
+            <a:r>
+              <a:rPr lang="en-US" sz="2400" dirty="0"/>
+              <a:t>/</a:t>
+            </a:r>
+            <a:r>
+              <a:rPr lang="en-US" sz="2400" dirty="0" err="1"/>
+              <a:t>rcS_mode_default_backup</a:t>
+            </a:r>
+            <a:endParaRPr lang="en-US" altLang="ko-KR" sz="2400" dirty="0"/>
+          </a:p>
+          <a:p>
+            <a:r>
+              <a:rPr lang="ko-KR" altLang="en-US" sz="2400" dirty="0"/>
+              <a:t>리눅스 자동 실행 프로그램 수정</a:t>
+            </a:r>
+            <a:endParaRPr lang="en-US" sz="2400" dirty="0"/>
+          </a:p>
+          <a:p>
+            <a:pPr lvl="1"/>
+            <a:r>
+              <a:rPr lang="en-US" sz="2400"/>
+              <a:t>vi </a:t>
+            </a:r>
+            <a:r>
+              <a:rPr lang="en-US" sz="2400" dirty="0"/>
+              <a:t>/etc/</a:t>
+            </a:r>
+            <a:r>
+              <a:rPr lang="en-US" sz="2400" dirty="0" err="1"/>
+              <a:t>init.d</a:t>
+            </a:r>
+            <a:r>
+              <a:rPr lang="en-US" sz="2400" dirty="0"/>
+              <a:t>/</a:t>
+            </a:r>
+            <a:r>
+              <a:rPr lang="en-US" sz="2400" dirty="0" err="1"/>
+              <a:t>rcS_mode_default</a:t>
+            </a:r>
+            <a:r>
+              <a:rPr lang="en-US" sz="2400" dirty="0"/>
+              <a:t> </a:t>
+            </a:r>
+            <a:endParaRPr lang="ko-KR" altLang="en-US" sz="2400" dirty="0"/>
+          </a:p>
+          <a:p>
+            <a:endParaRPr lang="en-US" altLang="ko-KR" sz="2400" dirty="0"/>
+          </a:p>
+        </p:txBody>
+      </p:sp>
+      <p:sp>
+        <p:nvSpPr>
+          <p:cNvPr id="3" name="직사각형 2"/>
+          <p:cNvSpPr/>
+          <p:nvPr/>
+        </p:nvSpPr>
+        <p:spPr>
+          <a:xfrm>
+            <a:off x="1140349" y="4264351"/>
+            <a:ext cx="7625301" cy="2092000"/>
+          </a:xfrm>
+          <a:prstGeom prst="rect">
+            <a:avLst/>
+          </a:prstGeom>
+          <a:solidFill>
+            <a:schemeClr val="tx2">
+              <a:lumMod val="60000"/>
+              <a:lumOff val="40000"/>
+            </a:schemeClr>
+          </a:solidFill>
+        </p:spPr>
+        <p:txBody>
+          <a:bodyPr wrap="square">
+            <a:normAutofit fontScale="77500" lnSpcReduction="20000"/>
+          </a:bodyPr>
+          <a:lstStyle/>
+          <a:p>
+            <a:r>
+              <a:rPr lang="en-US" dirty="0"/>
+              <a:t>#!/bin/</a:t>
+            </a:r>
+            <a:r>
+              <a:rPr lang="en-US" dirty="0" err="1"/>
+              <a:t>sh</a:t>
+            </a:r>
+            <a:endParaRPr lang="en-US" dirty="0"/>
+          </a:p>
+          <a:p>
+            <a:r>
+              <a:rPr lang="en-US" dirty="0"/>
+              <a:t># default </a:t>
+            </a:r>
+            <a:r>
+              <a:rPr lang="en-US" dirty="0" err="1"/>
+              <a:t>rcS</a:t>
+            </a:r>
+            <a:r>
+              <a:rPr lang="en-US" dirty="0"/>
+              <a:t> running mode script</a:t>
+            </a:r>
+          </a:p>
+          <a:p>
+            <a:r>
+              <a:rPr lang="en-US" dirty="0"/>
+              <a:t>#</a:t>
+            </a:r>
+            <a:r>
+              <a:rPr lang="en-US" dirty="0" err="1"/>
+              <a:t>ulogger</a:t>
+            </a:r>
+            <a:r>
+              <a:rPr lang="en-US" dirty="0"/>
+              <a:t> -t "</a:t>
+            </a:r>
+            <a:r>
+              <a:rPr lang="en-US" dirty="0" err="1"/>
+              <a:t>rcS_mode_default</a:t>
+            </a:r>
+            <a:r>
+              <a:rPr lang="en-US" dirty="0"/>
+              <a:t>" -p I "Launching Dragon"</a:t>
+            </a:r>
+          </a:p>
+          <a:p>
+            <a:r>
+              <a:rPr lang="en-US" dirty="0" err="1"/>
+              <a:t>ulogger</a:t>
+            </a:r>
+            <a:r>
+              <a:rPr lang="en-US" dirty="0"/>
+              <a:t> -t "</a:t>
+            </a:r>
+            <a:r>
+              <a:rPr lang="en-US" dirty="0" err="1"/>
+              <a:t>rcS_mode_default</a:t>
+            </a:r>
+            <a:r>
+              <a:rPr lang="en-US" dirty="0"/>
+              <a:t>" -p I "Launching PX4"</a:t>
+            </a:r>
+          </a:p>
+          <a:p>
+            <a:r>
+              <a:rPr lang="en-US" dirty="0"/>
+              <a:t># increase the max socket size</a:t>
+            </a:r>
+          </a:p>
+          <a:p>
+            <a:r>
+              <a:rPr lang="en-US" dirty="0"/>
+              <a:t>echo $((1024*1024)) &gt; /proc/sys/net/core/</a:t>
+            </a:r>
+            <a:r>
+              <a:rPr lang="en-US" dirty="0" err="1"/>
+              <a:t>wmem_max</a:t>
+            </a:r>
+            <a:r>
+              <a:rPr lang="en-US" dirty="0"/>
+              <a:t>	</a:t>
+            </a:r>
+          </a:p>
+          <a:p>
+            <a:r>
+              <a:rPr lang="en-US" dirty="0"/>
+              <a:t>#DragonStarter.sh -out2null &amp; </a:t>
+            </a:r>
+          </a:p>
+          <a:p>
+            <a:r>
+              <a:rPr lang="en-US" dirty="0"/>
+              <a:t># enables the fan</a:t>
+            </a:r>
+          </a:p>
+          <a:p>
+            <a:r>
+              <a:rPr lang="en-US" dirty="0"/>
+              <a:t>echo 1 &gt; /sys/class/gpio/gpio85/value </a:t>
+            </a:r>
+          </a:p>
+          <a:p>
+            <a:r>
+              <a:rPr lang="en-US"/>
+              <a:t>/data/ftp/internal_000/px4/px4 -d -s /home/root/px4.config &gt; /home/root/px4.log</a:t>
+            </a:r>
+          </a:p>
+          <a:p>
+            <a:r>
+              <a:rPr lang="en-US"/>
+              <a:t>sleep </a:t>
+            </a:r>
+            <a:r>
+              <a:rPr lang="en-US" dirty="0"/>
+              <a:t>1</a:t>
+            </a:r>
+          </a:p>
+        </p:txBody>
+      </p:sp>
     </p:spTree>
     <p:extLst>
       <p:ext uri="{BB962C8B-B14F-4D97-AF65-F5344CB8AC3E}">
-        <p14:creationId xmlns:p14="http://schemas.microsoft.com/office/powerpoint/2010/main" val="2832471287"/>
+        <p14:creationId xmlns:p14="http://schemas.microsoft.com/office/powerpoint/2010/main" val="1184702749"/>
       </p:ext>
     </p:extLst>
   </p:cSld>
@@ -5610,18 +5592,10 @@
           <a:lstStyle/>
           <a:p>
             <a:r>
-              <a:rPr lang="ko-KR" altLang="en-US" dirty="0">
-                <a:solidFill>
-                  <a:srgbClr val="FF0000"/>
-                </a:solidFill>
-              </a:rPr>
-              <a:t>주의 사항</a:t>
-            </a:r>
-            <a:endParaRPr lang="en-US" dirty="0">
-              <a:solidFill>
-                <a:srgbClr val="FF0000"/>
-              </a:solidFill>
-            </a:endParaRPr>
+              <a:rPr lang="ko-KR" altLang="en-US"/>
+              <a:t>비밥 드론 리부팅</a:t>
+            </a:r>
+            <a:endParaRPr lang="en-US"/>
           </a:p>
         </p:txBody>
       </p:sp>
@@ -5643,91 +5617,38 @@
           <a:lstStyle/>
           <a:p>
             <a:r>
-              <a:rPr lang="en-US" sz="3600" dirty="0">
-                <a:solidFill>
-                  <a:srgbClr val="FF0000"/>
-                </a:solidFill>
-              </a:rPr>
-              <a:t>Bebop</a:t>
-            </a:r>
-            <a:r>
-              <a:rPr lang="ko-KR" altLang="en-US" sz="3600" dirty="0">
-                <a:solidFill>
-                  <a:srgbClr val="FF0000"/>
-                </a:solidFill>
-              </a:rPr>
-              <a:t>을 전원을 꺼면 </a:t>
-            </a:r>
-            <a:r>
-              <a:rPr lang="en-US" sz="3600" dirty="0">
-                <a:solidFill>
-                  <a:srgbClr val="FF0000"/>
-                </a:solidFill>
-              </a:rPr>
-              <a:t>/data/ftp/internal_000/px4/ </a:t>
-            </a:r>
-            <a:r>
-              <a:rPr lang="ko-KR" altLang="en-US" sz="3600" dirty="0">
-                <a:solidFill>
-                  <a:srgbClr val="FF0000"/>
-                </a:solidFill>
-              </a:rPr>
-              <a:t>폴더가 삭제된다</a:t>
-            </a:r>
-            <a:r>
-              <a:rPr lang="en-US" altLang="ko-KR" sz="3600" dirty="0">
-                <a:solidFill>
-                  <a:srgbClr val="FF0000"/>
-                </a:solidFill>
-              </a:rPr>
-              <a:t>.</a:t>
-            </a:r>
-          </a:p>
-          <a:p>
-            <a:r>
-              <a:rPr lang="ko-KR" altLang="en-US" sz="3600" dirty="0">
-                <a:solidFill>
-                  <a:srgbClr val="FF0000"/>
-                </a:solidFill>
-              </a:rPr>
-              <a:t>전원을 다시 켠 후에는</a:t>
-            </a:r>
-            <a:r>
-              <a:rPr lang="en-US" altLang="ko-KR" sz="3600" dirty="0">
-                <a:solidFill>
-                  <a:srgbClr val="FF0000"/>
-                </a:solidFill>
-              </a:rPr>
-              <a:t>, px4 </a:t>
-            </a:r>
-            <a:r>
-              <a:rPr lang="ko-KR" altLang="en-US" sz="3600" dirty="0">
-                <a:solidFill>
-                  <a:srgbClr val="FF0000"/>
-                </a:solidFill>
-              </a:rPr>
-              <a:t>업로드를 다시하여야 한다</a:t>
-            </a:r>
-            <a:r>
-              <a:rPr lang="en-US" altLang="ko-KR" sz="3600" dirty="0">
-                <a:solidFill>
-                  <a:srgbClr val="FF0000"/>
-                </a:solidFill>
-              </a:rPr>
-              <a:t>.</a:t>
-            </a:r>
-            <a:endParaRPr lang="en-US" sz="3600" dirty="0">
-              <a:solidFill>
-                <a:srgbClr val="FF0000"/>
-              </a:solidFill>
-            </a:endParaRPr>
-          </a:p>
-          <a:p>
-            <a:endParaRPr lang="en-US" sz="3600" dirty="0">
-              <a:solidFill>
-                <a:srgbClr val="FF0000"/>
-              </a:solidFill>
-            </a:endParaRPr>
+              <a:rPr lang="ko-KR" altLang="en-US" sz="3600" dirty="0"/>
+              <a:t>파일 동기화</a:t>
+            </a:r>
+            <a:endParaRPr lang="en-US" sz="3600" dirty="0"/>
+          </a:p>
+          <a:p>
+            <a:pPr lvl="1"/>
+            <a:r>
+              <a:rPr lang="en-US" sz="3600" dirty="0"/>
+              <a:t>sync</a:t>
+            </a:r>
+          </a:p>
+          <a:p>
+            <a:pPr lvl="1"/>
+            <a:r>
+              <a:rPr lang="en-US" sz="3600" dirty="0"/>
+              <a:t>sync</a:t>
+            </a:r>
+          </a:p>
+          <a:p>
+            <a:r>
+              <a:rPr lang="ko-KR" altLang="en-US" sz="3600" dirty="0"/>
+              <a:t>리부팅</a:t>
+            </a:r>
+            <a:endParaRPr lang="en-US" sz="3600" dirty="0"/>
+          </a:p>
+          <a:p>
+            <a:pPr lvl="1"/>
+            <a:r>
+              <a:rPr lang="en-US" sz="3600" dirty="0"/>
+              <a:t>reboot</a:t>
+            </a:r>
           </a:p>
         </p:txBody>
       </p:sp>
@@ -5748,7 +5669,7 @@
           <a:p>
             <a:fld id="{0A6664A7-F427-4CE6-B4E0-68F20D477FC0}" type="datetime1">
               <a:rPr lang="ko-KR" altLang="en-US" smtClean="0"/>
-              <a:t>2019-09-26</a:t>
+              <a:t>2019-12-21</a:t>
             </a:fld>
             <a:endParaRPr lang="en-US"/>
           </a:p>
@@ -5803,7 +5724,7 @@
     </p:spTree>
     <p:extLst>
       <p:ext uri="{BB962C8B-B14F-4D97-AF65-F5344CB8AC3E}">
-        <p14:creationId xmlns:p14="http://schemas.microsoft.com/office/powerpoint/2010/main" val="1167840522"/>
+        <p14:creationId xmlns:p14="http://schemas.microsoft.com/office/powerpoint/2010/main" val="2832471287"/>
       </p:ext>
     </p:extLst>
   </p:cSld>
@@ -5842,20 +5763,128 @@
         </p:nvSpPr>
         <p:spPr/>
         <p:txBody>
+          <a:bodyPr/>
+          <a:lstStyle/>
+          <a:p>
+            <a:r>
+              <a:rPr lang="ko-KR" altLang="en-US" dirty="0">
+                <a:solidFill>
+                  <a:srgbClr val="FF0000"/>
+                </a:solidFill>
+              </a:rPr>
+              <a:t>주의 사항</a:t>
+            </a:r>
+            <a:endParaRPr lang="en-US" dirty="0">
+              <a:solidFill>
+                <a:srgbClr val="FF0000"/>
+              </a:solidFill>
+            </a:endParaRPr>
+          </a:p>
+        </p:txBody>
+      </p:sp>
+      <p:sp>
+        <p:nvSpPr>
+          <p:cNvPr id="3" name="내용 개체 틀 2"/>
+          <p:cNvSpPr>
+            <a:spLocks noGrp="1"/>
+          </p:cNvSpPr>
+          <p:nvPr>
+            <p:ph idx="1"/>
+          </p:nvPr>
+        </p:nvSpPr>
+        <p:spPr/>
+        <p:txBody>
           <a:bodyPr>
             <a:normAutofit/>
           </a:bodyPr>
           <a:lstStyle/>
           <a:p>
             <a:r>
-              <a:rPr lang="en-US" altLang="ko-KR" dirty="0"/>
-              <a:t>Bebop 2 PX4 </a:t>
-            </a:r>
-            <a:r>
-              <a:rPr lang="ko-KR" altLang="en-US" dirty="0"/>
-              <a:t>캘리브레이션 방법</a:t>
-            </a:r>
-            <a:endParaRPr lang="en-US" dirty="0"/>
+              <a:rPr lang="en-US" sz="3600" dirty="0">
+                <a:solidFill>
+                  <a:srgbClr val="FF0000"/>
+                </a:solidFill>
+              </a:rPr>
+              <a:t>Bebop</a:t>
+            </a:r>
+            <a:r>
+              <a:rPr lang="ko-KR" altLang="en-US" sz="3600" dirty="0">
+                <a:solidFill>
+                  <a:srgbClr val="FF0000"/>
+                </a:solidFill>
+              </a:rPr>
+              <a:t>을 전원을 꺼면 </a:t>
+            </a:r>
+            <a:r>
+              <a:rPr lang="en-US" sz="3600" dirty="0">
+                <a:solidFill>
+                  <a:srgbClr val="FF0000"/>
+                </a:solidFill>
+              </a:rPr>
+              <a:t>/data/ftp/internal_000/px4/ </a:t>
+            </a:r>
+            <a:r>
+              <a:rPr lang="ko-KR" altLang="en-US" sz="3600" dirty="0">
+                <a:solidFill>
+                  <a:srgbClr val="FF0000"/>
+                </a:solidFill>
+              </a:rPr>
+              <a:t>폴더가 삭제된다</a:t>
+            </a:r>
+            <a:r>
+              <a:rPr lang="en-US" altLang="ko-KR" sz="3600" dirty="0">
+                <a:solidFill>
+                  <a:srgbClr val="FF0000"/>
+                </a:solidFill>
+              </a:rPr>
+              <a:t>.</a:t>
+            </a:r>
+          </a:p>
+          <a:p>
+            <a:r>
+              <a:rPr lang="ko-KR" altLang="en-US" sz="3600" dirty="0">
+                <a:solidFill>
+                  <a:srgbClr val="FF0000"/>
+                </a:solidFill>
+              </a:rPr>
+              <a:t>전원을 다시 켠 후에는</a:t>
+            </a:r>
+            <a:r>
+              <a:rPr lang="en-US" altLang="ko-KR" sz="3600" dirty="0">
+                <a:solidFill>
+                  <a:srgbClr val="FF0000"/>
+                </a:solidFill>
+              </a:rPr>
+              <a:t>, px4 </a:t>
+            </a:r>
+            <a:r>
+              <a:rPr lang="ko-KR" altLang="en-US" sz="3600" dirty="0">
+                <a:solidFill>
+                  <a:srgbClr val="FF0000"/>
+                </a:solidFill>
+              </a:rPr>
+              <a:t>업로드를 다시하여야 한다</a:t>
+            </a:r>
+            <a:r>
+              <a:rPr lang="en-US" altLang="ko-KR" sz="3600" dirty="0">
+                <a:solidFill>
+                  <a:srgbClr val="FF0000"/>
+                </a:solidFill>
+              </a:rPr>
+              <a:t>.</a:t>
+            </a:r>
+            <a:endParaRPr lang="en-US" sz="3600" dirty="0">
+              <a:solidFill>
+                <a:srgbClr val="FF0000"/>
+              </a:solidFill>
+            </a:endParaRPr>
+          </a:p>
+          <a:p>
+            <a:endParaRPr lang="en-US" sz="3600" dirty="0">
+              <a:solidFill>
+                <a:srgbClr val="FF0000"/>
+              </a:solidFill>
+            </a:endParaRPr>
           </a:p>
         </p:txBody>
       </p:sp>
@@ -5876,7 +5905,7 @@
           <a:p>
             <a:fld id="{0A6664A7-F427-4CE6-B4E0-68F20D477FC0}" type="datetime1">
               <a:rPr lang="ko-KR" altLang="en-US" smtClean="0"/>
-              <a:t>2019-09-26</a:t>
+              <a:t>2019-12-21</a:t>
             </a:fld>
             <a:endParaRPr lang="en-US"/>
           </a:p>
@@ -5928,37 +5957,10 @@
           </a:p>
         </p:txBody>
       </p:sp>
-      <p:sp>
-        <p:nvSpPr>
-          <p:cNvPr id="7" name="내용 개체 틀 6"/>
-          <p:cNvSpPr>
-            <a:spLocks noGrp="1"/>
-          </p:cNvSpPr>
-          <p:nvPr>
-            <p:ph idx="1"/>
-          </p:nvPr>
-        </p:nvSpPr>
-        <p:spPr/>
-        <p:txBody>
-          <a:bodyPr>
-            <a:normAutofit/>
-          </a:bodyPr>
-          <a:lstStyle/>
-          <a:p>
-            <a:r>
-              <a:rPr lang="en-US" sz="3000">
-                <a:hlinkClick r:id="rId2"/>
-              </a:rPr>
-              <a:t>https://www.youtube.com/watch?v=Ir0DyvlbTM0</a:t>
-            </a:r>
-            <a:endParaRPr lang="en-US" sz="3000"/>
-          </a:p>
-        </p:txBody>
-      </p:sp>
     </p:spTree>
     <p:extLst>
       <p:ext uri="{BB962C8B-B14F-4D97-AF65-F5344CB8AC3E}">
-        <p14:creationId xmlns:p14="http://schemas.microsoft.com/office/powerpoint/2010/main" val="3928152115"/>
+        <p14:creationId xmlns:p14="http://schemas.microsoft.com/office/powerpoint/2010/main" val="1167840522"/>
       </p:ext>
     </p:extLst>
   </p:cSld>
@@ -6115,7 +6117,7 @@
           <a:p>
             <a:fld id="{0A6664A7-F427-4CE6-B4E0-68F20D477FC0}" type="datetime1">
               <a:rPr lang="ko-KR" altLang="en-US" smtClean="0"/>
-              <a:t>2019-09-26</a:t>
+              <a:t>2019-12-21</a:t>
             </a:fld>
             <a:endParaRPr lang="en-US"/>
           </a:p>
@@ -6209,6 +6211,161 @@
         </p:nvSpPr>
         <p:spPr/>
         <p:txBody>
+          <a:bodyPr>
+            <a:normAutofit/>
+          </a:bodyPr>
+          <a:lstStyle/>
+          <a:p>
+            <a:r>
+              <a:rPr lang="en-US" altLang="ko-KR" dirty="0"/>
+              <a:t>Bebop 2 PX4 </a:t>
+            </a:r>
+            <a:r>
+              <a:rPr lang="ko-KR" altLang="en-US" dirty="0"/>
+              <a:t>캘리브레이션 방법</a:t>
+            </a:r>
+            <a:endParaRPr lang="en-US" dirty="0"/>
+          </a:p>
+        </p:txBody>
+      </p:sp>
+      <p:sp>
+        <p:nvSpPr>
+          <p:cNvPr id="4" name="날짜 개체 틀 3"/>
+          <p:cNvSpPr>
+            <a:spLocks noGrp="1"/>
+          </p:cNvSpPr>
+          <p:nvPr>
+            <p:ph type="dt" sz="half" idx="10"/>
+          </p:nvPr>
+        </p:nvSpPr>
+        <p:spPr/>
+        <p:txBody>
+          <a:bodyPr/>
+          <a:lstStyle/>
+          <a:p>
+            <a:fld id="{0A6664A7-F427-4CE6-B4E0-68F20D477FC0}" type="datetime1">
+              <a:rPr lang="ko-KR" altLang="en-US" smtClean="0"/>
+              <a:t>2019-12-21</a:t>
+            </a:fld>
+            <a:endParaRPr lang="en-US"/>
+          </a:p>
+        </p:txBody>
+      </p:sp>
+      <p:sp>
+        <p:nvSpPr>
+          <p:cNvPr id="5" name="바닥글 개체 틀 4"/>
+          <p:cNvSpPr>
+            <a:spLocks noGrp="1"/>
+          </p:cNvSpPr>
+          <p:nvPr>
+            <p:ph type="ftr" sz="quarter" idx="11"/>
+          </p:nvPr>
+        </p:nvSpPr>
+        <p:spPr/>
+        <p:txBody>
+          <a:bodyPr/>
+          <a:lstStyle/>
+          <a:p>
+            <a:r>
+              <a:rPr lang="ko-KR" altLang="en-US"/>
+              <a:t>자율비행 스터디 일정</a:t>
+            </a:r>
+            <a:endParaRPr lang="en-US"/>
+          </a:p>
+        </p:txBody>
+      </p:sp>
+      <p:sp>
+        <p:nvSpPr>
+          <p:cNvPr id="6" name="슬라이드 번호 개체 틀 5"/>
+          <p:cNvSpPr>
+            <a:spLocks noGrp="1"/>
+          </p:cNvSpPr>
+          <p:nvPr>
+            <p:ph type="sldNum" sz="quarter" idx="12"/>
+          </p:nvPr>
+        </p:nvSpPr>
+        <p:spPr/>
+        <p:txBody>
+          <a:bodyPr/>
+          <a:lstStyle/>
+          <a:p>
+            <a:fld id="{AA0EB1BB-D2B3-481B-A5E1-F093F8D3CD29}" type="slidenum">
+              <a:rPr lang="en-US" smtClean="0"/>
+              <a:t>20</a:t>
+            </a:fld>
+            <a:endParaRPr lang="en-US"/>
+          </a:p>
+        </p:txBody>
+      </p:sp>
+      <p:sp>
+        <p:nvSpPr>
+          <p:cNvPr id="7" name="내용 개체 틀 6"/>
+          <p:cNvSpPr>
+            <a:spLocks noGrp="1"/>
+          </p:cNvSpPr>
+          <p:nvPr>
+            <p:ph idx="1"/>
+          </p:nvPr>
+        </p:nvSpPr>
+        <p:spPr/>
+        <p:txBody>
+          <a:bodyPr>
+            <a:normAutofit/>
+          </a:bodyPr>
+          <a:lstStyle/>
+          <a:p>
+            <a:r>
+              <a:rPr lang="en-US" sz="3000">
+                <a:hlinkClick r:id="rId2"/>
+              </a:rPr>
+              <a:t>https://www.youtube.com/watch?v=Ir0DyvlbTM0</a:t>
+            </a:r>
+            <a:endParaRPr lang="en-US" sz="3000"/>
+          </a:p>
+        </p:txBody>
+      </p:sp>
+    </p:spTree>
+    <p:extLst>
+      <p:ext uri="{BB962C8B-B14F-4D97-AF65-F5344CB8AC3E}">
+        <p14:creationId xmlns:p14="http://schemas.microsoft.com/office/powerpoint/2010/main" val="3928152115"/>
+      </p:ext>
+    </p:extLst>
+  </p:cSld>
+  <p:clrMapOvr>
+    <a:masterClrMapping/>
+  </p:clrMapOvr>
+</p:sld>
+</file>
+
+<file path=ppt/slides/slide21.xml><?xml version="1.0" encoding="utf-8"?>
+<p:sld xmlns:a="http://schemas.openxmlformats.org/drawingml/2006/main" xmlns:r="http://schemas.openxmlformats.org/officeDocument/2006/relationships" xmlns:p="http://schemas.openxmlformats.org/presentationml/2006/main">
+  <p:cSld>
+    <p:spTree>
+      <p:nvGrpSpPr>
+        <p:cNvPr id="1" name=""/>
+        <p:cNvGrpSpPr/>
+        <p:nvPr/>
+      </p:nvGrpSpPr>
+      <p:grpSpPr>
+        <a:xfrm>
+          <a:off x="0" y="0"/>
+          <a:ext cx="0" cy="0"/>
+          <a:chOff x="0" y="0"/>
+          <a:chExt cx="0" cy="0"/>
+        </a:xfrm>
+      </p:grpSpPr>
+      <p:sp>
+        <p:nvSpPr>
+          <p:cNvPr id="2" name="제목 1"/>
+          <p:cNvSpPr>
+            <a:spLocks noGrp="1"/>
+          </p:cNvSpPr>
+          <p:nvPr>
+            <p:ph type="title"/>
+          </p:nvPr>
+        </p:nvSpPr>
+        <p:spPr/>
+        <p:txBody>
           <a:bodyPr/>
           <a:lstStyle/>
           <a:p>
@@ -6267,7 +6424,7 @@
           <a:p>
             <a:fld id="{0A6664A7-F427-4CE6-B4E0-68F20D477FC0}" type="datetime1">
               <a:rPr lang="ko-KR" altLang="en-US" smtClean="0"/>
-              <a:t>2019-09-26</a:t>
+              <a:t>2019-12-21</a:t>
             </a:fld>
             <a:endParaRPr lang="en-US"/>
           </a:p>
@@ -6313,7 +6470,7 @@
           <a:p>
             <a:fld id="{AA0EB1BB-D2B3-481B-A5E1-F093F8D3CD29}" type="slidenum">
               <a:rPr lang="en-US" smtClean="0"/>
-              <a:t>20</a:t>
+              <a:t>21</a:t>
             </a:fld>
             <a:endParaRPr lang="en-US"/>
           </a:p>
@@ -6356,7 +6513,7 @@
 </p:sld>
 </file>
 
-<file path=ppt/slides/slide21.xml><?xml version="1.0" encoding="utf-8"?>
+<file path=ppt/slides/slide22.xml><?xml version="1.0" encoding="utf-8"?>
 <p:sld xmlns:a="http://schemas.openxmlformats.org/drawingml/2006/main" xmlns:r="http://schemas.openxmlformats.org/officeDocument/2006/relationships" xmlns:p="http://schemas.openxmlformats.org/presentationml/2006/main">
   <p:cSld>
     <p:spTree>
@@ -6423,7 +6580,7 @@
           <a:p>
             <a:fld id="{AA0EB1BB-D2B3-481B-A5E1-F093F8D3CD29}" type="slidenum">
               <a:rPr lang="en-US" smtClean="0"/>
-              <a:t>21</a:t>
+              <a:t>22</a:t>
             </a:fld>
             <a:endParaRPr lang="en-US"/>
           </a:p>
@@ -6446,7 +6603,7 @@
           <a:p>
             <a:fld id="{7499096A-FB80-4DFA-8377-57081A574AA4}" type="datetime1">
               <a:rPr lang="ko-KR" altLang="en-US" smtClean="0"/>
-              <a:t>2019-09-26</a:t>
+              <a:t>2019-12-21</a:t>
             </a:fld>
             <a:endParaRPr lang="en-US"/>
           </a:p>
@@ -6674,7 +6831,7 @@
           <a:p>
             <a:fld id="{0A6664A7-F427-4CE6-B4E0-68F20D477FC0}" type="datetime1">
               <a:rPr lang="ko-KR" altLang="en-US" smtClean="0"/>
-              <a:t>2019-09-26</a:t>
+              <a:t>2019-12-21</a:t>
             </a:fld>
             <a:endParaRPr lang="en-US"/>
           </a:p>
@@ -7858,7 +8015,7 @@
           <a:p>
             <a:fld id="{0A6664A7-F427-4CE6-B4E0-68F20D477FC0}" type="datetime1">
               <a:rPr lang="ko-KR" altLang="en-US" smtClean="0"/>
-              <a:t>2019-09-26</a:t>
+              <a:t>2019-12-21</a:t>
             </a:fld>
             <a:endParaRPr lang="en-US"/>
           </a:p>
@@ -9051,7 +9208,7 @@
           <a:p>
             <a:fld id="{0A6664A7-F427-4CE6-B4E0-68F20D477FC0}" type="datetime1">
               <a:rPr lang="ko-KR" altLang="en-US" smtClean="0"/>
-              <a:t>2019-09-26</a:t>
+              <a:t>2019-12-21</a:t>
             </a:fld>
             <a:endParaRPr lang="en-US"/>
           </a:p>
@@ -9146,47 +9303,6 @@
       </p:pic>
       <p:pic>
         <p:nvPicPr>
-          <p:cNvPr id="1030" name="Picture 6" descr="ArduPilot Logo, Medium Size.png"/>
-          <p:cNvPicPr>
-            <a:picLocks noChangeAspect="1" noChangeArrowheads="1"/>
-          </p:cNvPicPr>
-          <p:nvPr/>
-        </p:nvPicPr>
-        <p:blipFill>
-          <a:blip r:embed="rId3">
-            <a:extLst>
-              <a:ext uri="{28A0092B-C50C-407E-A947-70E740481C1C}">
-                <a14:useLocalDpi xmlns:a14="http://schemas.microsoft.com/office/drawing/2010/main" val="0"/>
-              </a:ext>
-            </a:extLst>
-          </a:blip>
-          <a:srcRect/>
-          <a:stretch>
-            <a:fillRect/>
-          </a:stretch>
-        </p:blipFill>
-        <p:spPr bwMode="auto">
-          <a:xfrm>
-            <a:off x="7272122" y="569172"/>
-            <a:ext cx="2095500" cy="314326"/>
-          </a:xfrm>
-          <a:prstGeom prst="rect">
-            <a:avLst/>
-          </a:prstGeom>
-          <a:noFill/>
-          <a:extLst>
-            <a:ext uri="{909E8E84-426E-40DD-AFC4-6F175D3DCCD1}">
-              <a14:hiddenFill xmlns:a14="http://schemas.microsoft.com/office/drawing/2010/main">
-                <a:solidFill>
-                  <a:srgbClr val="FFFFFF"/>
-                </a:solidFill>
-              </a14:hiddenFill>
-            </a:ext>
-          </a:extLst>
-        </p:spPr>
-      </p:pic>
-      <p:pic>
-        <p:nvPicPr>
           <p:cNvPr id="1028" name="Picture 4" descr="Image result for px4 autopilot">
             <a:extLst>
               <a:ext uri="{FF2B5EF4-FFF2-40B4-BE49-F238E27FC236}">
@@ -9200,7 +9316,7 @@
           <p:nvPr/>
         </p:nvPicPr>
         <p:blipFill>
-          <a:blip r:embed="rId4" cstate="print">
+          <a:blip r:embed="rId3" cstate="print">
             <a:extLst>
               <a:ext uri="{28A0092B-C50C-407E-A947-70E740481C1C}">
                 <a14:useLocalDpi xmlns:a14="http://schemas.microsoft.com/office/drawing/2010/main" val="0"/>
@@ -9279,6 +9395,380 @@
           <a:p>
             <a:r>
               <a:rPr lang="en-US"/>
+              <a:t>ArduPilot </a:t>
+            </a:r>
+            <a:r>
+              <a:rPr lang="ko-KR" altLang="en-US"/>
+              <a:t>소개</a:t>
+            </a:r>
+            <a:endParaRPr lang="en-US" dirty="0"/>
+          </a:p>
+        </p:txBody>
+      </p:sp>
+      <p:sp>
+        <p:nvSpPr>
+          <p:cNvPr id="3" name="내용 개체 틀 2"/>
+          <p:cNvSpPr>
+            <a:spLocks noGrp="1"/>
+          </p:cNvSpPr>
+          <p:nvPr>
+            <p:ph idx="1"/>
+          </p:nvPr>
+        </p:nvSpPr>
+        <p:spPr>
+          <a:xfrm>
+            <a:off x="681038" y="1255271"/>
+            <a:ext cx="8543925" cy="3727276"/>
+          </a:xfrm>
+        </p:spPr>
+        <p:txBody>
+          <a:bodyPr>
+            <a:normAutofit fontScale="70000" lnSpcReduction="20000"/>
+          </a:bodyPr>
+          <a:lstStyle/>
+          <a:p>
+            <a:pPr>
+              <a:lnSpc>
+                <a:spcPct val="120000"/>
+              </a:lnSpc>
+            </a:pPr>
+            <a:r>
+              <a:rPr lang="en-US" altLang="ko-KR" dirty="0"/>
+              <a:t>ArduPilot</a:t>
+            </a:r>
+            <a:r>
+              <a:rPr lang="ko-KR" altLang="en-US"/>
+              <a:t>은 운송체의 자율 제어를 위한 오픈 소스 </a:t>
+            </a:r>
+            <a:r>
+              <a:rPr lang="ko-KR" altLang="en-US" dirty="0"/>
+              <a:t>소프트웨어이다</a:t>
+            </a:r>
+            <a:r>
+              <a:rPr lang="en-US" altLang="ko-KR" dirty="0"/>
+              <a:t>.</a:t>
+            </a:r>
+          </a:p>
+          <a:p>
+            <a:pPr>
+              <a:lnSpc>
+                <a:spcPct val="120000"/>
+              </a:lnSpc>
+            </a:pPr>
+            <a:r>
+              <a:rPr lang="en-US" dirty="0"/>
+              <a:t>ArduPilot </a:t>
+            </a:r>
+            <a:r>
+              <a:rPr lang="ko-KR" altLang="en-US" dirty="0"/>
+              <a:t>조정 </a:t>
+            </a:r>
+            <a:r>
+              <a:rPr lang="ko-KR" altLang="en-US"/>
+              <a:t>가능 운송체 목록</a:t>
+            </a:r>
+            <a:endParaRPr lang="en-US" dirty="0"/>
+          </a:p>
+          <a:p>
+            <a:pPr lvl="1">
+              <a:lnSpc>
+                <a:spcPct val="120000"/>
+              </a:lnSpc>
+            </a:pPr>
+            <a:r>
+              <a:rPr lang="ko-KR" altLang="en-US" dirty="0"/>
+              <a:t>멀티 로터 드론</a:t>
+            </a:r>
+            <a:endParaRPr lang="en-US" altLang="ko-KR" dirty="0"/>
+          </a:p>
+          <a:p>
+            <a:pPr lvl="1">
+              <a:lnSpc>
+                <a:spcPct val="120000"/>
+              </a:lnSpc>
+            </a:pPr>
+            <a:r>
+              <a:rPr lang="ko-KR" altLang="en-US" dirty="0"/>
+              <a:t>고정익 및 </a:t>
+            </a:r>
+            <a:r>
+              <a:rPr lang="en-US" altLang="ko-KR" dirty="0"/>
+              <a:t>VTOL </a:t>
+            </a:r>
+            <a:r>
+              <a:rPr lang="ko-KR" altLang="en-US" dirty="0"/>
+              <a:t>항공기</a:t>
+            </a:r>
+            <a:r>
+              <a:rPr lang="en-US" altLang="ko-KR" dirty="0"/>
+              <a:t> </a:t>
+            </a:r>
+            <a:endParaRPr lang="en-US" dirty="0"/>
+          </a:p>
+          <a:p>
+            <a:pPr lvl="1">
+              <a:lnSpc>
+                <a:spcPct val="120000"/>
+              </a:lnSpc>
+            </a:pPr>
+            <a:r>
+              <a:rPr lang="ko-KR" altLang="en-US" dirty="0"/>
+              <a:t>헬리콥터</a:t>
+            </a:r>
+            <a:endParaRPr lang="en-US" dirty="0"/>
+          </a:p>
+          <a:p>
+            <a:pPr lvl="1">
+              <a:lnSpc>
+                <a:spcPct val="120000"/>
+              </a:lnSpc>
+            </a:pPr>
+            <a:r>
+              <a:rPr lang="en-US" dirty="0"/>
+              <a:t>Ground</a:t>
+            </a:r>
+            <a:r>
+              <a:rPr lang="en-US"/>
+              <a:t> Rovers</a:t>
+            </a:r>
+            <a:endParaRPr lang="en-US" dirty="0"/>
+          </a:p>
+          <a:p>
+            <a:pPr lvl="1">
+              <a:lnSpc>
+                <a:spcPct val="120000"/>
+              </a:lnSpc>
+            </a:pPr>
+            <a:r>
+              <a:rPr lang="ko-KR" altLang="en-US" dirty="0"/>
+              <a:t>보트</a:t>
+            </a:r>
+            <a:endParaRPr lang="en-US" altLang="ko-KR" dirty="0"/>
+          </a:p>
+          <a:p>
+            <a:pPr lvl="1">
+              <a:lnSpc>
+                <a:spcPct val="120000"/>
+              </a:lnSpc>
+            </a:pPr>
+            <a:r>
+              <a:rPr lang="ko-KR" altLang="en-US" dirty="0"/>
+              <a:t>잠수함</a:t>
+            </a:r>
+            <a:endParaRPr lang="en-US" altLang="ko-KR" dirty="0"/>
+          </a:p>
+          <a:p>
+            <a:pPr lvl="1">
+              <a:lnSpc>
+                <a:spcPct val="120000"/>
+              </a:lnSpc>
+            </a:pPr>
+            <a:r>
+              <a:rPr lang="ko-KR" altLang="en-US" dirty="0"/>
+              <a:t>안테나 추적기</a:t>
+            </a:r>
+            <a:endParaRPr lang="en-US" dirty="0"/>
+          </a:p>
+        </p:txBody>
+      </p:sp>
+      <p:sp>
+        <p:nvSpPr>
+          <p:cNvPr id="4" name="날짜 개체 틀 3"/>
+          <p:cNvSpPr>
+            <a:spLocks noGrp="1"/>
+          </p:cNvSpPr>
+          <p:nvPr>
+            <p:ph type="dt" sz="half" idx="10"/>
+          </p:nvPr>
+        </p:nvSpPr>
+        <p:spPr/>
+        <p:txBody>
+          <a:bodyPr/>
+          <a:lstStyle/>
+          <a:p>
+            <a:fld id="{0A6664A7-F427-4CE6-B4E0-68F20D477FC0}" type="datetime1">
+              <a:rPr lang="ko-KR" altLang="en-US" smtClean="0"/>
+              <a:t>2019-12-21</a:t>
+            </a:fld>
+            <a:endParaRPr lang="en-US"/>
+          </a:p>
+        </p:txBody>
+      </p:sp>
+      <p:sp>
+        <p:nvSpPr>
+          <p:cNvPr id="5" name="바닥글 개체 틀 4"/>
+          <p:cNvSpPr>
+            <a:spLocks noGrp="1"/>
+          </p:cNvSpPr>
+          <p:nvPr>
+            <p:ph type="ftr" sz="quarter" idx="11"/>
+          </p:nvPr>
+        </p:nvSpPr>
+        <p:spPr/>
+        <p:txBody>
+          <a:bodyPr/>
+          <a:lstStyle/>
+          <a:p>
+            <a:r>
+              <a:rPr lang="ko-KR" altLang="en-US"/>
+              <a:t>자율비행 스터디 일정</a:t>
+            </a:r>
+            <a:endParaRPr lang="en-US"/>
+          </a:p>
+        </p:txBody>
+      </p:sp>
+      <p:sp>
+        <p:nvSpPr>
+          <p:cNvPr id="6" name="슬라이드 번호 개체 틀 5"/>
+          <p:cNvSpPr>
+            <a:spLocks noGrp="1"/>
+          </p:cNvSpPr>
+          <p:nvPr>
+            <p:ph type="sldNum" sz="quarter" idx="12"/>
+          </p:nvPr>
+        </p:nvSpPr>
+        <p:spPr/>
+        <p:txBody>
+          <a:bodyPr/>
+          <a:lstStyle/>
+          <a:p>
+            <a:fld id="{AA0EB1BB-D2B3-481B-A5E1-F093F8D3CD29}" type="slidenum">
+              <a:rPr lang="en-US" smtClean="0"/>
+              <a:t>7</a:t>
+            </a:fld>
+            <a:endParaRPr lang="en-US"/>
+          </a:p>
+        </p:txBody>
+      </p:sp>
+      <p:pic>
+        <p:nvPicPr>
+          <p:cNvPr id="1026" name="Picture 2" descr="Image result for ardupilot"/>
+          <p:cNvPicPr>
+            <a:picLocks noChangeAspect="1" noChangeArrowheads="1"/>
+          </p:cNvPicPr>
+          <p:nvPr/>
+        </p:nvPicPr>
+        <p:blipFill>
+          <a:blip r:embed="rId2" cstate="print">
+            <a:extLst>
+              <a:ext uri="{28A0092B-C50C-407E-A947-70E740481C1C}">
+                <a14:useLocalDpi xmlns:a14="http://schemas.microsoft.com/office/drawing/2010/main" val="0"/>
+              </a:ext>
+            </a:extLst>
+          </a:blip>
+          <a:srcRect/>
+          <a:stretch>
+            <a:fillRect/>
+          </a:stretch>
+        </p:blipFill>
+        <p:spPr bwMode="auto">
+          <a:xfrm>
+            <a:off x="3961725" y="3022600"/>
+            <a:ext cx="5327682" cy="3001511"/>
+          </a:xfrm>
+          <a:prstGeom prst="rect">
+            <a:avLst/>
+          </a:prstGeom>
+          <a:noFill/>
+          <a:extLst>
+            <a:ext uri="{909E8E84-426E-40DD-AFC4-6F175D3DCCD1}">
+              <a14:hiddenFill xmlns:a14="http://schemas.microsoft.com/office/drawing/2010/main">
+                <a:solidFill>
+                  <a:srgbClr val="FFFFFF"/>
+                </a:solidFill>
+              </a14:hiddenFill>
+            </a:ext>
+          </a:extLst>
+        </p:spPr>
+      </p:pic>
+      <p:pic>
+        <p:nvPicPr>
+          <p:cNvPr id="1030" name="Picture 6" descr="ArduPilot Logo, Medium Size.png"/>
+          <p:cNvPicPr>
+            <a:picLocks noChangeAspect="1" noChangeArrowheads="1"/>
+          </p:cNvPicPr>
+          <p:nvPr/>
+        </p:nvPicPr>
+        <p:blipFill>
+          <a:blip r:embed="rId3">
+            <a:extLst>
+              <a:ext uri="{28A0092B-C50C-407E-A947-70E740481C1C}">
+                <a14:useLocalDpi xmlns:a14="http://schemas.microsoft.com/office/drawing/2010/main" val="0"/>
+              </a:ext>
+            </a:extLst>
+          </a:blip>
+          <a:srcRect/>
+          <a:stretch>
+            <a:fillRect/>
+          </a:stretch>
+        </p:blipFill>
+        <p:spPr bwMode="auto">
+          <a:xfrm>
+            <a:off x="4949529" y="2049042"/>
+            <a:ext cx="4275433" cy="641317"/>
+          </a:xfrm>
+          <a:prstGeom prst="rect">
+            <a:avLst/>
+          </a:prstGeom>
+          <a:noFill/>
+          <a:extLst>
+            <a:ext uri="{909E8E84-426E-40DD-AFC4-6F175D3DCCD1}">
+              <a14:hiddenFill xmlns:a14="http://schemas.microsoft.com/office/drawing/2010/main">
+                <a:solidFill>
+                  <a:srgbClr val="FFFFFF"/>
+                </a:solidFill>
+              </a14:hiddenFill>
+            </a:ext>
+          </a:extLst>
+        </p:spPr>
+      </p:pic>
+    </p:spTree>
+    <p:extLst>
+      <p:ext uri="{BB962C8B-B14F-4D97-AF65-F5344CB8AC3E}">
+        <p14:creationId xmlns:p14="http://schemas.microsoft.com/office/powerpoint/2010/main" val="2818275650"/>
+      </p:ext>
+    </p:extLst>
+  </p:cSld>
+  <p:clrMapOvr>
+    <a:masterClrMapping/>
+  </p:clrMapOvr>
+</p:sld>
+</file>
+
+<file path=ppt/slides/slide8.xml><?xml version="1.0" encoding="utf-8"?>
+<p:sld xmlns:a="http://schemas.openxmlformats.org/drawingml/2006/main" xmlns:r="http://schemas.openxmlformats.org/officeDocument/2006/relationships" xmlns:p="http://schemas.openxmlformats.org/presentationml/2006/main">
+  <p:cSld>
+    <p:spTree>
+      <p:nvGrpSpPr>
+        <p:cNvPr id="1" name=""/>
+        <p:cNvGrpSpPr/>
+        <p:nvPr/>
+      </p:nvGrpSpPr>
+      <p:grpSpPr>
+        <a:xfrm>
+          <a:off x="0" y="0"/>
+          <a:ext cx="0" cy="0"/>
+          <a:chOff x="0" y="0"/>
+          <a:chExt cx="0" cy="0"/>
+        </a:xfrm>
+      </p:grpSpPr>
+      <p:sp>
+        <p:nvSpPr>
+          <p:cNvPr id="2" name="제목 1"/>
+          <p:cNvSpPr>
+            <a:spLocks noGrp="1"/>
+          </p:cNvSpPr>
+          <p:nvPr>
+            <p:ph type="title"/>
+          </p:nvPr>
+        </p:nvSpPr>
+        <p:spPr/>
+        <p:txBody>
+          <a:bodyPr/>
+          <a:lstStyle/>
+          <a:p>
+            <a:r>
+              <a:rPr lang="en-US"/>
               <a:t>Bebop 2 Drone</a:t>
             </a:r>
           </a:p>
@@ -9408,7 +9898,7 @@
           <a:p>
             <a:fld id="{0A6664A7-F427-4CE6-B4E0-68F20D477FC0}" type="datetime1">
               <a:rPr lang="ko-KR" altLang="en-US" smtClean="0"/>
-              <a:t>2019-09-26</a:t>
+              <a:t>2019-12-21</a:t>
             </a:fld>
             <a:endParaRPr lang="en-US"/>
           </a:p>
@@ -9454,7 +9944,7 @@
           <a:p>
             <a:fld id="{AA0EB1BB-D2B3-481B-A5E1-F093F8D3CD29}" type="slidenum">
               <a:rPr lang="en-US" smtClean="0"/>
-              <a:t>7</a:t>
+              <a:t>8</a:t>
             </a:fld>
             <a:endParaRPr lang="en-US"/>
           </a:p>
@@ -9499,7 +9989,7 @@
 </p:sld>
 </file>
 
-<file path=ppt/slides/slide8.xml><?xml version="1.0" encoding="utf-8"?>
+<file path=ppt/slides/slide9.xml><?xml version="1.0" encoding="utf-8"?>
 <p:sld xmlns:a="http://schemas.openxmlformats.org/drawingml/2006/main" xmlns:r="http://schemas.openxmlformats.org/officeDocument/2006/relationships" xmlns:p="http://schemas.openxmlformats.org/presentationml/2006/main">
   <p:cSld>
     <p:spTree>
@@ -9605,7 +10095,7 @@
           <a:p>
             <a:fld id="{0A6664A7-F427-4CE6-B4E0-68F20D477FC0}" type="datetime1">
               <a:rPr lang="ko-KR" altLang="en-US" smtClean="0"/>
-              <a:t>2019-09-26</a:t>
+              <a:t>2019-12-21</a:t>
             </a:fld>
             <a:endParaRPr lang="en-US"/>
           </a:p>
@@ -9651,7 +10141,7 @@
           <a:p>
             <a:fld id="{AA0EB1BB-D2B3-481B-A5E1-F093F8D3CD29}" type="slidenum">
               <a:rPr lang="en-US" smtClean="0"/>
-              <a:t>8</a:t>
+              <a:t>9</a:t>
             </a:fld>
             <a:endParaRPr lang="en-US"/>
           </a:p>
@@ -9694,162 +10184,6 @@
     <p:extLst>
       <p:ext uri="{BB962C8B-B14F-4D97-AF65-F5344CB8AC3E}">
         <p14:creationId xmlns:p14="http://schemas.microsoft.com/office/powerpoint/2010/main" val="1646578644"/>
-      </p:ext>
-    </p:extLst>
-  </p:cSld>
-  <p:clrMapOvr>
-    <a:masterClrMapping/>
-  </p:clrMapOvr>
-</p:sld>
-</file>
-
-<file path=ppt/slides/slide9.xml><?xml version="1.0" encoding="utf-8"?>
-<p:sld xmlns:a="http://schemas.openxmlformats.org/drawingml/2006/main" xmlns:r="http://schemas.openxmlformats.org/officeDocument/2006/relationships" xmlns:p="http://schemas.openxmlformats.org/presentationml/2006/main">
-  <p:cSld>
-    <p:spTree>
-      <p:nvGrpSpPr>
-        <p:cNvPr id="1" name=""/>
-        <p:cNvGrpSpPr/>
-        <p:nvPr/>
-      </p:nvGrpSpPr>
-      <p:grpSpPr>
-        <a:xfrm>
-          <a:off x="0" y="0"/>
-          <a:ext cx="0" cy="0"/>
-          <a:chOff x="0" y="0"/>
-          <a:chExt cx="0" cy="0"/>
-        </a:xfrm>
-      </p:grpSpPr>
-      <p:sp>
-        <p:nvSpPr>
-          <p:cNvPr id="2" name="제목 1"/>
-          <p:cNvSpPr>
-            <a:spLocks noGrp="1"/>
-          </p:cNvSpPr>
-          <p:nvPr>
-            <p:ph type="title"/>
-          </p:nvPr>
-        </p:nvSpPr>
-        <p:spPr/>
-        <p:txBody>
-          <a:bodyPr/>
-          <a:lstStyle/>
-          <a:p>
-            <a:r>
-              <a:rPr lang="en-US" dirty="0"/>
-              <a:t>PX4 </a:t>
-            </a:r>
-            <a:r>
-              <a:rPr lang="ko-KR" altLang="en-US" dirty="0"/>
-              <a:t>빌드 환경</a:t>
-            </a:r>
-            <a:endParaRPr lang="en-US" dirty="0"/>
-          </a:p>
-        </p:txBody>
-      </p:sp>
-      <p:sp>
-        <p:nvSpPr>
-          <p:cNvPr id="3" name="내용 개체 틀 2"/>
-          <p:cNvSpPr>
-            <a:spLocks noGrp="1"/>
-          </p:cNvSpPr>
-          <p:nvPr>
-            <p:ph idx="1"/>
-          </p:nvPr>
-        </p:nvSpPr>
-        <p:spPr/>
-        <p:txBody>
-          <a:bodyPr/>
-          <a:lstStyle/>
-          <a:p>
-            <a:r>
-              <a:rPr lang="ko-KR" altLang="en-US" dirty="0"/>
-              <a:t>운영체제</a:t>
-            </a:r>
-            <a:endParaRPr lang="en-US" dirty="0"/>
-          </a:p>
-          <a:p>
-            <a:pPr lvl="1"/>
-            <a:r>
-              <a:rPr lang="en-US" dirty="0"/>
-              <a:t>Ubuntu 18.04</a:t>
-            </a:r>
-          </a:p>
-        </p:txBody>
-      </p:sp>
-      <p:sp>
-        <p:nvSpPr>
-          <p:cNvPr id="4" name="날짜 개체 틀 3"/>
-          <p:cNvSpPr>
-            <a:spLocks noGrp="1"/>
-          </p:cNvSpPr>
-          <p:nvPr>
-            <p:ph type="dt" sz="half" idx="10"/>
-          </p:nvPr>
-        </p:nvSpPr>
-        <p:spPr/>
-        <p:txBody>
-          <a:bodyPr/>
-          <a:lstStyle/>
-          <a:p>
-            <a:fld id="{0A6664A7-F427-4CE6-B4E0-68F20D477FC0}" type="datetime1">
-              <a:rPr lang="ko-KR" altLang="en-US" smtClean="0"/>
-              <a:t>2019-09-26</a:t>
-            </a:fld>
-            <a:endParaRPr lang="en-US"/>
-          </a:p>
-        </p:txBody>
-      </p:sp>
-      <p:sp>
-        <p:nvSpPr>
-          <p:cNvPr id="5" name="바닥글 개체 틀 4"/>
-          <p:cNvSpPr>
-            <a:spLocks noGrp="1"/>
-          </p:cNvSpPr>
-          <p:nvPr>
-            <p:ph type="ftr" sz="quarter" idx="11"/>
-          </p:nvPr>
-        </p:nvSpPr>
-        <p:spPr/>
-        <p:txBody>
-          <a:bodyPr/>
-          <a:lstStyle/>
-          <a:p>
-            <a:r>
-              <a:rPr lang="ko-KR" altLang="en-US"/>
-              <a:t>자율비행 스터디 일정</a:t>
-            </a:r>
-            <a:endParaRPr lang="en-US"/>
-          </a:p>
-        </p:txBody>
-      </p:sp>
-      <p:sp>
-        <p:nvSpPr>
-          <p:cNvPr id="6" name="슬라이드 번호 개체 틀 5"/>
-          <p:cNvSpPr>
-            <a:spLocks noGrp="1"/>
-          </p:cNvSpPr>
-          <p:nvPr>
-            <p:ph type="sldNum" sz="quarter" idx="12"/>
-          </p:nvPr>
-        </p:nvSpPr>
-        <p:spPr/>
-        <p:txBody>
-          <a:bodyPr/>
-          <a:lstStyle/>
-          <a:p>
-            <a:fld id="{AA0EB1BB-D2B3-481B-A5E1-F093F8D3CD29}" type="slidenum">
-              <a:rPr lang="en-US" smtClean="0"/>
-              <a:t>9</a:t>
-            </a:fld>
-            <a:endParaRPr lang="en-US"/>
-          </a:p>
-        </p:txBody>
-      </p:sp>
-    </p:spTree>
-    <p:extLst>
-      <p:ext uri="{BB962C8B-B14F-4D97-AF65-F5344CB8AC3E}">
-        <p14:creationId xmlns:p14="http://schemas.microsoft.com/office/powerpoint/2010/main" val="528839942"/>
       </p:ext>
     </p:extLst>
   </p:cSld>
